--- a/Col1GFP_Sepsis/DEG analysis.pptx
+++ b/Col1GFP_Sepsis/DEG analysis.pptx
@@ -8,17 +8,26 @@
     <p:sldId id="256" r:id="rId2"/>
     <p:sldId id="257" r:id="rId3"/>
     <p:sldId id="268" r:id="rId4"/>
-    <p:sldId id="259" r:id="rId5"/>
-    <p:sldId id="260" r:id="rId6"/>
-    <p:sldId id="265" r:id="rId7"/>
-    <p:sldId id="266" r:id="rId8"/>
-    <p:sldId id="267" r:id="rId9"/>
-    <p:sldId id="261" r:id="rId10"/>
-    <p:sldId id="258" r:id="rId11"/>
-    <p:sldId id="269" r:id="rId12"/>
-    <p:sldId id="262" r:id="rId13"/>
-    <p:sldId id="263" r:id="rId14"/>
-    <p:sldId id="264" r:id="rId15"/>
+    <p:sldId id="275" r:id="rId5"/>
+    <p:sldId id="270" r:id="rId6"/>
+    <p:sldId id="272" r:id="rId7"/>
+    <p:sldId id="273" r:id="rId8"/>
+    <p:sldId id="274" r:id="rId9"/>
+    <p:sldId id="276" r:id="rId10"/>
+    <p:sldId id="277" r:id="rId11"/>
+    <p:sldId id="279" r:id="rId12"/>
+    <p:sldId id="280" r:id="rId13"/>
+    <p:sldId id="259" r:id="rId14"/>
+    <p:sldId id="260" r:id="rId15"/>
+    <p:sldId id="265" r:id="rId16"/>
+    <p:sldId id="266" r:id="rId17"/>
+    <p:sldId id="267" r:id="rId18"/>
+    <p:sldId id="261" r:id="rId19"/>
+    <p:sldId id="258" r:id="rId20"/>
+    <p:sldId id="269" r:id="rId21"/>
+    <p:sldId id="262" r:id="rId22"/>
+    <p:sldId id="263" r:id="rId23"/>
+    <p:sldId id="264" r:id="rId24"/>
   </p:sldIdLst>
   <p:sldSz cx="12192000" cy="6858000"/>
   <p:notesSz cx="6858000" cy="9144000"/>
@@ -117,6 +126,11 @@
       </a:defRPr>
     </a:lvl9pPr>
   </p:defaultTextStyle>
+  <p:extLst>
+    <p:ext uri="{EFAFB233-063F-42B5-8137-9DF3F51BA10A}">
+      <p15:sldGuideLst xmlns:p15="http://schemas.microsoft.com/office/powerpoint/2012/main"/>
+    </p:ext>
+  </p:extLst>
 </p:presentation>
 </file>
 
@@ -267,7 +281,7 @@
           <a:p>
             <a:fld id="{BA79DDC6-A47D-4E76-9A98-AC98850DAD79}" type="datetimeFigureOut">
               <a:rPr lang="en-US" smtClean="0"/>
-              <a:t>2/5/2025</a:t>
+              <a:t>2/10/2025</a:t>
             </a:fld>
             <a:endParaRPr lang="en-US"/>
           </a:p>
@@ -465,7 +479,7 @@
           <a:p>
             <a:fld id="{BA79DDC6-A47D-4E76-9A98-AC98850DAD79}" type="datetimeFigureOut">
               <a:rPr lang="en-US" smtClean="0"/>
-              <a:t>2/5/2025</a:t>
+              <a:t>2/10/2025</a:t>
             </a:fld>
             <a:endParaRPr lang="en-US"/>
           </a:p>
@@ -673,7 +687,7 @@
           <a:p>
             <a:fld id="{BA79DDC6-A47D-4E76-9A98-AC98850DAD79}" type="datetimeFigureOut">
               <a:rPr lang="en-US" smtClean="0"/>
-              <a:t>2/5/2025</a:t>
+              <a:t>2/10/2025</a:t>
             </a:fld>
             <a:endParaRPr lang="en-US"/>
           </a:p>
@@ -871,7 +885,7 @@
           <a:p>
             <a:fld id="{BA79DDC6-A47D-4E76-9A98-AC98850DAD79}" type="datetimeFigureOut">
               <a:rPr lang="en-US" smtClean="0"/>
-              <a:t>2/5/2025</a:t>
+              <a:t>2/10/2025</a:t>
             </a:fld>
             <a:endParaRPr lang="en-US"/>
           </a:p>
@@ -1146,7 +1160,7 @@
           <a:p>
             <a:fld id="{BA79DDC6-A47D-4E76-9A98-AC98850DAD79}" type="datetimeFigureOut">
               <a:rPr lang="en-US" smtClean="0"/>
-              <a:t>2/5/2025</a:t>
+              <a:t>2/10/2025</a:t>
             </a:fld>
             <a:endParaRPr lang="en-US"/>
           </a:p>
@@ -1411,7 +1425,7 @@
           <a:p>
             <a:fld id="{BA79DDC6-A47D-4E76-9A98-AC98850DAD79}" type="datetimeFigureOut">
               <a:rPr lang="en-US" smtClean="0"/>
-              <a:t>2/5/2025</a:t>
+              <a:t>2/10/2025</a:t>
             </a:fld>
             <a:endParaRPr lang="en-US"/>
           </a:p>
@@ -1823,7 +1837,7 @@
           <a:p>
             <a:fld id="{BA79DDC6-A47D-4E76-9A98-AC98850DAD79}" type="datetimeFigureOut">
               <a:rPr lang="en-US" smtClean="0"/>
-              <a:t>2/5/2025</a:t>
+              <a:t>2/10/2025</a:t>
             </a:fld>
             <a:endParaRPr lang="en-US"/>
           </a:p>
@@ -1964,7 +1978,7 @@
           <a:p>
             <a:fld id="{BA79DDC6-A47D-4E76-9A98-AC98850DAD79}" type="datetimeFigureOut">
               <a:rPr lang="en-US" smtClean="0"/>
-              <a:t>2/5/2025</a:t>
+              <a:t>2/10/2025</a:t>
             </a:fld>
             <a:endParaRPr lang="en-US"/>
           </a:p>
@@ -2077,7 +2091,7 @@
           <a:p>
             <a:fld id="{BA79DDC6-A47D-4E76-9A98-AC98850DAD79}" type="datetimeFigureOut">
               <a:rPr lang="en-US" smtClean="0"/>
-              <a:t>2/5/2025</a:t>
+              <a:t>2/10/2025</a:t>
             </a:fld>
             <a:endParaRPr lang="en-US"/>
           </a:p>
@@ -2388,7 +2402,7 @@
           <a:p>
             <a:fld id="{BA79DDC6-A47D-4E76-9A98-AC98850DAD79}" type="datetimeFigureOut">
               <a:rPr lang="en-US" smtClean="0"/>
-              <a:t>2/5/2025</a:t>
+              <a:t>2/10/2025</a:t>
             </a:fld>
             <a:endParaRPr lang="en-US"/>
           </a:p>
@@ -2676,7 +2690,7 @@
           <a:p>
             <a:fld id="{BA79DDC6-A47D-4E76-9A98-AC98850DAD79}" type="datetimeFigureOut">
               <a:rPr lang="en-US" smtClean="0"/>
-              <a:t>2/5/2025</a:t>
+              <a:t>2/10/2025</a:t>
             </a:fld>
             <a:endParaRPr lang="en-US"/>
           </a:p>
@@ -2917,7 +2931,7 @@
           <a:p>
             <a:fld id="{BA79DDC6-A47D-4E76-9A98-AC98850DAD79}" type="datetimeFigureOut">
               <a:rPr lang="en-US" smtClean="0"/>
-              <a:t>2/5/2025</a:t>
+              <a:t>2/10/2025</a:t>
             </a:fld>
             <a:endParaRPr lang="en-US"/>
           </a:p>
@@ -3414,9 +3428,9 @@
     <p:bg>
       <p:bgPr>
         <a:solidFill>
-          <a:schemeClr val="accent2">
-            <a:lumMod val="40000"/>
-            <a:lumOff val="60000"/>
+          <a:schemeClr val="accent4">
+            <a:lumMod val="20000"/>
+            <a:lumOff val="80000"/>
           </a:schemeClr>
         </a:solidFill>
         <a:effectLst/>
@@ -3424,7 +3438,13 @@
     </p:bg>
     <p:spTree>
       <p:nvGrpSpPr>
-        <p:cNvPr id="1" name=""/>
+        <p:cNvPr id="1" name="">
+          <a:extLst>
+            <a:ext uri="{FF2B5EF4-FFF2-40B4-BE49-F238E27FC236}">
+              <a16:creationId xmlns:a16="http://schemas.microsoft.com/office/drawing/2014/main" id="{07D33B03-3CE9-23D6-ACC6-9F8D53E54B3C}"/>
+            </a:ext>
+          </a:extLst>
+        </p:cNvPr>
         <p:cNvGrpSpPr/>
         <p:nvPr/>
       </p:nvGrpSpPr>
@@ -3441,7 +3461,7 @@
           <p:cNvPr id="2" name="Title 1">
             <a:extLst>
               <a:ext uri="{FF2B5EF4-FFF2-40B4-BE49-F238E27FC236}">
-                <a16:creationId xmlns:a16="http://schemas.microsoft.com/office/drawing/2014/main" id="{7C2C117B-2314-4CEB-865B-56E7F9C8CD27}"/>
+                <a16:creationId xmlns:a16="http://schemas.microsoft.com/office/drawing/2014/main" id="{0F4D142D-E2D2-130D-8EBC-78E1E07A7205}"/>
               </a:ext>
             </a:extLst>
           </p:cNvPr>
@@ -3454,25 +3474,161 @@
         </p:nvSpPr>
         <p:spPr>
           <a:xfrm>
-            <a:off x="4143876" y="2766218"/>
-            <a:ext cx="3904248" cy="1325563"/>
+            <a:off x="838200" y="0"/>
+            <a:ext cx="10515600" cy="1325563"/>
           </a:xfrm>
         </p:spPr>
         <p:txBody>
           <a:bodyPr/>
           <a:lstStyle/>
           <a:p>
-            <a:r>
-              <a:rPr lang="en-US" b="1" dirty="0"/>
-              <a:t>Downregulated</a:t>
-            </a:r>
+            <a:pPr algn="ctr"/>
+            <a:r>
+              <a:rPr lang="en-US" b="1" u="sng">
+                <a:latin typeface="Aharoni" panose="02010803020104030203" pitchFamily="2" charset="-79"/>
+                <a:cs typeface="Aharoni" panose="02010803020104030203" pitchFamily="2" charset="-79"/>
+              </a:rPr>
+              <a:t>Heatmap Removing Top 3 Hits</a:t>
+            </a:r>
+            <a:endParaRPr lang="en-US" b="1" u="sng" dirty="0">
+              <a:latin typeface="Aharoni" panose="02010803020104030203" pitchFamily="2" charset="-79"/>
+              <a:cs typeface="Aharoni" panose="02010803020104030203" pitchFamily="2" charset="-79"/>
+            </a:endParaRPr>
+          </a:p>
+        </p:txBody>
+      </p:sp>
+      <p:pic>
+        <p:nvPicPr>
+          <p:cNvPr id="5" name="Picture 4">
+            <a:extLst>
+              <a:ext uri="{FF2B5EF4-FFF2-40B4-BE49-F238E27FC236}">
+                <a16:creationId xmlns:a16="http://schemas.microsoft.com/office/drawing/2014/main" id="{BFF0A555-1980-87DE-2754-257FB2257748}"/>
+              </a:ext>
+            </a:extLst>
+          </p:cNvPr>
+          <p:cNvPicPr>
+            <a:picLocks noChangeAspect="1"/>
+          </p:cNvPicPr>
+          <p:nvPr/>
+        </p:nvPicPr>
+        <p:blipFill>
+          <a:blip r:embed="rId2"/>
+          <a:stretch>
+            <a:fillRect/>
+          </a:stretch>
+        </p:blipFill>
+        <p:spPr>
+          <a:xfrm>
+            <a:off x="247650" y="1128712"/>
+            <a:ext cx="7734300" cy="5619829"/>
+          </a:xfrm>
+          <a:prstGeom prst="rect">
+            <a:avLst/>
+          </a:prstGeom>
+        </p:spPr>
+      </p:pic>
+      <p:sp>
+        <p:nvSpPr>
+          <p:cNvPr id="7" name="TextBox 6">
+            <a:extLst>
+              <a:ext uri="{FF2B5EF4-FFF2-40B4-BE49-F238E27FC236}">
+                <a16:creationId xmlns:a16="http://schemas.microsoft.com/office/drawing/2014/main" id="{C599052D-C361-E9EA-A94F-A12E5D11E92B}"/>
+              </a:ext>
+            </a:extLst>
+          </p:cNvPr>
+          <p:cNvSpPr txBox="1"/>
+          <p:nvPr/>
+        </p:nvSpPr>
+        <p:spPr>
+          <a:xfrm>
+            <a:off x="8343900" y="1379220"/>
+            <a:ext cx="2529840" cy="2862322"/>
+          </a:xfrm>
+          <a:prstGeom prst="rect">
+            <a:avLst/>
+          </a:prstGeom>
+          <a:noFill/>
+        </p:spPr>
+        <p:txBody>
+          <a:bodyPr wrap="square" rtlCol="0">
+            <a:spAutoFit/>
+          </a:bodyPr>
+          <a:lstStyle/>
+          <a:p>
+            <a:r>
+              <a:rPr lang="en-US" dirty="0"/>
+              <a:t>After removing top three hits, we can discern upregulated genes</a:t>
+            </a:r>
+          </a:p>
+          <a:p>
+            <a:pPr marL="285750" indent="-285750">
+              <a:buFont typeface="Arial" panose="020B0604020202020204" pitchFamily="34" charset="0"/>
+              <a:buChar char="•"/>
+            </a:pPr>
+            <a:r>
+              <a:rPr lang="en-US" dirty="0"/>
+              <a:t>SPRED1</a:t>
+            </a:r>
+          </a:p>
+          <a:p>
+            <a:pPr marL="285750" indent="-285750">
+              <a:buFont typeface="Arial" panose="020B0604020202020204" pitchFamily="34" charset="0"/>
+              <a:buChar char="•"/>
+            </a:pPr>
+            <a:r>
+              <a:rPr lang="en-US" dirty="0"/>
+              <a:t>PKD2</a:t>
+            </a:r>
+          </a:p>
+          <a:p>
+            <a:pPr marL="285750" indent="-285750">
+              <a:buFont typeface="Arial" panose="020B0604020202020204" pitchFamily="34" charset="0"/>
+              <a:buChar char="•"/>
+            </a:pPr>
+            <a:r>
+              <a:rPr lang="en-US" dirty="0"/>
+              <a:t>MYCBP2</a:t>
+            </a:r>
+          </a:p>
+          <a:p>
+            <a:pPr marL="285750" indent="-285750">
+              <a:buFont typeface="Arial" panose="020B0604020202020204" pitchFamily="34" charset="0"/>
+              <a:buChar char="•"/>
+            </a:pPr>
+            <a:r>
+              <a:rPr lang="en-US" dirty="0"/>
+              <a:t>CREBBP</a:t>
+            </a:r>
+          </a:p>
+          <a:p>
+            <a:pPr marL="285750" indent="-285750">
+              <a:buFont typeface="Arial" panose="020B0604020202020204" pitchFamily="34" charset="0"/>
+              <a:buChar char="•"/>
+            </a:pPr>
+            <a:r>
+              <a:rPr lang="en-US" dirty="0"/>
+              <a:t>USP7</a:t>
+            </a:r>
+          </a:p>
+          <a:p>
+            <a:pPr marL="285750" indent="-285750">
+              <a:buFont typeface="Arial" panose="020B0604020202020204" pitchFamily="34" charset="0"/>
+              <a:buChar char="•"/>
+            </a:pPr>
+            <a:r>
+              <a:rPr lang="en-US" dirty="0"/>
+              <a:t>ANGPTL4 </a:t>
+            </a:r>
+          </a:p>
+          <a:p>
+            <a:endParaRPr lang="en-US" dirty="0"/>
           </a:p>
         </p:txBody>
       </p:sp>
     </p:spTree>
     <p:extLst>
       <p:ext uri="{BB962C8B-B14F-4D97-AF65-F5344CB8AC3E}">
-        <p14:creationId xmlns:p14="http://schemas.microsoft.com/office/powerpoint/2010/main" val="2072559559"/>
+        <p14:creationId xmlns:p14="http://schemas.microsoft.com/office/powerpoint/2010/main" val="3022654608"/>
       </p:ext>
     </p:extLst>
   </p:cSld>
@@ -3485,9 +3641,26 @@
 <file path=ppt/slides/slide11.xml><?xml version="1.0" encoding="utf-8"?>
 <p:sld xmlns:a="http://schemas.openxmlformats.org/drawingml/2006/main" xmlns:r="http://schemas.openxmlformats.org/officeDocument/2006/relationships" xmlns:p="http://schemas.openxmlformats.org/presentationml/2006/main">
   <p:cSld>
+    <p:bg>
+      <p:bgPr>
+        <a:solidFill>
+          <a:schemeClr val="accent4">
+            <a:lumMod val="20000"/>
+            <a:lumOff val="80000"/>
+          </a:schemeClr>
+        </a:solidFill>
+        <a:effectLst/>
+      </p:bgPr>
+    </p:bg>
     <p:spTree>
       <p:nvGrpSpPr>
-        <p:cNvPr id="1" name=""/>
+        <p:cNvPr id="1" name="">
+          <a:extLst>
+            <a:ext uri="{FF2B5EF4-FFF2-40B4-BE49-F238E27FC236}">
+              <a16:creationId xmlns:a16="http://schemas.microsoft.com/office/drawing/2014/main" id="{A8E01745-67D7-B40B-22BE-72A08D5249FD}"/>
+            </a:ext>
+          </a:extLst>
+        </p:cNvPr>
         <p:cNvGrpSpPr/>
         <p:nvPr/>
       </p:nvGrpSpPr>
@@ -3504,7 +3677,7 @@
           <p:cNvPr id="2" name="Title 1">
             <a:extLst>
               <a:ext uri="{FF2B5EF4-FFF2-40B4-BE49-F238E27FC236}">
-                <a16:creationId xmlns:a16="http://schemas.microsoft.com/office/drawing/2014/main" id="{6BD3DE04-39D6-4C94-96A3-4E813B121FCF}"/>
+                <a16:creationId xmlns:a16="http://schemas.microsoft.com/office/drawing/2014/main" id="{AA73F8C0-0A5F-955F-D7C9-57C0095672BC}"/>
               </a:ext>
             </a:extLst>
           </p:cNvPr>
@@ -3513,148 +3686,273 @@
           </p:cNvSpPr>
           <p:nvPr>
             <p:ph type="title"/>
-          </p:nvPr>
-        </p:nvSpPr>
-        <p:spPr/>
-        <p:txBody>
-          <a:bodyPr/>
-          <a:lstStyle/>
-          <a:p>
-            <a:r>
-              <a:rPr lang="en-US" dirty="0"/>
-              <a:t>Total Downregulated Gene List</a:t>
-            </a:r>
-          </a:p>
-        </p:txBody>
-      </p:sp>
-      <p:sp>
-        <p:nvSpPr>
-          <p:cNvPr id="3" name="Content Placeholder 2">
-            <a:extLst>
-              <a:ext uri="{FF2B5EF4-FFF2-40B4-BE49-F238E27FC236}">
-                <a16:creationId xmlns:a16="http://schemas.microsoft.com/office/drawing/2014/main" id="{0405AF65-1A49-4B2D-94E5-368B86B74A5E}"/>
-              </a:ext>
-            </a:extLst>
-          </p:cNvPr>
-          <p:cNvSpPr>
-            <a:spLocks noGrp="1"/>
-          </p:cNvSpPr>
-          <p:nvPr>
-            <p:ph idx="1"/>
           </p:nvPr>
         </p:nvSpPr>
         <p:spPr>
           <a:xfrm>
-            <a:off x="485273" y="1825625"/>
-            <a:ext cx="3942348" cy="4667250"/>
+            <a:off x="838200" y="0"/>
+            <a:ext cx="10850880" cy="1325563"/>
           </a:xfrm>
         </p:spPr>
         <p:txBody>
           <a:bodyPr>
-            <a:normAutofit fontScale="92500" lnSpcReduction="10000"/>
+            <a:normAutofit fontScale="90000"/>
           </a:bodyPr>
           <a:lstStyle/>
           <a:p>
-            <a:pPr lvl="1"/>
-            <a:r>
-              <a:rPr lang="en-US" dirty="0"/>
-              <a:t>TFAP2A</a:t>
-            </a:r>
-          </a:p>
-          <a:p>
-            <a:pPr lvl="1"/>
-            <a:r>
-              <a:rPr lang="en-US" dirty="0"/>
-              <a:t>SFRP4</a:t>
-            </a:r>
-          </a:p>
-          <a:p>
-            <a:pPr lvl="1"/>
-            <a:r>
-              <a:rPr lang="en-US" dirty="0"/>
-              <a:t>HOXD9</a:t>
-            </a:r>
-          </a:p>
-          <a:p>
-            <a:pPr lvl="1"/>
-            <a:r>
-              <a:rPr lang="en-US" dirty="0"/>
-              <a:t>RFLNA</a:t>
-            </a:r>
-          </a:p>
-          <a:p>
-            <a:pPr lvl="1"/>
-            <a:r>
-              <a:rPr lang="en-US" dirty="0"/>
-              <a:t>BCKDHA</a:t>
-            </a:r>
-          </a:p>
-          <a:p>
-            <a:pPr lvl="1"/>
-            <a:r>
-              <a:rPr lang="en-US" dirty="0"/>
-              <a:t>MCCC2</a:t>
-            </a:r>
-          </a:p>
-          <a:p>
-            <a:pPr lvl="1"/>
-            <a:r>
-              <a:rPr lang="en-US" dirty="0"/>
-              <a:t>ECHS1</a:t>
-            </a:r>
-          </a:p>
-          <a:p>
-            <a:pPr lvl="1"/>
-            <a:r>
-              <a:rPr lang="en-US" dirty="0"/>
-              <a:t>IVD</a:t>
-            </a:r>
-          </a:p>
-          <a:p>
-            <a:pPr lvl="1"/>
-            <a:r>
-              <a:rPr lang="en-US" dirty="0"/>
-              <a:t>MYH3</a:t>
-            </a:r>
-          </a:p>
-          <a:p>
-            <a:pPr lvl="1"/>
-            <a:r>
-              <a:rPr lang="en-US" dirty="0"/>
-              <a:t>TPM1</a:t>
-            </a:r>
-          </a:p>
-          <a:p>
-            <a:pPr lvl="1"/>
-            <a:r>
-              <a:rPr lang="en-US" dirty="0"/>
-              <a:t>TNNT3</a:t>
-            </a:r>
-          </a:p>
-          <a:p>
-            <a:pPr lvl="1"/>
-            <a:r>
-              <a:rPr lang="en-US" dirty="0"/>
-              <a:t>CASQ1</a:t>
-            </a:r>
-          </a:p>
-          <a:p>
-            <a:pPr lvl="1"/>
-            <a:r>
-              <a:rPr lang="en-US" dirty="0"/>
-              <a:t>MYOZ1</a:t>
-            </a:r>
-          </a:p>
-          <a:p>
-            <a:pPr lvl="1"/>
+            <a:pPr algn="ctr"/>
+            <a:r>
+              <a:rPr lang="en-US" b="1" u="sng" dirty="0">
+                <a:latin typeface="Aharoni" panose="02010803020104030203" pitchFamily="2" charset="-79"/>
+                <a:cs typeface="Aharoni" panose="02010803020104030203" pitchFamily="2" charset="-79"/>
+              </a:rPr>
+              <a:t>Top Picks of Upregulated Genes Involved in Remodeling, or Regulating Cell Processes</a:t>
+            </a:r>
+          </a:p>
+        </p:txBody>
+      </p:sp>
+      <p:sp>
+        <p:nvSpPr>
+          <p:cNvPr id="7" name="TextBox 6">
+            <a:extLst>
+              <a:ext uri="{FF2B5EF4-FFF2-40B4-BE49-F238E27FC236}">
+                <a16:creationId xmlns:a16="http://schemas.microsoft.com/office/drawing/2014/main" id="{2EB36543-CE93-D715-AF23-3D5F17176B1E}"/>
+              </a:ext>
+            </a:extLst>
+          </p:cNvPr>
+          <p:cNvSpPr txBox="1"/>
+          <p:nvPr/>
+        </p:nvSpPr>
+        <p:spPr>
+          <a:xfrm>
+            <a:off x="754380" y="1639699"/>
+            <a:ext cx="11033760" cy="5355312"/>
+          </a:xfrm>
+          <a:prstGeom prst="rect">
+            <a:avLst/>
+          </a:prstGeom>
+          <a:noFill/>
+        </p:spPr>
+        <p:txBody>
+          <a:bodyPr wrap="square" rtlCol="0">
+            <a:spAutoFit/>
+          </a:bodyPr>
+          <a:lstStyle/>
+          <a:p>
+            <a:r>
+              <a:rPr lang="en-US" dirty="0"/>
+              <a:t>These genes are significantly upregulated in both analyses:</a:t>
+            </a:r>
+          </a:p>
+          <a:p>
             <a:endParaRPr lang="en-US" dirty="0"/>
           </a:p>
           <a:p>
-            <a:pPr lvl="1"/>
-            <a:endParaRPr lang="en-US" dirty="0"/>
-          </a:p>
-          <a:p>
-            <a:pPr lvl="1"/>
+            <a:pPr marL="285750" indent="-285750">
+              <a:buFont typeface="Arial" panose="020B0604020202020204" pitchFamily="34" charset="0"/>
+              <a:buChar char="•"/>
+            </a:pPr>
+            <a:r>
+              <a:rPr lang="en-US" dirty="0"/>
+              <a:t>SPRED1:</a:t>
+            </a:r>
+          </a:p>
+          <a:p>
+            <a:r>
+              <a:rPr lang="en-US" sz="1600" i="0" dirty="0">
+                <a:effectLst/>
+              </a:rPr>
+              <a:t>A negative regulator of the MAPK/ERK signaling pathway, which is involved in cell growth, differentiation, and development. </a:t>
+            </a:r>
+            <a:r>
+              <a:rPr lang="en-US" sz="1600" dirty="0"/>
+              <a:t>Inflammation and cellular stress often activate the MAPK pathway (</a:t>
+            </a:r>
+            <a:r>
+              <a:rPr lang="en-US" sz="1600" dirty="0">
+                <a:solidFill>
+                  <a:srgbClr val="FF0000"/>
+                </a:solidFill>
+              </a:rPr>
+              <a:t>likely a marker, and not a cause?</a:t>
+            </a:r>
+            <a:r>
+              <a:rPr lang="en-US" sz="1600" dirty="0"/>
+              <a:t>)</a:t>
+            </a:r>
+          </a:p>
+          <a:p>
+            <a:pPr marL="285750" indent="-285750">
+              <a:buFont typeface="Arial" panose="020B0604020202020204" pitchFamily="34" charset="0"/>
+              <a:buChar char="•"/>
+            </a:pPr>
+            <a:r>
+              <a:rPr lang="en-US" dirty="0"/>
+              <a:t>PKD2:</a:t>
+            </a:r>
+          </a:p>
+          <a:p>
+            <a:r>
+              <a:rPr lang="en-US" sz="1600" dirty="0"/>
+              <a:t>functions as a calcium-permeable cation channel; changes in intracellular calcium are a common response to cellular stress and damage, which are prevalent in sepsis (</a:t>
+            </a:r>
+            <a:r>
+              <a:rPr lang="en-US" sz="1600" dirty="0">
+                <a:solidFill>
+                  <a:srgbClr val="FF0000"/>
+                </a:solidFill>
+              </a:rPr>
+              <a:t>a human-specific response exists that includes calcium signaling being impaired</a:t>
+            </a:r>
+            <a:r>
+              <a:rPr lang="en-US" sz="1600" dirty="0"/>
+              <a:t>)</a:t>
+            </a:r>
+          </a:p>
+          <a:p>
+            <a:pPr marL="285750" indent="-285750">
+              <a:buFont typeface="Arial" panose="020B0604020202020204" pitchFamily="34" charset="0"/>
+              <a:buChar char="•"/>
+            </a:pPr>
+            <a:r>
+              <a:rPr lang="en-US" dirty="0"/>
+              <a:t>MYCBP2:</a:t>
+            </a:r>
+          </a:p>
+          <a:p>
+            <a:r>
+              <a:rPr lang="en-US" sz="1600" b="0" i="0" dirty="0">
+                <a:solidFill>
+                  <a:srgbClr val="001D35"/>
+                </a:solidFill>
+                <a:effectLst/>
+                <a:latin typeface="Google Sans"/>
+              </a:rPr>
+              <a:t>regulates neuronal development, cytoskeletal dynamics, and axonal degeneration; p</a:t>
+            </a:r>
+            <a:r>
+              <a:rPr lang="en-US" sz="1600" dirty="0"/>
+              <a:t>rotein degradation pathways like those mediated by ubiquitin ligases can be upregulated in response to stress and damaged proteins (</a:t>
+            </a:r>
+            <a:r>
+              <a:rPr lang="en-US" sz="1600" dirty="0">
+                <a:solidFill>
+                  <a:srgbClr val="FF0000"/>
+                </a:solidFill>
+              </a:rPr>
+              <a:t>another marker and </a:t>
+            </a:r>
+            <a:r>
+              <a:rPr lang="en-US" sz="1600" dirty="0" err="1">
+                <a:solidFill>
+                  <a:srgbClr val="FF0000"/>
+                </a:solidFill>
+              </a:rPr>
+              <a:t>noncause</a:t>
+            </a:r>
+            <a:r>
+              <a:rPr lang="en-US" sz="1600" dirty="0">
+                <a:solidFill>
+                  <a:srgbClr val="FF0000"/>
+                </a:solidFill>
+              </a:rPr>
+              <a:t>?</a:t>
+            </a:r>
+            <a:r>
+              <a:rPr lang="en-US" sz="1600" dirty="0"/>
+              <a:t>) </a:t>
+            </a:r>
+            <a:r>
+              <a:rPr lang="en-US" dirty="0"/>
+              <a:t>CREBBP:</a:t>
+            </a:r>
+          </a:p>
+          <a:p>
+            <a:r>
+              <a:rPr lang="en-US" sz="1600" dirty="0"/>
+              <a:t>Chromatin remodeling -&gt; lots of genetic changes occurring during ECM remodeling (</a:t>
+            </a:r>
+            <a:r>
+              <a:rPr lang="en-US" sz="1600" dirty="0">
+                <a:solidFill>
+                  <a:srgbClr val="FF0000"/>
+                </a:solidFill>
+              </a:rPr>
+              <a:t>another marker and </a:t>
+            </a:r>
+            <a:r>
+              <a:rPr lang="en-US" sz="1600" dirty="0" err="1">
+                <a:solidFill>
+                  <a:srgbClr val="FF0000"/>
+                </a:solidFill>
+              </a:rPr>
+              <a:t>noncause</a:t>
+            </a:r>
+            <a:r>
+              <a:rPr lang="en-US" sz="1600" dirty="0">
+                <a:solidFill>
+                  <a:srgbClr val="FF0000"/>
+                </a:solidFill>
+              </a:rPr>
+              <a:t>?</a:t>
+            </a:r>
+            <a:r>
+              <a:rPr lang="en-US" sz="1600" dirty="0"/>
+              <a:t>)</a:t>
+            </a:r>
+          </a:p>
+          <a:p>
+            <a:pPr marL="285750" indent="-285750">
+              <a:buFont typeface="Arial" panose="020B0604020202020204" pitchFamily="34" charset="0"/>
+              <a:buChar char="•"/>
+            </a:pPr>
+            <a:r>
+              <a:rPr lang="en-US" dirty="0"/>
+              <a:t>USP7:</a:t>
+            </a:r>
+          </a:p>
+          <a:p>
+            <a:r>
+              <a:rPr lang="en-US" sz="1600" b="0" i="0" dirty="0">
+                <a:solidFill>
+                  <a:srgbClr val="001D35"/>
+                </a:solidFill>
+                <a:effectLst/>
+                <a:latin typeface="Google Sans"/>
+              </a:rPr>
+              <a:t>regulates the stability of many other proteins</a:t>
+            </a:r>
+            <a:endParaRPr lang="en-US" sz="1600" dirty="0"/>
+          </a:p>
+          <a:p>
+            <a:pPr marL="285750" indent="-285750">
+              <a:buFont typeface="Arial" panose="020B0604020202020204" pitchFamily="34" charset="0"/>
+              <a:buChar char="•"/>
+            </a:pPr>
+            <a:r>
+              <a:rPr lang="en-US" dirty="0"/>
+              <a:t>ANGPTL4:</a:t>
+            </a:r>
+          </a:p>
+          <a:p>
+            <a:r>
+              <a:rPr lang="en-US" sz="1600" dirty="0"/>
+              <a:t>Involved in regulating vascular permeability and angiogenesis. Relevance to Sepsis: It is often upregulated in hypoxic conditions and can contribute to the regulation of vascular response and inflammation, common in septic environments. (</a:t>
+            </a:r>
+            <a:r>
+              <a:rPr lang="en-US" sz="1600" dirty="0">
+                <a:solidFill>
+                  <a:srgbClr val="FF0000"/>
+                </a:solidFill>
+              </a:rPr>
+              <a:t>seems like it could be a cause of ECM remodeling</a:t>
+            </a:r>
+            <a:r>
+              <a:rPr lang="en-US" sz="1600" dirty="0"/>
+              <a:t>)</a:t>
+            </a:r>
+          </a:p>
+          <a:p>
             <a:endParaRPr lang="en-US" dirty="0"/>
           </a:p>
         </p:txBody>
@@ -3662,7 +3960,7 @@
     </p:spTree>
     <p:extLst>
       <p:ext uri="{BB962C8B-B14F-4D97-AF65-F5344CB8AC3E}">
-        <p14:creationId xmlns:p14="http://schemas.microsoft.com/office/powerpoint/2010/main" val="727863309"/>
+        <p14:creationId xmlns:p14="http://schemas.microsoft.com/office/powerpoint/2010/main" val="2013688741"/>
       </p:ext>
     </p:extLst>
   </p:cSld>
@@ -3673,6 +3971,197 @@
 </file>
 
 <file path=ppt/slides/slide12.xml><?xml version="1.0" encoding="utf-8"?>
+<p:sld xmlns:a="http://schemas.openxmlformats.org/drawingml/2006/main" xmlns:r="http://schemas.openxmlformats.org/officeDocument/2006/relationships" xmlns:p="http://schemas.openxmlformats.org/presentationml/2006/main">
+  <p:cSld>
+    <p:bg>
+      <p:bgPr>
+        <a:solidFill>
+          <a:schemeClr val="accent4">
+            <a:lumMod val="20000"/>
+            <a:lumOff val="80000"/>
+          </a:schemeClr>
+        </a:solidFill>
+        <a:effectLst/>
+      </p:bgPr>
+    </p:bg>
+    <p:spTree>
+      <p:nvGrpSpPr>
+        <p:cNvPr id="1" name="">
+          <a:extLst>
+            <a:ext uri="{FF2B5EF4-FFF2-40B4-BE49-F238E27FC236}">
+              <a16:creationId xmlns:a16="http://schemas.microsoft.com/office/drawing/2014/main" id="{C113D395-5C98-340D-E419-7E9B3F43CFAC}"/>
+            </a:ext>
+          </a:extLst>
+        </p:cNvPr>
+        <p:cNvGrpSpPr/>
+        <p:nvPr/>
+      </p:nvGrpSpPr>
+      <p:grpSpPr>
+        <a:xfrm>
+          <a:off x="0" y="0"/>
+          <a:ext cx="0" cy="0"/>
+          <a:chOff x="0" y="0"/>
+          <a:chExt cx="0" cy="0"/>
+        </a:xfrm>
+      </p:grpSpPr>
+      <p:sp>
+        <p:nvSpPr>
+          <p:cNvPr id="2" name="Title 1">
+            <a:extLst>
+              <a:ext uri="{FF2B5EF4-FFF2-40B4-BE49-F238E27FC236}">
+                <a16:creationId xmlns:a16="http://schemas.microsoft.com/office/drawing/2014/main" id="{CF0F38F9-41D5-1001-0359-60391648A8A8}"/>
+              </a:ext>
+            </a:extLst>
+          </p:cNvPr>
+          <p:cNvSpPr>
+            <a:spLocks noGrp="1"/>
+          </p:cNvSpPr>
+          <p:nvPr>
+            <p:ph type="title"/>
+          </p:nvPr>
+        </p:nvSpPr>
+        <p:spPr>
+          <a:xfrm>
+            <a:off x="838200" y="0"/>
+            <a:ext cx="10515600" cy="1325563"/>
+          </a:xfrm>
+        </p:spPr>
+        <p:txBody>
+          <a:bodyPr/>
+          <a:lstStyle/>
+          <a:p>
+            <a:pPr algn="ctr"/>
+            <a:r>
+              <a:rPr lang="en-US" b="1" u="sng" dirty="0">
+                <a:latin typeface="Aharoni" panose="02010803020104030203" pitchFamily="2" charset="-79"/>
+                <a:cs typeface="Aharoni" panose="02010803020104030203" pitchFamily="2" charset="-79"/>
+              </a:rPr>
+              <a:t>Some genes downregulated after D5</a:t>
+            </a:r>
+          </a:p>
+        </p:txBody>
+      </p:sp>
+      <p:sp>
+        <p:nvSpPr>
+          <p:cNvPr id="7" name="TextBox 6">
+            <a:extLst>
+              <a:ext uri="{FF2B5EF4-FFF2-40B4-BE49-F238E27FC236}">
+                <a16:creationId xmlns:a16="http://schemas.microsoft.com/office/drawing/2014/main" id="{1BE40550-34C0-63BF-1E1B-87D692F1A598}"/>
+              </a:ext>
+            </a:extLst>
+          </p:cNvPr>
+          <p:cNvSpPr txBox="1"/>
+          <p:nvPr/>
+        </p:nvSpPr>
+        <p:spPr>
+          <a:xfrm>
+            <a:off x="8343900" y="1379220"/>
+            <a:ext cx="2529840" cy="2862322"/>
+          </a:xfrm>
+          <a:prstGeom prst="rect">
+            <a:avLst/>
+          </a:prstGeom>
+          <a:noFill/>
+        </p:spPr>
+        <p:txBody>
+          <a:bodyPr wrap="square" rtlCol="0">
+            <a:spAutoFit/>
+          </a:bodyPr>
+          <a:lstStyle/>
+          <a:p>
+            <a:r>
+              <a:rPr lang="en-US" dirty="0"/>
+              <a:t>I also found this interesting, several of the genes had decreased counts following the D5 checkup; even the ones that didn’t, were not seen to continue the same upward trajectory to D14. </a:t>
+            </a:r>
+          </a:p>
+          <a:p>
+            <a:endParaRPr lang="en-US" dirty="0"/>
+          </a:p>
+        </p:txBody>
+      </p:sp>
+      <p:pic>
+        <p:nvPicPr>
+          <p:cNvPr id="8" name="Picture 7">
+            <a:extLst>
+              <a:ext uri="{FF2B5EF4-FFF2-40B4-BE49-F238E27FC236}">
+                <a16:creationId xmlns:a16="http://schemas.microsoft.com/office/drawing/2014/main" id="{BA9BA9B6-96CB-4923-5933-B6B24B8CF493}"/>
+              </a:ext>
+            </a:extLst>
+          </p:cNvPr>
+          <p:cNvPicPr>
+            <a:picLocks noChangeAspect="1"/>
+          </p:cNvPicPr>
+          <p:nvPr/>
+        </p:nvPicPr>
+        <p:blipFill>
+          <a:blip r:embed="rId2"/>
+          <a:stretch>
+            <a:fillRect/>
+          </a:stretch>
+        </p:blipFill>
+        <p:spPr>
+          <a:xfrm>
+            <a:off x="273987" y="1039898"/>
+            <a:ext cx="7681626" cy="5357324"/>
+          </a:xfrm>
+          <a:prstGeom prst="rect">
+            <a:avLst/>
+          </a:prstGeom>
+        </p:spPr>
+      </p:pic>
+      <p:sp>
+        <p:nvSpPr>
+          <p:cNvPr id="9" name="TextBox 8">
+            <a:extLst>
+              <a:ext uri="{FF2B5EF4-FFF2-40B4-BE49-F238E27FC236}">
+                <a16:creationId xmlns:a16="http://schemas.microsoft.com/office/drawing/2014/main" id="{08D0ED83-4077-79D5-8E62-C02E568536EF}"/>
+              </a:ext>
+            </a:extLst>
+          </p:cNvPr>
+          <p:cNvSpPr txBox="1"/>
+          <p:nvPr/>
+        </p:nvSpPr>
+        <p:spPr>
+          <a:xfrm>
+            <a:off x="8389786" y="4510260"/>
+            <a:ext cx="2529840" cy="1754326"/>
+          </a:xfrm>
+          <a:prstGeom prst="rect">
+            <a:avLst/>
+          </a:prstGeom>
+          <a:noFill/>
+        </p:spPr>
+        <p:txBody>
+          <a:bodyPr wrap="square" rtlCol="0">
+            <a:spAutoFit/>
+          </a:bodyPr>
+          <a:lstStyle/>
+          <a:p>
+            <a:r>
+              <a:rPr lang="en-US" dirty="0">
+                <a:solidFill>
+                  <a:srgbClr val="FF0000"/>
+                </a:solidFill>
+              </a:rPr>
+              <a:t>I’m not sure I can draw any other helpful conclusions without blatant speculation. Excited to move forward and chat!</a:t>
+            </a:r>
+          </a:p>
+        </p:txBody>
+      </p:sp>
+    </p:spTree>
+    <p:extLst>
+      <p:ext uri="{BB962C8B-B14F-4D97-AF65-F5344CB8AC3E}">
+        <p14:creationId xmlns:p14="http://schemas.microsoft.com/office/powerpoint/2010/main" val="28794336"/>
+      </p:ext>
+    </p:extLst>
+  </p:cSld>
+  <p:clrMapOvr>
+    <a:masterClrMapping/>
+  </p:clrMapOvr>
+</p:sld>
+</file>
+
+<file path=ppt/slides/slide13.xml><?xml version="1.0" encoding="utf-8"?>
 <p:sld xmlns:a="http://schemas.openxmlformats.org/drawingml/2006/main" xmlns:r="http://schemas.openxmlformats.org/officeDocument/2006/relationships" xmlns:p="http://schemas.openxmlformats.org/presentationml/2006/main">
   <p:cSld>
     <p:bg>
@@ -3705,7 +4194,7 @@
           <p:cNvPr id="2" name="Title 1">
             <a:extLst>
               <a:ext uri="{FF2B5EF4-FFF2-40B4-BE49-F238E27FC236}">
-                <a16:creationId xmlns:a16="http://schemas.microsoft.com/office/drawing/2014/main" id="{B3F6745B-D3B9-4B81-903B-B09324E8DB84}"/>
+                <a16:creationId xmlns:a16="http://schemas.microsoft.com/office/drawing/2014/main" id="{EC88218B-6282-41A2-9611-B15E39A8DE86}"/>
               </a:ext>
             </a:extLst>
           </p:cNvPr>
@@ -3738,7 +4227,7 @@
           <p:cNvPr id="3" name="Content Placeholder 2">
             <a:extLst>
               <a:ext uri="{FF2B5EF4-FFF2-40B4-BE49-F238E27FC236}">
-                <a16:creationId xmlns:a16="http://schemas.microsoft.com/office/drawing/2014/main" id="{E8479CE5-F795-4C50-9AFE-82D5E94D1A8C}"/>
+                <a16:creationId xmlns:a16="http://schemas.microsoft.com/office/drawing/2014/main" id="{C86B5DE1-3E95-43AF-8261-F32B37C82243}"/>
               </a:ext>
             </a:extLst>
           </p:cNvPr>
@@ -3749,25 +4238,31 @@
             <p:ph idx="1"/>
           </p:nvPr>
         </p:nvSpPr>
-        <p:spPr/>
-        <p:txBody>
-          <a:bodyPr/>
+        <p:spPr>
+          <a:xfrm>
+            <a:off x="389021" y="1520825"/>
+            <a:ext cx="3942347" cy="4351338"/>
+          </a:xfrm>
+        </p:spPr>
+        <p:txBody>
+          <a:bodyPr>
+            <a:normAutofit fontScale="92500" lnSpcReduction="10000"/>
+          </a:bodyPr>
           <a:lstStyle/>
           <a:p>
             <a:r>
-              <a:rPr lang="nb-NO" dirty="0"/>
-              <a:t>Skeletal System Morphogenesis (GO:0048705)</a:t>
-            </a:r>
-          </a:p>
-          <a:p>
-            <a:pPr lvl="1"/>
+              <a:rPr lang="en-US" dirty="0"/>
+              <a:t>Muscle Cell Fate Commitment (GO:0042693)</a:t>
+            </a:r>
+          </a:p>
+          <a:p>
             <a:endParaRPr lang="en-US" dirty="0"/>
           </a:p>
           <a:p>
             <a:pPr lvl="1"/>
             <a:r>
               <a:rPr lang="en-US" dirty="0"/>
-              <a:t>TFAP2A - </a:t>
+              <a:t>TBX1-</a:t>
             </a:r>
             <a:r>
               <a:rPr lang="en-US" b="0" i="0" dirty="0">
@@ -3777,7 +4272,7 @@
                 <a:effectLst/>
                 <a:latin typeface="Google Sans"/>
               </a:rPr>
-              <a:t>embryonic development, cell division, and apoptosis</a:t>
+              <a:t> controls the development of tissues and organs during embryonic development</a:t>
             </a:r>
             <a:endParaRPr lang="en-US" dirty="0"/>
           </a:p>
@@ -3785,7 +4280,7 @@
             <a:pPr lvl="1"/>
             <a:r>
               <a:rPr lang="en-US" dirty="0"/>
-              <a:t>SFRP4 - </a:t>
+              <a:t>MYF6- </a:t>
             </a:r>
             <a:r>
               <a:rPr lang="en-US" b="0" i="0" dirty="0">
@@ -3795,30 +4290,273 @@
                 <a:effectLst/>
                 <a:latin typeface="Google Sans"/>
               </a:rPr>
-              <a:t>bone development, fatty tissue development</a:t>
+              <a:t>regulates muscle stem cells (</a:t>
+            </a:r>
+            <a:r>
+              <a:rPr lang="en-US" b="0" i="0" dirty="0" err="1">
+                <a:solidFill>
+                  <a:srgbClr val="001D35"/>
+                </a:solidFill>
+                <a:effectLst/>
+                <a:latin typeface="Google Sans"/>
+              </a:rPr>
+              <a:t>MuSCs</a:t>
+            </a:r>
+            <a:r>
+              <a:rPr lang="en-US" b="0" i="0" dirty="0">
+                <a:solidFill>
+                  <a:srgbClr val="001D35"/>
+                </a:solidFill>
+                <a:effectLst/>
+                <a:latin typeface="Google Sans"/>
+              </a:rPr>
+              <a:t>) and muscle differentiation/</a:t>
+            </a:r>
+            <a:r>
+              <a:rPr lang="en-US" b="1" i="0" dirty="0">
+                <a:solidFill>
+                  <a:srgbClr val="001D35"/>
+                </a:solidFill>
+                <a:effectLst/>
+                <a:latin typeface="Google Sans"/>
+              </a:rPr>
+              <a:t>Induces fibroblast differentiation</a:t>
             </a:r>
             <a:endParaRPr lang="en-US" dirty="0"/>
           </a:p>
-          <a:p>
-            <a:pPr lvl="1"/>
-            <a:r>
-              <a:rPr lang="en-US" dirty="0"/>
-              <a:t>HOXD9 - involved in mediating the transition of cells through the G1-phase</a:t>
-            </a:r>
-          </a:p>
-          <a:p>
-            <a:pPr lvl="1"/>
-            <a:r>
-              <a:rPr lang="en-US" dirty="0"/>
-              <a:t>RFLNA - regulates actin networks and forms actin cytoskeletons</a:t>
-            </a:r>
+        </p:txBody>
+      </p:sp>
+      <p:sp>
+        <p:nvSpPr>
+          <p:cNvPr id="4" name="Content Placeholder 2">
+            <a:extLst>
+              <a:ext uri="{FF2B5EF4-FFF2-40B4-BE49-F238E27FC236}">
+                <a16:creationId xmlns:a16="http://schemas.microsoft.com/office/drawing/2014/main" id="{7EA1DCC4-2226-44F3-97E7-F5BCD12AB231}"/>
+              </a:ext>
+            </a:extLst>
+          </p:cNvPr>
+          <p:cNvSpPr txBox="1">
+            <a:spLocks/>
+          </p:cNvSpPr>
+          <p:nvPr/>
+        </p:nvSpPr>
+        <p:spPr>
+          <a:xfrm>
+            <a:off x="6541169" y="1520825"/>
+            <a:ext cx="3942347" cy="4351338"/>
+          </a:xfrm>
+          <a:prstGeom prst="rect">
+            <a:avLst/>
+          </a:prstGeom>
+        </p:spPr>
+        <p:txBody>
+          <a:bodyPr vert="horz" lIns="91440" tIns="45720" rIns="91440" bIns="45720" rtlCol="0">
+            <a:normAutofit/>
+          </a:bodyPr>
+          <a:lstStyle>
+            <a:lvl1pPr marL="228600" indent="-228600" algn="l" defTabSz="914400" rtl="0" eaLnBrk="1" latinLnBrk="0" hangingPunct="1">
+              <a:lnSpc>
+                <a:spcPct val="90000"/>
+              </a:lnSpc>
+              <a:spcBef>
+                <a:spcPts val="1000"/>
+              </a:spcBef>
+              <a:buFont typeface="Arial" panose="020B0604020202020204" pitchFamily="34" charset="0"/>
+              <a:buChar char="•"/>
+              <a:defRPr sz="2800" kern="1200">
+                <a:solidFill>
+                  <a:schemeClr val="tx1"/>
+                </a:solidFill>
+                <a:latin typeface="+mn-lt"/>
+                <a:ea typeface="+mn-ea"/>
+                <a:cs typeface="+mn-cs"/>
+              </a:defRPr>
+            </a:lvl1pPr>
+            <a:lvl2pPr marL="685800" indent="-228600" algn="l" defTabSz="914400" rtl="0" eaLnBrk="1" latinLnBrk="0" hangingPunct="1">
+              <a:lnSpc>
+                <a:spcPct val="90000"/>
+              </a:lnSpc>
+              <a:spcBef>
+                <a:spcPts val="500"/>
+              </a:spcBef>
+              <a:buFont typeface="Arial" panose="020B0604020202020204" pitchFamily="34" charset="0"/>
+              <a:buChar char="•"/>
+              <a:defRPr sz="2400" kern="1200">
+                <a:solidFill>
+                  <a:schemeClr val="tx1"/>
+                </a:solidFill>
+                <a:latin typeface="+mn-lt"/>
+                <a:ea typeface="+mn-ea"/>
+                <a:cs typeface="+mn-cs"/>
+              </a:defRPr>
+            </a:lvl2pPr>
+            <a:lvl3pPr marL="1143000" indent="-228600" algn="l" defTabSz="914400" rtl="0" eaLnBrk="1" latinLnBrk="0" hangingPunct="1">
+              <a:lnSpc>
+                <a:spcPct val="90000"/>
+              </a:lnSpc>
+              <a:spcBef>
+                <a:spcPts val="500"/>
+              </a:spcBef>
+              <a:buFont typeface="Arial" panose="020B0604020202020204" pitchFamily="34" charset="0"/>
+              <a:buChar char="•"/>
+              <a:defRPr sz="2000" kern="1200">
+                <a:solidFill>
+                  <a:schemeClr val="tx1"/>
+                </a:solidFill>
+                <a:latin typeface="+mn-lt"/>
+                <a:ea typeface="+mn-ea"/>
+                <a:cs typeface="+mn-cs"/>
+              </a:defRPr>
+            </a:lvl3pPr>
+            <a:lvl4pPr marL="1600200" indent="-228600" algn="l" defTabSz="914400" rtl="0" eaLnBrk="1" latinLnBrk="0" hangingPunct="1">
+              <a:lnSpc>
+                <a:spcPct val="90000"/>
+              </a:lnSpc>
+              <a:spcBef>
+                <a:spcPts val="500"/>
+              </a:spcBef>
+              <a:buFont typeface="Arial" panose="020B0604020202020204" pitchFamily="34" charset="0"/>
+              <a:buChar char="•"/>
+              <a:defRPr sz="1800" kern="1200">
+                <a:solidFill>
+                  <a:schemeClr val="tx1"/>
+                </a:solidFill>
+                <a:latin typeface="+mn-lt"/>
+                <a:ea typeface="+mn-ea"/>
+                <a:cs typeface="+mn-cs"/>
+              </a:defRPr>
+            </a:lvl4pPr>
+            <a:lvl5pPr marL="2057400" indent="-228600" algn="l" defTabSz="914400" rtl="0" eaLnBrk="1" latinLnBrk="0" hangingPunct="1">
+              <a:lnSpc>
+                <a:spcPct val="90000"/>
+              </a:lnSpc>
+              <a:spcBef>
+                <a:spcPts val="500"/>
+              </a:spcBef>
+              <a:buFont typeface="Arial" panose="020B0604020202020204" pitchFamily="34" charset="0"/>
+              <a:buChar char="•"/>
+              <a:defRPr sz="1800" kern="1200">
+                <a:solidFill>
+                  <a:schemeClr val="tx1"/>
+                </a:solidFill>
+                <a:latin typeface="+mn-lt"/>
+                <a:ea typeface="+mn-ea"/>
+                <a:cs typeface="+mn-cs"/>
+              </a:defRPr>
+            </a:lvl5pPr>
+            <a:lvl6pPr marL="2514600" indent="-228600" algn="l" defTabSz="914400" rtl="0" eaLnBrk="1" latinLnBrk="0" hangingPunct="1">
+              <a:lnSpc>
+                <a:spcPct val="90000"/>
+              </a:lnSpc>
+              <a:spcBef>
+                <a:spcPts val="500"/>
+              </a:spcBef>
+              <a:buFont typeface="Arial" panose="020B0604020202020204" pitchFamily="34" charset="0"/>
+              <a:buChar char="•"/>
+              <a:defRPr sz="1800" kern="1200">
+                <a:solidFill>
+                  <a:schemeClr val="tx1"/>
+                </a:solidFill>
+                <a:latin typeface="+mn-lt"/>
+                <a:ea typeface="+mn-ea"/>
+                <a:cs typeface="+mn-cs"/>
+              </a:defRPr>
+            </a:lvl6pPr>
+            <a:lvl7pPr marL="2971800" indent="-228600" algn="l" defTabSz="914400" rtl="0" eaLnBrk="1" latinLnBrk="0" hangingPunct="1">
+              <a:lnSpc>
+                <a:spcPct val="90000"/>
+              </a:lnSpc>
+              <a:spcBef>
+                <a:spcPts val="500"/>
+              </a:spcBef>
+              <a:buFont typeface="Arial" panose="020B0604020202020204" pitchFamily="34" charset="0"/>
+              <a:buChar char="•"/>
+              <a:defRPr sz="1800" kern="1200">
+                <a:solidFill>
+                  <a:schemeClr val="tx1"/>
+                </a:solidFill>
+                <a:latin typeface="+mn-lt"/>
+                <a:ea typeface="+mn-ea"/>
+                <a:cs typeface="+mn-cs"/>
+              </a:defRPr>
+            </a:lvl7pPr>
+            <a:lvl8pPr marL="3429000" indent="-228600" algn="l" defTabSz="914400" rtl="0" eaLnBrk="1" latinLnBrk="0" hangingPunct="1">
+              <a:lnSpc>
+                <a:spcPct val="90000"/>
+              </a:lnSpc>
+              <a:spcBef>
+                <a:spcPts val="500"/>
+              </a:spcBef>
+              <a:buFont typeface="Arial" panose="020B0604020202020204" pitchFamily="34" charset="0"/>
+              <a:buChar char="•"/>
+              <a:defRPr sz="1800" kern="1200">
+                <a:solidFill>
+                  <a:schemeClr val="tx1"/>
+                </a:solidFill>
+                <a:latin typeface="+mn-lt"/>
+                <a:ea typeface="+mn-ea"/>
+                <a:cs typeface="+mn-cs"/>
+              </a:defRPr>
+            </a:lvl8pPr>
+            <a:lvl9pPr marL="3886200" indent="-228600" algn="l" defTabSz="914400" rtl="0" eaLnBrk="1" latinLnBrk="0" hangingPunct="1">
+              <a:lnSpc>
+                <a:spcPct val="90000"/>
+              </a:lnSpc>
+              <a:spcBef>
+                <a:spcPts val="500"/>
+              </a:spcBef>
+              <a:buFont typeface="Arial" panose="020B0604020202020204" pitchFamily="34" charset="0"/>
+              <a:buChar char="•"/>
+              <a:defRPr sz="1800" kern="1200">
+                <a:solidFill>
+                  <a:schemeClr val="tx1"/>
+                </a:solidFill>
+                <a:latin typeface="+mn-lt"/>
+                <a:ea typeface="+mn-ea"/>
+                <a:cs typeface="+mn-cs"/>
+              </a:defRPr>
+            </a:lvl9pPr>
+          </a:lstStyle>
+          <a:p>
+            <a:r>
+              <a:rPr lang="en-US" dirty="0"/>
+              <a:t>Regulation Of Animal Organ Morphogenesis (GO:2000027)</a:t>
+            </a:r>
+          </a:p>
+          <a:p>
+            <a:endParaRPr lang="en-US" dirty="0"/>
+          </a:p>
+          <a:p>
+            <a:pPr lvl="1"/>
+            <a:r>
+              <a:rPr lang="en-US" dirty="0"/>
+              <a:t>TBX1 - …</a:t>
+            </a:r>
+          </a:p>
+          <a:p>
+            <a:pPr lvl="1"/>
+            <a:r>
+              <a:rPr lang="en-US" dirty="0"/>
+              <a:t>SIX2 - </a:t>
+            </a:r>
+            <a:r>
+              <a:rPr lang="en-US" b="0" i="0" dirty="0">
+                <a:solidFill>
+                  <a:srgbClr val="001D35"/>
+                </a:solidFill>
+                <a:effectLst/>
+                <a:latin typeface="Google Sans"/>
+              </a:rPr>
+              <a:t>regulates cell proliferation and migration in many organs (not muscle though)</a:t>
+            </a:r>
+            <a:endParaRPr lang="en-US" dirty="0"/>
           </a:p>
         </p:txBody>
       </p:sp>
     </p:spTree>
     <p:extLst>
       <p:ext uri="{BB962C8B-B14F-4D97-AF65-F5344CB8AC3E}">
-        <p14:creationId xmlns:p14="http://schemas.microsoft.com/office/powerpoint/2010/main" val="2304190337"/>
+        <p14:creationId xmlns:p14="http://schemas.microsoft.com/office/powerpoint/2010/main" val="4081410937"/>
       </p:ext>
     </p:extLst>
   </p:cSld>
@@ -3828,7 +4566,7 @@
 </p:sld>
 </file>
 
-<file path=ppt/slides/slide13.xml><?xml version="1.0" encoding="utf-8"?>
+<file path=ppt/slides/slide14.xml><?xml version="1.0" encoding="utf-8"?>
 <p:sld xmlns:a="http://schemas.openxmlformats.org/drawingml/2006/main" xmlns:r="http://schemas.openxmlformats.org/officeDocument/2006/relationships" xmlns:p="http://schemas.openxmlformats.org/presentationml/2006/main">
   <p:cSld>
     <p:bg>
@@ -3861,7 +4599,7 @@
           <p:cNvPr id="2" name="Title 1">
             <a:extLst>
               <a:ext uri="{FF2B5EF4-FFF2-40B4-BE49-F238E27FC236}">
-                <a16:creationId xmlns:a16="http://schemas.microsoft.com/office/drawing/2014/main" id="{6BAB6642-45C8-4982-AEEE-E7E5C7C2A9CC}"/>
+                <a16:creationId xmlns:a16="http://schemas.microsoft.com/office/drawing/2014/main" id="{6D83FC93-AD7A-4B5C-AD6D-0F3EB801C967}"/>
               </a:ext>
             </a:extLst>
           </p:cNvPr>
@@ -3894,7 +4632,7 @@
           <p:cNvPr id="3" name="Content Placeholder 2">
             <a:extLst>
               <a:ext uri="{FF2B5EF4-FFF2-40B4-BE49-F238E27FC236}">
-                <a16:creationId xmlns:a16="http://schemas.microsoft.com/office/drawing/2014/main" id="{16E1362A-693E-4131-87E8-BA159503CC0C}"/>
+                <a16:creationId xmlns:a16="http://schemas.microsoft.com/office/drawing/2014/main" id="{DC62D570-CEF7-4EC6-B985-331CAD803E4E}"/>
               </a:ext>
             </a:extLst>
           </p:cNvPr>
@@ -3907,19 +4645,19 @@
         </p:nvSpPr>
         <p:spPr>
           <a:xfrm>
-            <a:off x="838200" y="1825625"/>
-            <a:ext cx="4471737" cy="4351338"/>
+            <a:off x="581526" y="1690688"/>
+            <a:ext cx="4439653" cy="4351338"/>
           </a:xfrm>
         </p:spPr>
         <p:txBody>
           <a:bodyPr>
-            <a:normAutofit fontScale="92500" lnSpcReduction="20000"/>
+            <a:normAutofit fontScale="70000" lnSpcReduction="20000"/>
           </a:bodyPr>
           <a:lstStyle/>
           <a:p>
             <a:r>
               <a:rPr lang="en-US" dirty="0"/>
-              <a:t>Branched-Chain Amino Acid Metabolic Process (GO:0009081)</a:t>
+              <a:t>Positive Regulation Of Cellular Response To Transforming Growth Factor Beta Stimulus (GO:1903846)</a:t>
             </a:r>
           </a:p>
           <a:p>
@@ -3929,7 +4667,28 @@
             <a:pPr lvl="1"/>
             <a:r>
               <a:rPr lang="en-US" dirty="0"/>
-              <a:t>BCKDHA - </a:t>
+              <a:t>CREBBP - provides instructions for making CREB binding protein, which regulates the activity of many genes in tissues throughout the body</a:t>
+            </a:r>
+          </a:p>
+          <a:p>
+            <a:pPr lvl="1"/>
+            <a:r>
+              <a:rPr lang="en-US" dirty="0"/>
+              <a:t>LRG1 - promoting neovascularization</a:t>
+            </a:r>
+          </a:p>
+          <a:p>
+            <a:pPr lvl="1"/>
+            <a:r>
+              <a:rPr lang="en-US" dirty="0"/>
+              <a:t>EP300 - encodes the p300 protein, which regulates gene activity and is essential for cell growth and division</a:t>
+            </a:r>
+          </a:p>
+          <a:p>
+            <a:pPr lvl="1"/>
+            <a:r>
+              <a:rPr lang="en-US" dirty="0"/>
+              <a:t>RNF111 - </a:t>
             </a:r>
             <a:r>
               <a:rPr lang="en-US" b="0" i="0" dirty="0">
@@ -3939,7 +4698,7 @@
                 <a:effectLst/>
                 <a:latin typeface="Google Sans"/>
               </a:rPr>
-              <a:t>breaks down the amino acids leucine, isoleucine, and valine</a:t>
+              <a:t>regulates development, DNA damage, and gene expression</a:t>
             </a:r>
             <a:endParaRPr lang="en-US" dirty="0"/>
           </a:p>
@@ -3947,56 +4706,20 @@
             <a:pPr lvl="1"/>
             <a:r>
               <a:rPr lang="en-US" dirty="0"/>
-              <a:t>MCCC2 - </a:t>
+              <a:t>HIPK2 - </a:t>
             </a:r>
             <a:r>
               <a:rPr lang="en-US" b="0" i="0" dirty="0">
                 <a:solidFill>
-                  <a:srgbClr val="001D35"/>
+                  <a:srgbClr val="1F1F1F"/>
                 </a:solidFill>
                 <a:effectLst/>
-                <a:latin typeface="Google Sans"/>
+                <a:latin typeface="ElsevierGulliver"/>
               </a:rPr>
-              <a:t>leucine and isovaleric acid catabolism</a:t>
+              <a:t>co-repressor or a co-activator of transcriptional regulators. Dysregulation associated with cancer and neuro diseases</a:t>
             </a:r>
             <a:endParaRPr lang="en-US" dirty="0"/>
           </a:p>
-          <a:p>
-            <a:pPr lvl="1"/>
-            <a:r>
-              <a:rPr lang="en-US" dirty="0"/>
-              <a:t>ECHS1 - </a:t>
-            </a:r>
-            <a:r>
-              <a:rPr lang="en-US" b="0" i="0" dirty="0">
-                <a:solidFill>
-                  <a:srgbClr val="001D35"/>
-                </a:solidFill>
-                <a:effectLst/>
-                <a:latin typeface="Google Sans"/>
-              </a:rPr>
-              <a:t>valine, leucine, and isoleucine and oxidation of fatty acids</a:t>
-            </a:r>
-            <a:endParaRPr lang="en-US" dirty="0"/>
-          </a:p>
-          <a:p>
-            <a:pPr lvl="1"/>
-            <a:r>
-              <a:rPr lang="en-US" dirty="0"/>
-              <a:t>IVD - </a:t>
-            </a:r>
-            <a:r>
-              <a:rPr lang="en-US" b="0" i="0" dirty="0">
-                <a:solidFill>
-                  <a:srgbClr val="001D35"/>
-                </a:solidFill>
-                <a:effectLst/>
-                <a:latin typeface="Google Sans"/>
-              </a:rPr>
-              <a:t>break down leucine, an amino acid, into molecules that can be used for energy</a:t>
-            </a:r>
-            <a:endParaRPr lang="en-US" dirty="0"/>
-          </a:p>
         </p:txBody>
       </p:sp>
       <p:sp>
@@ -4004,7 +4727,7 @@
           <p:cNvPr id="4" name="Content Placeholder 2">
             <a:extLst>
               <a:ext uri="{FF2B5EF4-FFF2-40B4-BE49-F238E27FC236}">
-                <a16:creationId xmlns:a16="http://schemas.microsoft.com/office/drawing/2014/main" id="{50448D6E-8AA0-457F-95B4-95DC62E34FE3}"/>
+                <a16:creationId xmlns:a16="http://schemas.microsoft.com/office/drawing/2014/main" id="{4CE51DC2-E219-4D55-8B7B-BD1055139BA9}"/>
               </a:ext>
             </a:extLst>
           </p:cNvPr>
@@ -4015,8 +4738,8 @@
         </p:nvSpPr>
         <p:spPr>
           <a:xfrm>
-            <a:off x="6509084" y="1825625"/>
-            <a:ext cx="4471737" cy="4351338"/>
+            <a:off x="5967663" y="1690688"/>
+            <a:ext cx="4439653" cy="4351338"/>
           </a:xfrm>
           <a:prstGeom prst="rect">
             <a:avLst/>
@@ -4024,7 +4747,7 @@
         </p:spPr>
         <p:txBody>
           <a:bodyPr vert="horz" lIns="91440" tIns="45720" rIns="91440" bIns="45720" rtlCol="0">
-            <a:normAutofit fontScale="77500" lnSpcReduction="20000"/>
+            <a:normAutofit fontScale="85000" lnSpcReduction="20000"/>
           </a:bodyPr>
           <a:lstStyle>
             <a:lvl1pPr marL="228600" indent="-228600" algn="l" defTabSz="914400" rtl="0" eaLnBrk="1" latinLnBrk="0" hangingPunct="1">
@@ -4193,18 +4916,17 @@
           <a:p>
             <a:r>
               <a:rPr lang="en-US" dirty="0"/>
-              <a:t>Sarcomere Organization (GO:0045214)</a:t>
-            </a:r>
-          </a:p>
-          <a:p>
-            <a:pPr lvl="1"/>
+              <a:t>Artery Morphogenesis (GO:0048844)</a:t>
+            </a:r>
+          </a:p>
+          <a:p>
             <a:endParaRPr lang="en-US" dirty="0"/>
           </a:p>
           <a:p>
             <a:pPr lvl="1"/>
             <a:r>
               <a:rPr lang="en-US" dirty="0"/>
-              <a:t>MYH3 - </a:t>
+              <a:t>BMPR2 - </a:t>
             </a:r>
             <a:r>
               <a:rPr lang="en-US" b="0" i="0" dirty="0">
@@ -4214,7 +4936,7 @@
                 <a:effectLst/>
                 <a:latin typeface="Google Sans"/>
               </a:rPr>
-              <a:t>specifies the production of myosin-3, a protein that helps muscles develop and contract</a:t>
+              <a:t>Cardiovascular development</a:t>
             </a:r>
             <a:endParaRPr lang="en-US" dirty="0"/>
           </a:p>
@@ -4222,17 +4944,17 @@
             <a:pPr lvl="1"/>
             <a:r>
               <a:rPr lang="en-US" dirty="0"/>
-              <a:t>TPM1 - </a:t>
+              <a:t>FOXF1 - </a:t>
             </a:r>
             <a:r>
               <a:rPr lang="en-US" b="0" i="0" dirty="0">
                 <a:solidFill>
-                  <a:srgbClr val="001D35"/>
+                  <a:srgbClr val="040C28"/>
                 </a:solidFill>
                 <a:effectLst/>
                 <a:latin typeface="Google Sans"/>
               </a:rPr>
-              <a:t>regulates cell shape and strength by stabilizing the thin filament and facilitating actin's interaction with myosin</a:t>
+              <a:t>important in the development of pulmonary mesenchyme</a:t>
             </a:r>
             <a:endParaRPr lang="en-US" dirty="0"/>
           </a:p>
@@ -4240,7 +4962,7 @@
             <a:pPr lvl="1"/>
             <a:r>
               <a:rPr lang="en-US" dirty="0"/>
-              <a:t>TNNT3 - </a:t>
+              <a:t>NF1 - </a:t>
             </a:r>
             <a:r>
               <a:rPr lang="en-US" b="0" i="0" dirty="0">
@@ -4250,7 +4972,7 @@
                 <a:effectLst/>
                 <a:latin typeface="Google Sans"/>
               </a:rPr>
-              <a:t>produces troponin T, which helps regulate muscle contraction</a:t>
+              <a:t>regulates cell growth and division (cancer), especially in the nervous system</a:t>
             </a:r>
             <a:endParaRPr lang="en-US" dirty="0"/>
           </a:p>
@@ -4258,48 +4980,22 @@
             <a:pPr lvl="1"/>
             <a:r>
               <a:rPr lang="en-US" dirty="0"/>
-              <a:t>CASQ1 - </a:t>
-            </a:r>
-            <a:r>
-              <a:rPr lang="en-US" b="0" i="0" dirty="0">
-                <a:solidFill>
-                  <a:srgbClr val="001D35"/>
-                </a:solidFill>
-                <a:effectLst/>
-                <a:latin typeface="Google Sans"/>
-              </a:rPr>
-              <a:t>regulates calcium levels in muscle cells</a:t>
-            </a:r>
-            <a:endParaRPr lang="en-US" dirty="0"/>
-          </a:p>
-          <a:p>
-            <a:pPr lvl="1"/>
-            <a:r>
-              <a:rPr lang="en-US" dirty="0"/>
-              <a:t>MYOZ1 </a:t>
-            </a:r>
-            <a:r>
-              <a:rPr lang="en-US"/>
-              <a:t>- </a:t>
-            </a:r>
-            <a:r>
-              <a:rPr lang="en-US" b="0" i="0">
-                <a:solidFill>
-                  <a:srgbClr val="001D35"/>
-                </a:solidFill>
-                <a:effectLst/>
-                <a:latin typeface="Google Sans"/>
-              </a:rPr>
-              <a:t>regulate calcineurin signaling by binding to calcineurin and tethering it to the sarcomere</a:t>
-            </a:r>
-            <a:endParaRPr lang="en-US" dirty="0"/>
+              <a:t>PKD2 – cell interactions and calcium signaling particularly in renal</a:t>
+            </a:r>
+          </a:p>
+          <a:p>
+            <a:pPr lvl="1"/>
+            <a:r>
+              <a:rPr lang="en-US" dirty="0"/>
+              <a:t>TBX2 - coordinating cell fate, patterning and morphogenesis of a wide range of tissues and organs</a:t>
+            </a:r>
           </a:p>
         </p:txBody>
       </p:sp>
     </p:spTree>
     <p:extLst>
       <p:ext uri="{BB962C8B-B14F-4D97-AF65-F5344CB8AC3E}">
-        <p14:creationId xmlns:p14="http://schemas.microsoft.com/office/powerpoint/2010/main" val="1403184030"/>
+        <p14:creationId xmlns:p14="http://schemas.microsoft.com/office/powerpoint/2010/main" val="1129879600"/>
       </p:ext>
     </p:extLst>
   </p:cSld>
@@ -4309,7 +5005,1471 @@
 </p:sld>
 </file>
 
-<file path=ppt/slides/slide14.xml><?xml version="1.0" encoding="utf-8"?>
+<file path=ppt/slides/slide15.xml><?xml version="1.0" encoding="utf-8"?>
+<p:sld xmlns:a="http://schemas.openxmlformats.org/drawingml/2006/main" xmlns:r="http://schemas.openxmlformats.org/officeDocument/2006/relationships" xmlns:p="http://schemas.openxmlformats.org/presentationml/2006/main">
+  <p:cSld>
+    <p:bg>
+      <p:bgPr>
+        <a:solidFill>
+          <a:schemeClr val="accent6">
+            <a:lumMod val="20000"/>
+            <a:lumOff val="80000"/>
+          </a:schemeClr>
+        </a:solidFill>
+        <a:effectLst/>
+      </p:bgPr>
+    </p:bg>
+    <p:spTree>
+      <p:nvGrpSpPr>
+        <p:cNvPr id="1" name=""/>
+        <p:cNvGrpSpPr/>
+        <p:nvPr/>
+      </p:nvGrpSpPr>
+      <p:grpSpPr>
+        <a:xfrm>
+          <a:off x="0" y="0"/>
+          <a:ext cx="0" cy="0"/>
+          <a:chOff x="0" y="0"/>
+          <a:chExt cx="0" cy="0"/>
+        </a:xfrm>
+      </p:grpSpPr>
+      <p:sp>
+        <p:nvSpPr>
+          <p:cNvPr id="2" name="Title 1">
+            <a:extLst>
+              <a:ext uri="{FF2B5EF4-FFF2-40B4-BE49-F238E27FC236}">
+                <a16:creationId xmlns:a16="http://schemas.microsoft.com/office/drawing/2014/main" id="{6D83FC93-AD7A-4B5C-AD6D-0F3EB801C967}"/>
+              </a:ext>
+            </a:extLst>
+          </p:cNvPr>
+          <p:cNvSpPr>
+            <a:spLocks noGrp="1"/>
+          </p:cNvSpPr>
+          <p:nvPr>
+            <p:ph type="title"/>
+          </p:nvPr>
+        </p:nvSpPr>
+        <p:spPr>
+          <a:xfrm>
+            <a:off x="0" y="-254794"/>
+            <a:ext cx="10515600" cy="1325563"/>
+          </a:xfrm>
+        </p:spPr>
+        <p:txBody>
+          <a:bodyPr/>
+          <a:lstStyle/>
+          <a:p>
+            <a:r>
+              <a:rPr lang="en-US" dirty="0"/>
+              <a:t>D5 vs </a:t>
+            </a:r>
+            <a:r>
+              <a:rPr lang="en-US" dirty="0" err="1"/>
+              <a:t>cntl</a:t>
+            </a:r>
+            <a:r>
+              <a:rPr lang="en-US" dirty="0"/>
+              <a:t> pt2</a:t>
+            </a:r>
+          </a:p>
+        </p:txBody>
+      </p:sp>
+      <p:sp>
+        <p:nvSpPr>
+          <p:cNvPr id="3" name="Content Placeholder 2">
+            <a:extLst>
+              <a:ext uri="{FF2B5EF4-FFF2-40B4-BE49-F238E27FC236}">
+                <a16:creationId xmlns:a16="http://schemas.microsoft.com/office/drawing/2014/main" id="{DC62D570-CEF7-4EC6-B985-331CAD803E4E}"/>
+              </a:ext>
+            </a:extLst>
+          </p:cNvPr>
+          <p:cNvSpPr>
+            <a:spLocks noGrp="1"/>
+          </p:cNvSpPr>
+          <p:nvPr>
+            <p:ph idx="1"/>
+          </p:nvPr>
+        </p:nvSpPr>
+        <p:spPr>
+          <a:xfrm>
+            <a:off x="-70184" y="1518025"/>
+            <a:ext cx="4439653" cy="4351338"/>
+          </a:xfrm>
+        </p:spPr>
+        <p:txBody>
+          <a:bodyPr>
+            <a:normAutofit fontScale="77500" lnSpcReduction="20000"/>
+          </a:bodyPr>
+          <a:lstStyle/>
+          <a:p>
+            <a:r>
+              <a:rPr lang="en-US" dirty="0"/>
+              <a:t>Negative Regulation Of Microtubule Depolymerization (GO:0007026)</a:t>
+            </a:r>
+          </a:p>
+          <a:p>
+            <a:endParaRPr lang="en-US" dirty="0"/>
+          </a:p>
+          <a:p>
+            <a:pPr lvl="1"/>
+            <a:r>
+              <a:rPr lang="en-US" dirty="0"/>
+              <a:t>SPEF1 - </a:t>
+            </a:r>
+            <a:r>
+              <a:rPr lang="en-US" b="0" i="0" dirty="0">
+                <a:solidFill>
+                  <a:srgbClr val="001D35"/>
+                </a:solidFill>
+                <a:effectLst/>
+                <a:latin typeface="Google Sans"/>
+              </a:rPr>
+              <a:t>regulates cell migration, cell polarity, and the formation of cilia and microtubules (not expressed in muscle)</a:t>
+            </a:r>
+            <a:endParaRPr lang="en-US" dirty="0"/>
+          </a:p>
+          <a:p>
+            <a:pPr lvl="1"/>
+            <a:r>
+              <a:rPr lang="en-US" dirty="0"/>
+              <a:t>NAV3 - Cell-cell matrix adhesion and </a:t>
+            </a:r>
+            <a:r>
+              <a:rPr lang="en-US" b="0" i="0" dirty="0">
+                <a:solidFill>
+                  <a:srgbClr val="001D35"/>
+                </a:solidFill>
+                <a:effectLst/>
+                <a:latin typeface="Google Sans"/>
+              </a:rPr>
+              <a:t>organize the cytoskeleton</a:t>
+            </a:r>
+            <a:endParaRPr lang="en-US" dirty="0"/>
+          </a:p>
+          <a:p>
+            <a:pPr lvl="1"/>
+            <a:r>
+              <a:rPr lang="en-US" dirty="0"/>
+              <a:t>ATXN7 - </a:t>
+            </a:r>
+            <a:r>
+              <a:rPr lang="en-US" b="0" i="0" dirty="0">
+                <a:solidFill>
+                  <a:srgbClr val="040C28"/>
+                </a:solidFill>
+                <a:effectLst/>
+                <a:latin typeface="Google Sans"/>
+              </a:rPr>
+              <a:t>transcription factor that regulates gene expression via chromatin remodeling</a:t>
+            </a:r>
+            <a:endParaRPr lang="en-US" dirty="0"/>
+          </a:p>
+          <a:p>
+            <a:pPr lvl="1"/>
+            <a:r>
+              <a:rPr lang="en-US" dirty="0"/>
+              <a:t>TAOK1 - neuronal cytoskeleton regulation, DNA damage response, apoptosis regulation, neuronal maturation, and cortical development</a:t>
+            </a:r>
+          </a:p>
+        </p:txBody>
+      </p:sp>
+      <p:sp>
+        <p:nvSpPr>
+          <p:cNvPr id="4" name="Content Placeholder 2">
+            <a:extLst>
+              <a:ext uri="{FF2B5EF4-FFF2-40B4-BE49-F238E27FC236}">
+                <a16:creationId xmlns:a16="http://schemas.microsoft.com/office/drawing/2014/main" id="{4CE51DC2-E219-4D55-8B7B-BD1055139BA9}"/>
+              </a:ext>
+            </a:extLst>
+          </p:cNvPr>
+          <p:cNvSpPr txBox="1">
+            <a:spLocks/>
+          </p:cNvSpPr>
+          <p:nvPr/>
+        </p:nvSpPr>
+        <p:spPr>
+          <a:xfrm>
+            <a:off x="4299284" y="1"/>
+            <a:ext cx="7892716" cy="6857999"/>
+          </a:xfrm>
+          <a:prstGeom prst="rect">
+            <a:avLst/>
+          </a:prstGeom>
+        </p:spPr>
+        <p:txBody>
+          <a:bodyPr vert="horz" lIns="91440" tIns="45720" rIns="91440" bIns="45720" rtlCol="0">
+            <a:normAutofit lnSpcReduction="10000"/>
+          </a:bodyPr>
+          <a:lstStyle>
+            <a:lvl1pPr marL="228600" indent="-228600" algn="l" defTabSz="914400" rtl="0" eaLnBrk="1" latinLnBrk="0" hangingPunct="1">
+              <a:lnSpc>
+                <a:spcPct val="90000"/>
+              </a:lnSpc>
+              <a:spcBef>
+                <a:spcPts val="1000"/>
+              </a:spcBef>
+              <a:buFont typeface="Arial" panose="020B0604020202020204" pitchFamily="34" charset="0"/>
+              <a:buChar char="•"/>
+              <a:defRPr sz="2800" kern="1200">
+                <a:solidFill>
+                  <a:schemeClr val="tx1"/>
+                </a:solidFill>
+                <a:latin typeface="+mn-lt"/>
+                <a:ea typeface="+mn-ea"/>
+                <a:cs typeface="+mn-cs"/>
+              </a:defRPr>
+            </a:lvl1pPr>
+            <a:lvl2pPr marL="685800" indent="-228600" algn="l" defTabSz="914400" rtl="0" eaLnBrk="1" latinLnBrk="0" hangingPunct="1">
+              <a:lnSpc>
+                <a:spcPct val="90000"/>
+              </a:lnSpc>
+              <a:spcBef>
+                <a:spcPts val="500"/>
+              </a:spcBef>
+              <a:buFont typeface="Arial" panose="020B0604020202020204" pitchFamily="34" charset="0"/>
+              <a:buChar char="•"/>
+              <a:defRPr sz="2400" kern="1200">
+                <a:solidFill>
+                  <a:schemeClr val="tx1"/>
+                </a:solidFill>
+                <a:latin typeface="+mn-lt"/>
+                <a:ea typeface="+mn-ea"/>
+                <a:cs typeface="+mn-cs"/>
+              </a:defRPr>
+            </a:lvl2pPr>
+            <a:lvl3pPr marL="1143000" indent="-228600" algn="l" defTabSz="914400" rtl="0" eaLnBrk="1" latinLnBrk="0" hangingPunct="1">
+              <a:lnSpc>
+                <a:spcPct val="90000"/>
+              </a:lnSpc>
+              <a:spcBef>
+                <a:spcPts val="500"/>
+              </a:spcBef>
+              <a:buFont typeface="Arial" panose="020B0604020202020204" pitchFamily="34" charset="0"/>
+              <a:buChar char="•"/>
+              <a:defRPr sz="2000" kern="1200">
+                <a:solidFill>
+                  <a:schemeClr val="tx1"/>
+                </a:solidFill>
+                <a:latin typeface="+mn-lt"/>
+                <a:ea typeface="+mn-ea"/>
+                <a:cs typeface="+mn-cs"/>
+              </a:defRPr>
+            </a:lvl3pPr>
+            <a:lvl4pPr marL="1600200" indent="-228600" algn="l" defTabSz="914400" rtl="0" eaLnBrk="1" latinLnBrk="0" hangingPunct="1">
+              <a:lnSpc>
+                <a:spcPct val="90000"/>
+              </a:lnSpc>
+              <a:spcBef>
+                <a:spcPts val="500"/>
+              </a:spcBef>
+              <a:buFont typeface="Arial" panose="020B0604020202020204" pitchFamily="34" charset="0"/>
+              <a:buChar char="•"/>
+              <a:defRPr sz="1800" kern="1200">
+                <a:solidFill>
+                  <a:schemeClr val="tx1"/>
+                </a:solidFill>
+                <a:latin typeface="+mn-lt"/>
+                <a:ea typeface="+mn-ea"/>
+                <a:cs typeface="+mn-cs"/>
+              </a:defRPr>
+            </a:lvl4pPr>
+            <a:lvl5pPr marL="2057400" indent="-228600" algn="l" defTabSz="914400" rtl="0" eaLnBrk="1" latinLnBrk="0" hangingPunct="1">
+              <a:lnSpc>
+                <a:spcPct val="90000"/>
+              </a:lnSpc>
+              <a:spcBef>
+                <a:spcPts val="500"/>
+              </a:spcBef>
+              <a:buFont typeface="Arial" panose="020B0604020202020204" pitchFamily="34" charset="0"/>
+              <a:buChar char="•"/>
+              <a:defRPr sz="1800" kern="1200">
+                <a:solidFill>
+                  <a:schemeClr val="tx1"/>
+                </a:solidFill>
+                <a:latin typeface="+mn-lt"/>
+                <a:ea typeface="+mn-ea"/>
+                <a:cs typeface="+mn-cs"/>
+              </a:defRPr>
+            </a:lvl5pPr>
+            <a:lvl6pPr marL="2514600" indent="-228600" algn="l" defTabSz="914400" rtl="0" eaLnBrk="1" latinLnBrk="0" hangingPunct="1">
+              <a:lnSpc>
+                <a:spcPct val="90000"/>
+              </a:lnSpc>
+              <a:spcBef>
+                <a:spcPts val="500"/>
+              </a:spcBef>
+              <a:buFont typeface="Arial" panose="020B0604020202020204" pitchFamily="34" charset="0"/>
+              <a:buChar char="•"/>
+              <a:defRPr sz="1800" kern="1200">
+                <a:solidFill>
+                  <a:schemeClr val="tx1"/>
+                </a:solidFill>
+                <a:latin typeface="+mn-lt"/>
+                <a:ea typeface="+mn-ea"/>
+                <a:cs typeface="+mn-cs"/>
+              </a:defRPr>
+            </a:lvl6pPr>
+            <a:lvl7pPr marL="2971800" indent="-228600" algn="l" defTabSz="914400" rtl="0" eaLnBrk="1" latinLnBrk="0" hangingPunct="1">
+              <a:lnSpc>
+                <a:spcPct val="90000"/>
+              </a:lnSpc>
+              <a:spcBef>
+                <a:spcPts val="500"/>
+              </a:spcBef>
+              <a:buFont typeface="Arial" panose="020B0604020202020204" pitchFamily="34" charset="0"/>
+              <a:buChar char="•"/>
+              <a:defRPr sz="1800" kern="1200">
+                <a:solidFill>
+                  <a:schemeClr val="tx1"/>
+                </a:solidFill>
+                <a:latin typeface="+mn-lt"/>
+                <a:ea typeface="+mn-ea"/>
+                <a:cs typeface="+mn-cs"/>
+              </a:defRPr>
+            </a:lvl7pPr>
+            <a:lvl8pPr marL="3429000" indent="-228600" algn="l" defTabSz="914400" rtl="0" eaLnBrk="1" latinLnBrk="0" hangingPunct="1">
+              <a:lnSpc>
+                <a:spcPct val="90000"/>
+              </a:lnSpc>
+              <a:spcBef>
+                <a:spcPts val="500"/>
+              </a:spcBef>
+              <a:buFont typeface="Arial" panose="020B0604020202020204" pitchFamily="34" charset="0"/>
+              <a:buChar char="•"/>
+              <a:defRPr sz="1800" kern="1200">
+                <a:solidFill>
+                  <a:schemeClr val="tx1"/>
+                </a:solidFill>
+                <a:latin typeface="+mn-lt"/>
+                <a:ea typeface="+mn-ea"/>
+                <a:cs typeface="+mn-cs"/>
+              </a:defRPr>
+            </a:lvl8pPr>
+            <a:lvl9pPr marL="3886200" indent="-228600" algn="l" defTabSz="914400" rtl="0" eaLnBrk="1" latinLnBrk="0" hangingPunct="1">
+              <a:lnSpc>
+                <a:spcPct val="90000"/>
+              </a:lnSpc>
+              <a:spcBef>
+                <a:spcPts val="500"/>
+              </a:spcBef>
+              <a:buFont typeface="Arial" panose="020B0604020202020204" pitchFamily="34" charset="0"/>
+              <a:buChar char="•"/>
+              <a:defRPr sz="1800" kern="1200">
+                <a:solidFill>
+                  <a:schemeClr val="tx1"/>
+                </a:solidFill>
+                <a:latin typeface="+mn-lt"/>
+                <a:ea typeface="+mn-ea"/>
+                <a:cs typeface="+mn-cs"/>
+              </a:defRPr>
+            </a:lvl9pPr>
+          </a:lstStyle>
+          <a:p>
+            <a:r>
+              <a:rPr lang="en-US" sz="1600" dirty="0"/>
+              <a:t>Regulation Of Angiogenesis (GO:0045765)</a:t>
+            </a:r>
+          </a:p>
+          <a:p>
+            <a:endParaRPr lang="en-US" sz="1600" dirty="0"/>
+          </a:p>
+          <a:p>
+            <a:pPr marL="0" indent="0" algn="l">
+              <a:buNone/>
+            </a:pPr>
+            <a:r>
+              <a:rPr lang="en-US" sz="1600" i="0" dirty="0">
+                <a:effectLst/>
+              </a:rPr>
+              <a:t>FOXC1 - involved in the development of the eye, heart, and brain</a:t>
+            </a:r>
+          </a:p>
+          <a:p>
+            <a:pPr marL="0" indent="0" algn="l">
+              <a:buNone/>
+            </a:pPr>
+            <a:r>
+              <a:rPr lang="en-US" sz="1600" i="0" dirty="0">
+                <a:effectLst/>
+              </a:rPr>
+              <a:t>SEMA6A - guides axon growth and neuronal migration during development. It also plays a role in cell-cell communication and immune regulation.</a:t>
+            </a:r>
+          </a:p>
+          <a:p>
+            <a:pPr marL="0" indent="0" algn="l">
+              <a:buNone/>
+            </a:pPr>
+            <a:r>
+              <a:rPr lang="en-US" sz="1600" i="0" dirty="0">
+                <a:effectLst/>
+              </a:rPr>
+              <a:t>SERPINE1</a:t>
+            </a:r>
+            <a:r>
+              <a:rPr lang="en-US" sz="1600" dirty="0"/>
+              <a:t> -</a:t>
+            </a:r>
+            <a:r>
+              <a:rPr lang="en-US" sz="1600" i="0" dirty="0">
+                <a:effectLst/>
+              </a:rPr>
+              <a:t> inhibits tissue plasminogen activator (</a:t>
+            </a:r>
+            <a:r>
+              <a:rPr lang="en-US" sz="1600" i="0" dirty="0" err="1">
+                <a:effectLst/>
+              </a:rPr>
+              <a:t>tPA</a:t>
+            </a:r>
+            <a:r>
+              <a:rPr lang="en-US" sz="1600" i="0" dirty="0">
+                <a:effectLst/>
+              </a:rPr>
+              <a:t>) and urokinase, regulating fibrinolysis (blood clot breakdown) and extracellular matrix remodeling.</a:t>
+            </a:r>
+          </a:p>
+          <a:p>
+            <a:pPr marL="0" indent="0" algn="l">
+              <a:buNone/>
+            </a:pPr>
+            <a:r>
+              <a:rPr lang="en-US" sz="1600" i="0" dirty="0">
+                <a:effectLst/>
+              </a:rPr>
+              <a:t>HIPK1</a:t>
+            </a:r>
+            <a:r>
+              <a:rPr lang="en-US" sz="1600" dirty="0"/>
+              <a:t> -</a:t>
+            </a:r>
+            <a:r>
+              <a:rPr lang="en-US" sz="1600" i="0" dirty="0">
+                <a:effectLst/>
+              </a:rPr>
+              <a:t> involved in DNA damage response, apoptosis, and transcriptional regulation. It also plays a role in development and stress signaling.</a:t>
+            </a:r>
+          </a:p>
+          <a:p>
+            <a:pPr marL="0" indent="0" algn="l">
+              <a:buNone/>
+            </a:pPr>
+            <a:r>
+              <a:rPr lang="en-US" sz="1600" i="0" dirty="0">
+                <a:effectLst/>
+              </a:rPr>
+              <a:t>RUNX1 - A transcription factor critical for hematopoiesis and regulation of genes involved in cell differentiation and proliferation.</a:t>
+            </a:r>
+          </a:p>
+          <a:p>
+            <a:pPr marL="0" indent="0" algn="l">
+              <a:buNone/>
+            </a:pPr>
+            <a:r>
+              <a:rPr lang="en-US" sz="1600" i="0" dirty="0">
+                <a:effectLst/>
+              </a:rPr>
+              <a:t>HIPK2</a:t>
+            </a:r>
+            <a:r>
+              <a:rPr lang="en-US" sz="1600" dirty="0"/>
+              <a:t> -</a:t>
+            </a:r>
+            <a:r>
+              <a:rPr lang="en-US" sz="1600" i="0" dirty="0">
+                <a:effectLst/>
+              </a:rPr>
+              <a:t> involved in DNA damage response, apoptosis, and transcriptional regulation,. Driver of kidney fibrosis</a:t>
+            </a:r>
+          </a:p>
+          <a:p>
+            <a:pPr marL="0" indent="0" algn="l">
+              <a:buNone/>
+            </a:pPr>
+            <a:r>
+              <a:rPr lang="en-US" sz="1600" i="0" dirty="0">
+                <a:effectLst/>
+              </a:rPr>
+              <a:t>SPRED1</a:t>
+            </a:r>
+            <a:r>
+              <a:rPr lang="en-US" sz="1600" dirty="0"/>
+              <a:t> -</a:t>
+            </a:r>
+            <a:r>
+              <a:rPr lang="en-US" sz="1600" i="0" dirty="0">
+                <a:effectLst/>
+              </a:rPr>
+              <a:t> A negative regulator of the MAPK/ERK signaling pathway, which is involved in cell growth, differentiation, and development</a:t>
+            </a:r>
+          </a:p>
+          <a:p>
+            <a:pPr marL="0" indent="0" algn="l">
+              <a:buNone/>
+            </a:pPr>
+            <a:r>
+              <a:rPr lang="en-US" sz="1600" i="0" dirty="0">
+                <a:effectLst/>
+              </a:rPr>
+              <a:t>LRG1</a:t>
+            </a:r>
+            <a:r>
+              <a:rPr lang="en-US" sz="1600" dirty="0"/>
+              <a:t> -</a:t>
+            </a:r>
+            <a:r>
+              <a:rPr lang="en-US" sz="1600" i="0" dirty="0">
+                <a:effectLst/>
+              </a:rPr>
+              <a:t> A protein implicated in angiogenesis and immune modulation</a:t>
+            </a:r>
+          </a:p>
+          <a:p>
+            <a:pPr marL="0" indent="0" algn="l">
+              <a:buNone/>
+            </a:pPr>
+            <a:r>
+              <a:rPr lang="en-US" sz="1600" i="0" dirty="0">
+                <a:effectLst/>
+              </a:rPr>
+              <a:t>ADAMTS1</a:t>
+            </a:r>
+            <a:r>
+              <a:rPr lang="en-US" sz="1600" dirty="0"/>
+              <a:t> -</a:t>
+            </a:r>
+            <a:r>
+              <a:rPr lang="en-US" sz="1600" i="0" dirty="0">
+                <a:effectLst/>
+              </a:rPr>
+              <a:t> involved in extracellular matrix remodeling, angiogenesis, and inflammation</a:t>
+            </a:r>
+          </a:p>
+          <a:p>
+            <a:pPr marL="0" indent="0" algn="l">
+              <a:buNone/>
+            </a:pPr>
+            <a:r>
+              <a:rPr lang="en-US" sz="1600" i="0" dirty="0">
+                <a:effectLst/>
+              </a:rPr>
+              <a:t>AGO2</a:t>
+            </a:r>
+            <a:r>
+              <a:rPr lang="en-US" sz="1600" dirty="0"/>
+              <a:t> -</a:t>
+            </a:r>
+            <a:r>
+              <a:rPr lang="en-US" sz="1600" i="0" dirty="0">
+                <a:effectLst/>
+              </a:rPr>
+              <a:t> involved in RNA interference (RNAi) and gene silencing through microRNA (miRNA) and small interfering RNA (siRNA) pathways.</a:t>
+            </a:r>
+          </a:p>
+          <a:p>
+            <a:pPr marL="0" indent="0" algn="l">
+              <a:buNone/>
+            </a:pPr>
+            <a:r>
+              <a:rPr lang="en-US" sz="1600" i="0" dirty="0">
+                <a:effectLst/>
+              </a:rPr>
+              <a:t>STAB1</a:t>
+            </a:r>
+            <a:r>
+              <a:rPr lang="en-US" sz="1600" dirty="0"/>
+              <a:t> -</a:t>
+            </a:r>
+            <a:r>
+              <a:rPr lang="en-US" sz="1600" i="0" dirty="0">
+                <a:effectLst/>
+              </a:rPr>
+              <a:t> involved in the clearance of cellular debris and regulation of immune responses</a:t>
+            </a:r>
+          </a:p>
+          <a:p>
+            <a:pPr marL="0" indent="0" algn="l">
+              <a:buNone/>
+            </a:pPr>
+            <a:r>
+              <a:rPr lang="en-US" sz="1600" i="0" dirty="0">
+                <a:effectLst/>
+              </a:rPr>
+              <a:t>NF1</a:t>
+            </a:r>
+            <a:r>
+              <a:rPr lang="en-US" sz="1600" dirty="0"/>
+              <a:t> -</a:t>
+            </a:r>
+            <a:r>
+              <a:rPr lang="en-US" sz="1600" i="0" dirty="0">
+                <a:effectLst/>
+              </a:rPr>
+              <a:t> regulates cell growth and division (cancer), especially in the nervous system</a:t>
+            </a:r>
+          </a:p>
+          <a:p>
+            <a:pPr marL="0" indent="0" algn="l">
+              <a:buNone/>
+            </a:pPr>
+            <a:r>
+              <a:rPr lang="en-US" sz="1600" i="0" dirty="0">
+                <a:effectLst/>
+              </a:rPr>
+              <a:t>ANGPTL4</a:t>
+            </a:r>
+            <a:r>
+              <a:rPr lang="en-US" sz="1600" dirty="0"/>
+              <a:t> -</a:t>
+            </a:r>
+            <a:r>
+              <a:rPr lang="en-US" sz="1600" i="0" dirty="0">
+                <a:effectLst/>
+              </a:rPr>
+              <a:t> involved in lipid metabolism, angiogenesis, and glucose homeostasis. It also plays a role in wound healing and inflammation.</a:t>
+            </a:r>
+          </a:p>
+          <a:p>
+            <a:pPr marL="0" indent="0" algn="l">
+              <a:buNone/>
+            </a:pPr>
+            <a:r>
+              <a:rPr lang="en-US" sz="1600" i="0" dirty="0">
+                <a:effectLst/>
+              </a:rPr>
+              <a:t>EPHA1</a:t>
+            </a:r>
+            <a:r>
+              <a:rPr lang="en-US" sz="1600" dirty="0"/>
+              <a:t> -</a:t>
+            </a:r>
+            <a:r>
+              <a:rPr lang="en-US" sz="1600" i="0" dirty="0">
+                <a:effectLst/>
+              </a:rPr>
+              <a:t> involved in cell-cell communication, cell migration</a:t>
+            </a:r>
+          </a:p>
+        </p:txBody>
+      </p:sp>
+    </p:spTree>
+    <p:extLst>
+      <p:ext uri="{BB962C8B-B14F-4D97-AF65-F5344CB8AC3E}">
+        <p14:creationId xmlns:p14="http://schemas.microsoft.com/office/powerpoint/2010/main" val="2283650714"/>
+      </p:ext>
+    </p:extLst>
+  </p:cSld>
+  <p:clrMapOvr>
+    <a:masterClrMapping/>
+  </p:clrMapOvr>
+</p:sld>
+</file>
+
+<file path=ppt/slides/slide16.xml><?xml version="1.0" encoding="utf-8"?>
+<p:sld xmlns:a="http://schemas.openxmlformats.org/drawingml/2006/main" xmlns:r="http://schemas.openxmlformats.org/officeDocument/2006/relationships" xmlns:p="http://schemas.openxmlformats.org/presentationml/2006/main">
+  <p:cSld>
+    <p:bg>
+      <p:bgPr>
+        <a:solidFill>
+          <a:schemeClr val="accent6">
+            <a:lumMod val="20000"/>
+            <a:lumOff val="80000"/>
+          </a:schemeClr>
+        </a:solidFill>
+        <a:effectLst/>
+      </p:bgPr>
+    </p:bg>
+    <p:spTree>
+      <p:nvGrpSpPr>
+        <p:cNvPr id="1" name=""/>
+        <p:cNvGrpSpPr/>
+        <p:nvPr/>
+      </p:nvGrpSpPr>
+      <p:grpSpPr>
+        <a:xfrm>
+          <a:off x="0" y="0"/>
+          <a:ext cx="0" cy="0"/>
+          <a:chOff x="0" y="0"/>
+          <a:chExt cx="0" cy="0"/>
+        </a:xfrm>
+      </p:grpSpPr>
+      <p:sp>
+        <p:nvSpPr>
+          <p:cNvPr id="2" name="Title 1">
+            <a:extLst>
+              <a:ext uri="{FF2B5EF4-FFF2-40B4-BE49-F238E27FC236}">
+                <a16:creationId xmlns:a16="http://schemas.microsoft.com/office/drawing/2014/main" id="{6D83FC93-AD7A-4B5C-AD6D-0F3EB801C967}"/>
+              </a:ext>
+            </a:extLst>
+          </p:cNvPr>
+          <p:cNvSpPr>
+            <a:spLocks noGrp="1"/>
+          </p:cNvSpPr>
+          <p:nvPr>
+            <p:ph type="title"/>
+          </p:nvPr>
+        </p:nvSpPr>
+        <p:spPr/>
+        <p:txBody>
+          <a:bodyPr/>
+          <a:lstStyle/>
+          <a:p>
+            <a:r>
+              <a:rPr lang="en-US" dirty="0"/>
+              <a:t>D5 vs </a:t>
+            </a:r>
+            <a:r>
+              <a:rPr lang="en-US" dirty="0" err="1"/>
+              <a:t>cntl</a:t>
+            </a:r>
+            <a:r>
+              <a:rPr lang="en-US" dirty="0"/>
+              <a:t> pt3</a:t>
+            </a:r>
+          </a:p>
+        </p:txBody>
+      </p:sp>
+      <p:sp>
+        <p:nvSpPr>
+          <p:cNvPr id="3" name="Content Placeholder 2">
+            <a:extLst>
+              <a:ext uri="{FF2B5EF4-FFF2-40B4-BE49-F238E27FC236}">
+                <a16:creationId xmlns:a16="http://schemas.microsoft.com/office/drawing/2014/main" id="{DC62D570-CEF7-4EC6-B985-331CAD803E4E}"/>
+              </a:ext>
+            </a:extLst>
+          </p:cNvPr>
+          <p:cNvSpPr>
+            <a:spLocks noGrp="1"/>
+          </p:cNvSpPr>
+          <p:nvPr>
+            <p:ph idx="1"/>
+          </p:nvPr>
+        </p:nvSpPr>
+        <p:spPr>
+          <a:xfrm>
+            <a:off x="581526" y="1690688"/>
+            <a:ext cx="4439653" cy="4351338"/>
+          </a:xfrm>
+        </p:spPr>
+        <p:txBody>
+          <a:bodyPr>
+            <a:normAutofit fontScale="92500"/>
+          </a:bodyPr>
+          <a:lstStyle/>
+          <a:p>
+            <a:r>
+              <a:rPr lang="en-US" dirty="0"/>
+              <a:t>Leukocyte Aggregation (GO:0070486)</a:t>
+            </a:r>
+          </a:p>
+          <a:p>
+            <a:pPr lvl="1"/>
+            <a:endParaRPr lang="en-US" dirty="0"/>
+          </a:p>
+          <a:p>
+            <a:pPr lvl="1"/>
+            <a:r>
+              <a:rPr lang="en-US" dirty="0"/>
+              <a:t>S100A9 - </a:t>
+            </a:r>
+            <a:r>
+              <a:rPr lang="en-US" b="0" i="0" dirty="0">
+                <a:solidFill>
+                  <a:srgbClr val="001D35"/>
+                </a:solidFill>
+                <a:effectLst/>
+                <a:latin typeface="Google Sans"/>
+              </a:rPr>
+              <a:t>regulates inflammation and the immune response (promotes macrophage transition and induces neutrophil release)</a:t>
+            </a:r>
+            <a:endParaRPr lang="en-US" dirty="0"/>
+          </a:p>
+          <a:p>
+            <a:pPr lvl="1"/>
+            <a:r>
+              <a:rPr lang="en-US" dirty="0"/>
+              <a:t>S100A8 - </a:t>
+            </a:r>
+            <a:r>
+              <a:rPr lang="en-US" b="0" i="0" dirty="0">
+                <a:solidFill>
+                  <a:srgbClr val="001D35"/>
+                </a:solidFill>
+                <a:effectLst/>
+                <a:latin typeface="Google Sans"/>
+              </a:rPr>
+              <a:t>regulates inflammation and the immune response (Neutrophil chemotaxis and proinflammatory cytokines)</a:t>
+            </a:r>
+            <a:endParaRPr lang="en-US" dirty="0"/>
+          </a:p>
+        </p:txBody>
+      </p:sp>
+      <p:sp>
+        <p:nvSpPr>
+          <p:cNvPr id="4" name="Content Placeholder 2">
+            <a:extLst>
+              <a:ext uri="{FF2B5EF4-FFF2-40B4-BE49-F238E27FC236}">
+                <a16:creationId xmlns:a16="http://schemas.microsoft.com/office/drawing/2014/main" id="{4CE51DC2-E219-4D55-8B7B-BD1055139BA9}"/>
+              </a:ext>
+            </a:extLst>
+          </p:cNvPr>
+          <p:cNvSpPr txBox="1">
+            <a:spLocks/>
+          </p:cNvSpPr>
+          <p:nvPr/>
+        </p:nvSpPr>
+        <p:spPr>
+          <a:xfrm>
+            <a:off x="5967663" y="1690688"/>
+            <a:ext cx="4439653" cy="4351338"/>
+          </a:xfrm>
+          <a:prstGeom prst="rect">
+            <a:avLst/>
+          </a:prstGeom>
+        </p:spPr>
+        <p:txBody>
+          <a:bodyPr vert="horz" lIns="91440" tIns="45720" rIns="91440" bIns="45720" rtlCol="0">
+            <a:normAutofit/>
+          </a:bodyPr>
+          <a:lstStyle>
+            <a:lvl1pPr marL="228600" indent="-228600" algn="l" defTabSz="914400" rtl="0" eaLnBrk="1" latinLnBrk="0" hangingPunct="1">
+              <a:lnSpc>
+                <a:spcPct val="90000"/>
+              </a:lnSpc>
+              <a:spcBef>
+                <a:spcPts val="1000"/>
+              </a:spcBef>
+              <a:buFont typeface="Arial" panose="020B0604020202020204" pitchFamily="34" charset="0"/>
+              <a:buChar char="•"/>
+              <a:defRPr sz="2800" kern="1200">
+                <a:solidFill>
+                  <a:schemeClr val="tx1"/>
+                </a:solidFill>
+                <a:latin typeface="+mn-lt"/>
+                <a:ea typeface="+mn-ea"/>
+                <a:cs typeface="+mn-cs"/>
+              </a:defRPr>
+            </a:lvl1pPr>
+            <a:lvl2pPr marL="685800" indent="-228600" algn="l" defTabSz="914400" rtl="0" eaLnBrk="1" latinLnBrk="0" hangingPunct="1">
+              <a:lnSpc>
+                <a:spcPct val="90000"/>
+              </a:lnSpc>
+              <a:spcBef>
+                <a:spcPts val="500"/>
+              </a:spcBef>
+              <a:buFont typeface="Arial" panose="020B0604020202020204" pitchFamily="34" charset="0"/>
+              <a:buChar char="•"/>
+              <a:defRPr sz="2400" kern="1200">
+                <a:solidFill>
+                  <a:schemeClr val="tx1"/>
+                </a:solidFill>
+                <a:latin typeface="+mn-lt"/>
+                <a:ea typeface="+mn-ea"/>
+                <a:cs typeface="+mn-cs"/>
+              </a:defRPr>
+            </a:lvl2pPr>
+            <a:lvl3pPr marL="1143000" indent="-228600" algn="l" defTabSz="914400" rtl="0" eaLnBrk="1" latinLnBrk="0" hangingPunct="1">
+              <a:lnSpc>
+                <a:spcPct val="90000"/>
+              </a:lnSpc>
+              <a:spcBef>
+                <a:spcPts val="500"/>
+              </a:spcBef>
+              <a:buFont typeface="Arial" panose="020B0604020202020204" pitchFamily="34" charset="0"/>
+              <a:buChar char="•"/>
+              <a:defRPr sz="2000" kern="1200">
+                <a:solidFill>
+                  <a:schemeClr val="tx1"/>
+                </a:solidFill>
+                <a:latin typeface="+mn-lt"/>
+                <a:ea typeface="+mn-ea"/>
+                <a:cs typeface="+mn-cs"/>
+              </a:defRPr>
+            </a:lvl3pPr>
+            <a:lvl4pPr marL="1600200" indent="-228600" algn="l" defTabSz="914400" rtl="0" eaLnBrk="1" latinLnBrk="0" hangingPunct="1">
+              <a:lnSpc>
+                <a:spcPct val="90000"/>
+              </a:lnSpc>
+              <a:spcBef>
+                <a:spcPts val="500"/>
+              </a:spcBef>
+              <a:buFont typeface="Arial" panose="020B0604020202020204" pitchFamily="34" charset="0"/>
+              <a:buChar char="•"/>
+              <a:defRPr sz="1800" kern="1200">
+                <a:solidFill>
+                  <a:schemeClr val="tx1"/>
+                </a:solidFill>
+                <a:latin typeface="+mn-lt"/>
+                <a:ea typeface="+mn-ea"/>
+                <a:cs typeface="+mn-cs"/>
+              </a:defRPr>
+            </a:lvl4pPr>
+            <a:lvl5pPr marL="2057400" indent="-228600" algn="l" defTabSz="914400" rtl="0" eaLnBrk="1" latinLnBrk="0" hangingPunct="1">
+              <a:lnSpc>
+                <a:spcPct val="90000"/>
+              </a:lnSpc>
+              <a:spcBef>
+                <a:spcPts val="500"/>
+              </a:spcBef>
+              <a:buFont typeface="Arial" panose="020B0604020202020204" pitchFamily="34" charset="0"/>
+              <a:buChar char="•"/>
+              <a:defRPr sz="1800" kern="1200">
+                <a:solidFill>
+                  <a:schemeClr val="tx1"/>
+                </a:solidFill>
+                <a:latin typeface="+mn-lt"/>
+                <a:ea typeface="+mn-ea"/>
+                <a:cs typeface="+mn-cs"/>
+              </a:defRPr>
+            </a:lvl5pPr>
+            <a:lvl6pPr marL="2514600" indent="-228600" algn="l" defTabSz="914400" rtl="0" eaLnBrk="1" latinLnBrk="0" hangingPunct="1">
+              <a:lnSpc>
+                <a:spcPct val="90000"/>
+              </a:lnSpc>
+              <a:spcBef>
+                <a:spcPts val="500"/>
+              </a:spcBef>
+              <a:buFont typeface="Arial" panose="020B0604020202020204" pitchFamily="34" charset="0"/>
+              <a:buChar char="•"/>
+              <a:defRPr sz="1800" kern="1200">
+                <a:solidFill>
+                  <a:schemeClr val="tx1"/>
+                </a:solidFill>
+                <a:latin typeface="+mn-lt"/>
+                <a:ea typeface="+mn-ea"/>
+                <a:cs typeface="+mn-cs"/>
+              </a:defRPr>
+            </a:lvl6pPr>
+            <a:lvl7pPr marL="2971800" indent="-228600" algn="l" defTabSz="914400" rtl="0" eaLnBrk="1" latinLnBrk="0" hangingPunct="1">
+              <a:lnSpc>
+                <a:spcPct val="90000"/>
+              </a:lnSpc>
+              <a:spcBef>
+                <a:spcPts val="500"/>
+              </a:spcBef>
+              <a:buFont typeface="Arial" panose="020B0604020202020204" pitchFamily="34" charset="0"/>
+              <a:buChar char="•"/>
+              <a:defRPr sz="1800" kern="1200">
+                <a:solidFill>
+                  <a:schemeClr val="tx1"/>
+                </a:solidFill>
+                <a:latin typeface="+mn-lt"/>
+                <a:ea typeface="+mn-ea"/>
+                <a:cs typeface="+mn-cs"/>
+              </a:defRPr>
+            </a:lvl7pPr>
+            <a:lvl8pPr marL="3429000" indent="-228600" algn="l" defTabSz="914400" rtl="0" eaLnBrk="1" latinLnBrk="0" hangingPunct="1">
+              <a:lnSpc>
+                <a:spcPct val="90000"/>
+              </a:lnSpc>
+              <a:spcBef>
+                <a:spcPts val="500"/>
+              </a:spcBef>
+              <a:buFont typeface="Arial" panose="020B0604020202020204" pitchFamily="34" charset="0"/>
+              <a:buChar char="•"/>
+              <a:defRPr sz="1800" kern="1200">
+                <a:solidFill>
+                  <a:schemeClr val="tx1"/>
+                </a:solidFill>
+                <a:latin typeface="+mn-lt"/>
+                <a:ea typeface="+mn-ea"/>
+                <a:cs typeface="+mn-cs"/>
+              </a:defRPr>
+            </a:lvl8pPr>
+            <a:lvl9pPr marL="3886200" indent="-228600" algn="l" defTabSz="914400" rtl="0" eaLnBrk="1" latinLnBrk="0" hangingPunct="1">
+              <a:lnSpc>
+                <a:spcPct val="90000"/>
+              </a:lnSpc>
+              <a:spcBef>
+                <a:spcPts val="500"/>
+              </a:spcBef>
+              <a:buFont typeface="Arial" panose="020B0604020202020204" pitchFamily="34" charset="0"/>
+              <a:buChar char="•"/>
+              <a:defRPr sz="1800" kern="1200">
+                <a:solidFill>
+                  <a:schemeClr val="tx1"/>
+                </a:solidFill>
+                <a:latin typeface="+mn-lt"/>
+                <a:ea typeface="+mn-ea"/>
+                <a:cs typeface="+mn-cs"/>
+              </a:defRPr>
+            </a:lvl9pPr>
+          </a:lstStyle>
+          <a:p>
+            <a:r>
+              <a:rPr lang="en-US" dirty="0"/>
+              <a:t>Positive Regulation Of DNA Demethylation (GO:1901537)</a:t>
+            </a:r>
+          </a:p>
+          <a:p>
+            <a:endParaRPr lang="en-US" dirty="0"/>
+          </a:p>
+          <a:p>
+            <a:pPr lvl="1"/>
+            <a:r>
+              <a:rPr lang="en-US" dirty="0"/>
+              <a:t>USP7 - </a:t>
+            </a:r>
+            <a:r>
+              <a:rPr lang="en-US" b="0" i="0" dirty="0">
+                <a:solidFill>
+                  <a:srgbClr val="001D35"/>
+                </a:solidFill>
+                <a:effectLst/>
+                <a:latin typeface="Google Sans"/>
+              </a:rPr>
+              <a:t>regulates the stability of many other proteins</a:t>
+            </a:r>
+            <a:endParaRPr lang="en-US" dirty="0"/>
+          </a:p>
+          <a:p>
+            <a:pPr lvl="1"/>
+            <a:r>
+              <a:rPr lang="en-US" dirty="0"/>
+              <a:t>HNRNPAB - </a:t>
+            </a:r>
+            <a:r>
+              <a:rPr lang="en-US" b="0" i="0" dirty="0">
+                <a:solidFill>
+                  <a:srgbClr val="001D35"/>
+                </a:solidFill>
+                <a:effectLst/>
+                <a:latin typeface="Google Sans"/>
+              </a:rPr>
+              <a:t>plays a role in RNA splicing, nuclear export, and sensing, and regulates axon maturation</a:t>
+            </a:r>
+            <a:endParaRPr lang="en-US" dirty="0"/>
+          </a:p>
+        </p:txBody>
+      </p:sp>
+    </p:spTree>
+    <p:extLst>
+      <p:ext uri="{BB962C8B-B14F-4D97-AF65-F5344CB8AC3E}">
+        <p14:creationId xmlns:p14="http://schemas.microsoft.com/office/powerpoint/2010/main" val="628345209"/>
+      </p:ext>
+    </p:extLst>
+  </p:cSld>
+  <p:clrMapOvr>
+    <a:masterClrMapping/>
+  </p:clrMapOvr>
+</p:sld>
+</file>
+
+<file path=ppt/slides/slide17.xml><?xml version="1.0" encoding="utf-8"?>
+<p:sld xmlns:a="http://schemas.openxmlformats.org/drawingml/2006/main" xmlns:r="http://schemas.openxmlformats.org/officeDocument/2006/relationships" xmlns:p="http://schemas.openxmlformats.org/presentationml/2006/main">
+  <p:cSld>
+    <p:bg>
+      <p:bgPr>
+        <a:solidFill>
+          <a:schemeClr val="accent6">
+            <a:lumMod val="20000"/>
+            <a:lumOff val="80000"/>
+          </a:schemeClr>
+        </a:solidFill>
+        <a:effectLst/>
+      </p:bgPr>
+    </p:bg>
+    <p:spTree>
+      <p:nvGrpSpPr>
+        <p:cNvPr id="1" name=""/>
+        <p:cNvGrpSpPr/>
+        <p:nvPr/>
+      </p:nvGrpSpPr>
+      <p:grpSpPr>
+        <a:xfrm>
+          <a:off x="0" y="0"/>
+          <a:ext cx="0" cy="0"/>
+          <a:chOff x="0" y="0"/>
+          <a:chExt cx="0" cy="0"/>
+        </a:xfrm>
+      </p:grpSpPr>
+      <p:sp>
+        <p:nvSpPr>
+          <p:cNvPr id="2" name="Title 1">
+            <a:extLst>
+              <a:ext uri="{FF2B5EF4-FFF2-40B4-BE49-F238E27FC236}">
+                <a16:creationId xmlns:a16="http://schemas.microsoft.com/office/drawing/2014/main" id="{6D83FC93-AD7A-4B5C-AD6D-0F3EB801C967}"/>
+              </a:ext>
+            </a:extLst>
+          </p:cNvPr>
+          <p:cNvSpPr>
+            <a:spLocks noGrp="1"/>
+          </p:cNvSpPr>
+          <p:nvPr>
+            <p:ph type="title"/>
+          </p:nvPr>
+        </p:nvSpPr>
+        <p:spPr/>
+        <p:txBody>
+          <a:bodyPr/>
+          <a:lstStyle/>
+          <a:p>
+            <a:r>
+              <a:rPr lang="en-US" dirty="0"/>
+              <a:t>D5 vs </a:t>
+            </a:r>
+            <a:r>
+              <a:rPr lang="en-US" dirty="0" err="1"/>
+              <a:t>cntl</a:t>
+            </a:r>
+            <a:r>
+              <a:rPr lang="en-US" dirty="0"/>
+              <a:t> pt4</a:t>
+            </a:r>
+          </a:p>
+        </p:txBody>
+      </p:sp>
+      <p:sp>
+        <p:nvSpPr>
+          <p:cNvPr id="3" name="Content Placeholder 2">
+            <a:extLst>
+              <a:ext uri="{FF2B5EF4-FFF2-40B4-BE49-F238E27FC236}">
+                <a16:creationId xmlns:a16="http://schemas.microsoft.com/office/drawing/2014/main" id="{DC62D570-CEF7-4EC6-B985-331CAD803E4E}"/>
+              </a:ext>
+            </a:extLst>
+          </p:cNvPr>
+          <p:cNvSpPr>
+            <a:spLocks noGrp="1"/>
+          </p:cNvSpPr>
+          <p:nvPr>
+            <p:ph idx="1"/>
+          </p:nvPr>
+        </p:nvSpPr>
+        <p:spPr>
+          <a:xfrm>
+            <a:off x="581526" y="1690688"/>
+            <a:ext cx="4439653" cy="4351338"/>
+          </a:xfrm>
+        </p:spPr>
+        <p:txBody>
+          <a:bodyPr>
+            <a:normAutofit fontScale="92500" lnSpcReduction="10000"/>
+          </a:bodyPr>
+          <a:lstStyle/>
+          <a:p>
+            <a:r>
+              <a:rPr lang="en-US" dirty="0"/>
+              <a:t>Detection Of Mechanical Stimulus (GO:0050982)</a:t>
+            </a:r>
+          </a:p>
+          <a:p>
+            <a:endParaRPr lang="en-US" dirty="0"/>
+          </a:p>
+          <a:p>
+            <a:pPr lvl="1"/>
+            <a:r>
+              <a:rPr lang="en-US" dirty="0"/>
+              <a:t>CSRP3 - </a:t>
+            </a:r>
+            <a:r>
+              <a:rPr lang="en-US" b="0" i="0" dirty="0">
+                <a:solidFill>
+                  <a:srgbClr val="001D35"/>
+                </a:solidFill>
+                <a:effectLst/>
+                <a:latin typeface="Google Sans"/>
+              </a:rPr>
+              <a:t>helps maintain muscle structure and function, and sarcomere assembly, and cytoskeleton integrity</a:t>
+            </a:r>
+            <a:endParaRPr lang="en-US" dirty="0"/>
+          </a:p>
+          <a:p>
+            <a:pPr lvl="1"/>
+            <a:r>
+              <a:rPr lang="en-US" dirty="0"/>
+              <a:t>PIEZO1 - </a:t>
+            </a:r>
+            <a:r>
+              <a:rPr lang="en-US" b="0" i="0" dirty="0">
+                <a:solidFill>
+                  <a:srgbClr val="001D35"/>
+                </a:solidFill>
+                <a:effectLst/>
+                <a:latin typeface="Google Sans"/>
+              </a:rPr>
+              <a:t>mechanosensitive ion channel that senses mechanical force and regulates many physiological processes</a:t>
+            </a:r>
+            <a:endParaRPr lang="en-US" dirty="0"/>
+          </a:p>
+          <a:p>
+            <a:pPr lvl="1"/>
+            <a:r>
+              <a:rPr lang="en-US" dirty="0"/>
+              <a:t>PKD2 - cell interactions and calcium signaling particularly in renal</a:t>
+            </a:r>
+          </a:p>
+        </p:txBody>
+      </p:sp>
+      <p:sp>
+        <p:nvSpPr>
+          <p:cNvPr id="4" name="Content Placeholder 2">
+            <a:extLst>
+              <a:ext uri="{FF2B5EF4-FFF2-40B4-BE49-F238E27FC236}">
+                <a16:creationId xmlns:a16="http://schemas.microsoft.com/office/drawing/2014/main" id="{4CE51DC2-E219-4D55-8B7B-BD1055139BA9}"/>
+              </a:ext>
+            </a:extLst>
+          </p:cNvPr>
+          <p:cNvSpPr txBox="1">
+            <a:spLocks/>
+          </p:cNvSpPr>
+          <p:nvPr/>
+        </p:nvSpPr>
+        <p:spPr>
+          <a:xfrm>
+            <a:off x="5967663" y="1690688"/>
+            <a:ext cx="4439653" cy="4351338"/>
+          </a:xfrm>
+          <a:prstGeom prst="rect">
+            <a:avLst/>
+          </a:prstGeom>
+        </p:spPr>
+        <p:txBody>
+          <a:bodyPr vert="horz" lIns="91440" tIns="45720" rIns="91440" bIns="45720" rtlCol="0">
+            <a:normAutofit lnSpcReduction="10000"/>
+          </a:bodyPr>
+          <a:lstStyle>
+            <a:lvl1pPr marL="228600" indent="-228600" algn="l" defTabSz="914400" rtl="0" eaLnBrk="1" latinLnBrk="0" hangingPunct="1">
+              <a:lnSpc>
+                <a:spcPct val="90000"/>
+              </a:lnSpc>
+              <a:spcBef>
+                <a:spcPts val="1000"/>
+              </a:spcBef>
+              <a:buFont typeface="Arial" panose="020B0604020202020204" pitchFamily="34" charset="0"/>
+              <a:buChar char="•"/>
+              <a:defRPr sz="2800" kern="1200">
+                <a:solidFill>
+                  <a:schemeClr val="tx1"/>
+                </a:solidFill>
+                <a:latin typeface="+mn-lt"/>
+                <a:ea typeface="+mn-ea"/>
+                <a:cs typeface="+mn-cs"/>
+              </a:defRPr>
+            </a:lvl1pPr>
+            <a:lvl2pPr marL="685800" indent="-228600" algn="l" defTabSz="914400" rtl="0" eaLnBrk="1" latinLnBrk="0" hangingPunct="1">
+              <a:lnSpc>
+                <a:spcPct val="90000"/>
+              </a:lnSpc>
+              <a:spcBef>
+                <a:spcPts val="500"/>
+              </a:spcBef>
+              <a:buFont typeface="Arial" panose="020B0604020202020204" pitchFamily="34" charset="0"/>
+              <a:buChar char="•"/>
+              <a:defRPr sz="2400" kern="1200">
+                <a:solidFill>
+                  <a:schemeClr val="tx1"/>
+                </a:solidFill>
+                <a:latin typeface="+mn-lt"/>
+                <a:ea typeface="+mn-ea"/>
+                <a:cs typeface="+mn-cs"/>
+              </a:defRPr>
+            </a:lvl2pPr>
+            <a:lvl3pPr marL="1143000" indent="-228600" algn="l" defTabSz="914400" rtl="0" eaLnBrk="1" latinLnBrk="0" hangingPunct="1">
+              <a:lnSpc>
+                <a:spcPct val="90000"/>
+              </a:lnSpc>
+              <a:spcBef>
+                <a:spcPts val="500"/>
+              </a:spcBef>
+              <a:buFont typeface="Arial" panose="020B0604020202020204" pitchFamily="34" charset="0"/>
+              <a:buChar char="•"/>
+              <a:defRPr sz="2000" kern="1200">
+                <a:solidFill>
+                  <a:schemeClr val="tx1"/>
+                </a:solidFill>
+                <a:latin typeface="+mn-lt"/>
+                <a:ea typeface="+mn-ea"/>
+                <a:cs typeface="+mn-cs"/>
+              </a:defRPr>
+            </a:lvl3pPr>
+            <a:lvl4pPr marL="1600200" indent="-228600" algn="l" defTabSz="914400" rtl="0" eaLnBrk="1" latinLnBrk="0" hangingPunct="1">
+              <a:lnSpc>
+                <a:spcPct val="90000"/>
+              </a:lnSpc>
+              <a:spcBef>
+                <a:spcPts val="500"/>
+              </a:spcBef>
+              <a:buFont typeface="Arial" panose="020B0604020202020204" pitchFamily="34" charset="0"/>
+              <a:buChar char="•"/>
+              <a:defRPr sz="1800" kern="1200">
+                <a:solidFill>
+                  <a:schemeClr val="tx1"/>
+                </a:solidFill>
+                <a:latin typeface="+mn-lt"/>
+                <a:ea typeface="+mn-ea"/>
+                <a:cs typeface="+mn-cs"/>
+              </a:defRPr>
+            </a:lvl4pPr>
+            <a:lvl5pPr marL="2057400" indent="-228600" algn="l" defTabSz="914400" rtl="0" eaLnBrk="1" latinLnBrk="0" hangingPunct="1">
+              <a:lnSpc>
+                <a:spcPct val="90000"/>
+              </a:lnSpc>
+              <a:spcBef>
+                <a:spcPts val="500"/>
+              </a:spcBef>
+              <a:buFont typeface="Arial" panose="020B0604020202020204" pitchFamily="34" charset="0"/>
+              <a:buChar char="•"/>
+              <a:defRPr sz="1800" kern="1200">
+                <a:solidFill>
+                  <a:schemeClr val="tx1"/>
+                </a:solidFill>
+                <a:latin typeface="+mn-lt"/>
+                <a:ea typeface="+mn-ea"/>
+                <a:cs typeface="+mn-cs"/>
+              </a:defRPr>
+            </a:lvl5pPr>
+            <a:lvl6pPr marL="2514600" indent="-228600" algn="l" defTabSz="914400" rtl="0" eaLnBrk="1" latinLnBrk="0" hangingPunct="1">
+              <a:lnSpc>
+                <a:spcPct val="90000"/>
+              </a:lnSpc>
+              <a:spcBef>
+                <a:spcPts val="500"/>
+              </a:spcBef>
+              <a:buFont typeface="Arial" panose="020B0604020202020204" pitchFamily="34" charset="0"/>
+              <a:buChar char="•"/>
+              <a:defRPr sz="1800" kern="1200">
+                <a:solidFill>
+                  <a:schemeClr val="tx1"/>
+                </a:solidFill>
+                <a:latin typeface="+mn-lt"/>
+                <a:ea typeface="+mn-ea"/>
+                <a:cs typeface="+mn-cs"/>
+              </a:defRPr>
+            </a:lvl6pPr>
+            <a:lvl7pPr marL="2971800" indent="-228600" algn="l" defTabSz="914400" rtl="0" eaLnBrk="1" latinLnBrk="0" hangingPunct="1">
+              <a:lnSpc>
+                <a:spcPct val="90000"/>
+              </a:lnSpc>
+              <a:spcBef>
+                <a:spcPts val="500"/>
+              </a:spcBef>
+              <a:buFont typeface="Arial" panose="020B0604020202020204" pitchFamily="34" charset="0"/>
+              <a:buChar char="•"/>
+              <a:defRPr sz="1800" kern="1200">
+                <a:solidFill>
+                  <a:schemeClr val="tx1"/>
+                </a:solidFill>
+                <a:latin typeface="+mn-lt"/>
+                <a:ea typeface="+mn-ea"/>
+                <a:cs typeface="+mn-cs"/>
+              </a:defRPr>
+            </a:lvl7pPr>
+            <a:lvl8pPr marL="3429000" indent="-228600" algn="l" defTabSz="914400" rtl="0" eaLnBrk="1" latinLnBrk="0" hangingPunct="1">
+              <a:lnSpc>
+                <a:spcPct val="90000"/>
+              </a:lnSpc>
+              <a:spcBef>
+                <a:spcPts val="500"/>
+              </a:spcBef>
+              <a:buFont typeface="Arial" panose="020B0604020202020204" pitchFamily="34" charset="0"/>
+              <a:buChar char="•"/>
+              <a:defRPr sz="1800" kern="1200">
+                <a:solidFill>
+                  <a:schemeClr val="tx1"/>
+                </a:solidFill>
+                <a:latin typeface="+mn-lt"/>
+                <a:ea typeface="+mn-ea"/>
+                <a:cs typeface="+mn-cs"/>
+              </a:defRPr>
+            </a:lvl8pPr>
+            <a:lvl9pPr marL="3886200" indent="-228600" algn="l" defTabSz="914400" rtl="0" eaLnBrk="1" latinLnBrk="0" hangingPunct="1">
+              <a:lnSpc>
+                <a:spcPct val="90000"/>
+              </a:lnSpc>
+              <a:spcBef>
+                <a:spcPts val="500"/>
+              </a:spcBef>
+              <a:buFont typeface="Arial" panose="020B0604020202020204" pitchFamily="34" charset="0"/>
+              <a:buChar char="•"/>
+              <a:defRPr sz="1800" kern="1200">
+                <a:solidFill>
+                  <a:schemeClr val="tx1"/>
+                </a:solidFill>
+                <a:latin typeface="+mn-lt"/>
+                <a:ea typeface="+mn-ea"/>
+                <a:cs typeface="+mn-cs"/>
+              </a:defRPr>
+            </a:lvl9pPr>
+          </a:lstStyle>
+          <a:p>
+            <a:r>
+              <a:rPr lang="en-US" dirty="0"/>
+              <a:t>Neuromuscular Process (GO:0050905)</a:t>
+            </a:r>
+          </a:p>
+          <a:p>
+            <a:pPr lvl="1"/>
+            <a:endParaRPr lang="en-US" dirty="0"/>
+          </a:p>
+          <a:p>
+            <a:pPr lvl="1"/>
+            <a:r>
+              <a:rPr lang="en-US" dirty="0"/>
+              <a:t>CLN3 - </a:t>
+            </a:r>
+            <a:r>
+              <a:rPr lang="en-US" b="0" i="0" dirty="0">
+                <a:solidFill>
+                  <a:srgbClr val="001D35"/>
+                </a:solidFill>
+                <a:effectLst/>
+                <a:latin typeface="Google Sans"/>
+              </a:rPr>
+              <a:t>autophagy, endocytosis, and lysosomal pH maintenance</a:t>
+            </a:r>
+            <a:endParaRPr lang="en-US" dirty="0"/>
+          </a:p>
+          <a:p>
+            <a:pPr lvl="1"/>
+            <a:r>
+              <a:rPr lang="en-US" dirty="0"/>
+              <a:t>MYCBP2 - </a:t>
+            </a:r>
+            <a:r>
+              <a:rPr lang="en-US" b="0" i="0" dirty="0">
+                <a:solidFill>
+                  <a:srgbClr val="001D35"/>
+                </a:solidFill>
+                <a:effectLst/>
+                <a:latin typeface="Google Sans"/>
+              </a:rPr>
+              <a:t>regulates neuronal development, cytoskeletal dynamics, and axonal degeneration</a:t>
+            </a:r>
+            <a:endParaRPr lang="en-US" dirty="0"/>
+          </a:p>
+          <a:p>
+            <a:pPr lvl="1"/>
+            <a:r>
+              <a:rPr lang="en-US" dirty="0"/>
+              <a:t>SHANK1 - </a:t>
+            </a:r>
+            <a:r>
+              <a:rPr lang="en-US" b="0" i="0" dirty="0">
+                <a:solidFill>
+                  <a:srgbClr val="001D35"/>
+                </a:solidFill>
+                <a:effectLst/>
+                <a:latin typeface="Google Sans"/>
+              </a:rPr>
+              <a:t>helps maintain and form excitatory synapses in the brain</a:t>
+            </a:r>
+            <a:endParaRPr lang="en-US" dirty="0"/>
+          </a:p>
+        </p:txBody>
+      </p:sp>
+    </p:spTree>
+    <p:extLst>
+      <p:ext uri="{BB962C8B-B14F-4D97-AF65-F5344CB8AC3E}">
+        <p14:creationId xmlns:p14="http://schemas.microsoft.com/office/powerpoint/2010/main" val="3878113369"/>
+      </p:ext>
+    </p:extLst>
+  </p:cSld>
+  <p:clrMapOvr>
+    <a:masterClrMapping/>
+  </p:clrMapOvr>
+</p:sld>
+</file>
+
+<file path=ppt/slides/slide18.xml><?xml version="1.0" encoding="utf-8"?>
 <p:sld xmlns:a="http://schemas.openxmlformats.org/drawingml/2006/main" xmlns:r="http://schemas.openxmlformats.org/officeDocument/2006/relationships" xmlns:p="http://schemas.openxmlformats.org/presentationml/2006/main">
   <p:cSld>
     <p:bg>
@@ -4341,7 +6501,7 @@
           <p:cNvPr id="2" name="Title 1">
             <a:extLst>
               <a:ext uri="{FF2B5EF4-FFF2-40B4-BE49-F238E27FC236}">
-                <a16:creationId xmlns:a16="http://schemas.microsoft.com/office/drawing/2014/main" id="{26E2091F-4280-416B-812B-3509BB720606}"/>
+                <a16:creationId xmlns:a16="http://schemas.microsoft.com/office/drawing/2014/main" id="{CA728B62-D094-425E-A38F-CF2792D10955}"/>
               </a:ext>
             </a:extLst>
           </p:cNvPr>
@@ -4367,7 +6527,81 @@
     </p:spTree>
     <p:extLst>
       <p:ext uri="{BB962C8B-B14F-4D97-AF65-F5344CB8AC3E}">
-        <p14:creationId xmlns:p14="http://schemas.microsoft.com/office/powerpoint/2010/main" val="4061177851"/>
+        <p14:creationId xmlns:p14="http://schemas.microsoft.com/office/powerpoint/2010/main" val="1454529165"/>
+      </p:ext>
+    </p:extLst>
+  </p:cSld>
+  <p:clrMapOvr>
+    <a:masterClrMapping/>
+  </p:clrMapOvr>
+</p:sld>
+</file>
+
+<file path=ppt/slides/slide19.xml><?xml version="1.0" encoding="utf-8"?>
+<p:sld xmlns:a="http://schemas.openxmlformats.org/drawingml/2006/main" xmlns:r="http://schemas.openxmlformats.org/officeDocument/2006/relationships" xmlns:p="http://schemas.openxmlformats.org/presentationml/2006/main">
+  <p:cSld>
+    <p:bg>
+      <p:bgPr>
+        <a:solidFill>
+          <a:schemeClr val="accent2">
+            <a:lumMod val="40000"/>
+            <a:lumOff val="60000"/>
+          </a:schemeClr>
+        </a:solidFill>
+        <a:effectLst/>
+      </p:bgPr>
+    </p:bg>
+    <p:spTree>
+      <p:nvGrpSpPr>
+        <p:cNvPr id="1" name=""/>
+        <p:cNvGrpSpPr/>
+        <p:nvPr/>
+      </p:nvGrpSpPr>
+      <p:grpSpPr>
+        <a:xfrm>
+          <a:off x="0" y="0"/>
+          <a:ext cx="0" cy="0"/>
+          <a:chOff x="0" y="0"/>
+          <a:chExt cx="0" cy="0"/>
+        </a:xfrm>
+      </p:grpSpPr>
+      <p:sp>
+        <p:nvSpPr>
+          <p:cNvPr id="2" name="Title 1">
+            <a:extLst>
+              <a:ext uri="{FF2B5EF4-FFF2-40B4-BE49-F238E27FC236}">
+                <a16:creationId xmlns:a16="http://schemas.microsoft.com/office/drawing/2014/main" id="{7C2C117B-2314-4CEB-865B-56E7F9C8CD27}"/>
+              </a:ext>
+            </a:extLst>
+          </p:cNvPr>
+          <p:cNvSpPr>
+            <a:spLocks noGrp="1"/>
+          </p:cNvSpPr>
+          <p:nvPr>
+            <p:ph type="title"/>
+          </p:nvPr>
+        </p:nvSpPr>
+        <p:spPr>
+          <a:xfrm>
+            <a:off x="4143876" y="2766218"/>
+            <a:ext cx="3904248" cy="1325563"/>
+          </a:xfrm>
+        </p:spPr>
+        <p:txBody>
+          <a:bodyPr/>
+          <a:lstStyle/>
+          <a:p>
+            <a:r>
+              <a:rPr lang="en-US" b="1" dirty="0"/>
+              <a:t>Downregulated</a:t>
+            </a:r>
+          </a:p>
+        </p:txBody>
+      </p:sp>
+    </p:spTree>
+    <p:extLst>
+      <p:ext uri="{BB962C8B-B14F-4D97-AF65-F5344CB8AC3E}">
+        <p14:creationId xmlns:p14="http://schemas.microsoft.com/office/powerpoint/2010/main" val="2072559559"/>
       </p:ext>
     </p:extLst>
   </p:cSld>
@@ -4451,7 +6685,7 @@
 </p:sld>
 </file>
 
-<file path=ppt/slides/slide3.xml><?xml version="1.0" encoding="utf-8"?>
+<file path=ppt/slides/slide20.xml><?xml version="1.0" encoding="utf-8"?>
 <p:sld xmlns:a="http://schemas.openxmlformats.org/drawingml/2006/main" xmlns:r="http://schemas.openxmlformats.org/officeDocument/2006/relationships" xmlns:p="http://schemas.openxmlformats.org/presentationml/2006/main">
   <p:cSld>
     <p:spTree>
@@ -4473,7 +6707,7 @@
           <p:cNvPr id="2" name="Title 1">
             <a:extLst>
               <a:ext uri="{FF2B5EF4-FFF2-40B4-BE49-F238E27FC236}">
-                <a16:creationId xmlns:a16="http://schemas.microsoft.com/office/drawing/2014/main" id="{67920E9F-9A50-4808-8DD4-6DE5FC7B4BBD}"/>
+                <a16:creationId xmlns:a16="http://schemas.microsoft.com/office/drawing/2014/main" id="{6BD3DE04-39D6-4C94-96A3-4E813B121FCF}"/>
               </a:ext>
             </a:extLst>
           </p:cNvPr>
@@ -4482,45 +6716,40 @@
           </p:cNvSpPr>
           <p:nvPr>
             <p:ph type="title"/>
+          </p:nvPr>
+        </p:nvSpPr>
+        <p:spPr/>
+        <p:txBody>
+          <a:bodyPr/>
+          <a:lstStyle/>
+          <a:p>
+            <a:r>
+              <a:rPr lang="en-US" dirty="0"/>
+              <a:t>Total Downregulated Gene List</a:t>
+            </a:r>
+          </a:p>
+        </p:txBody>
+      </p:sp>
+      <p:sp>
+        <p:nvSpPr>
+          <p:cNvPr id="3" name="Content Placeholder 2">
+            <a:extLst>
+              <a:ext uri="{FF2B5EF4-FFF2-40B4-BE49-F238E27FC236}">
+                <a16:creationId xmlns:a16="http://schemas.microsoft.com/office/drawing/2014/main" id="{0405AF65-1A49-4B2D-94E5-368B86B74A5E}"/>
+              </a:ext>
+            </a:extLst>
+          </p:cNvPr>
+          <p:cNvSpPr>
+            <a:spLocks noGrp="1"/>
+          </p:cNvSpPr>
+          <p:nvPr>
+            <p:ph idx="1"/>
           </p:nvPr>
         </p:nvSpPr>
         <p:spPr>
           <a:xfrm>
-            <a:off x="1126958" y="-230021"/>
-            <a:ext cx="10515600" cy="1325563"/>
-          </a:xfrm>
-        </p:spPr>
-        <p:txBody>
-          <a:bodyPr/>
-          <a:lstStyle/>
-          <a:p>
-            <a:r>
-              <a:rPr lang="en-US" dirty="0"/>
-              <a:t>Total Upregulated Gene List</a:t>
-            </a:r>
-          </a:p>
-        </p:txBody>
-      </p:sp>
-      <p:sp>
-        <p:nvSpPr>
-          <p:cNvPr id="3" name="Content Placeholder 2">
-            <a:extLst>
-              <a:ext uri="{FF2B5EF4-FFF2-40B4-BE49-F238E27FC236}">
-                <a16:creationId xmlns:a16="http://schemas.microsoft.com/office/drawing/2014/main" id="{0863DCAD-9BED-4256-868F-8D51A23CD020}"/>
-              </a:ext>
-            </a:extLst>
-          </p:cNvPr>
-          <p:cNvSpPr>
-            <a:spLocks noGrp="1"/>
-          </p:cNvSpPr>
-          <p:nvPr>
-            <p:ph idx="1"/>
-          </p:nvPr>
-        </p:nvSpPr>
-        <p:spPr>
-          <a:xfrm>
-            <a:off x="838200" y="1825625"/>
-            <a:ext cx="2450432" cy="4351338"/>
+            <a:off x="485273" y="1825625"/>
+            <a:ext cx="3942348" cy="4667250"/>
           </a:xfrm>
         </p:spPr>
         <p:txBody>
@@ -4532,91 +6761,91 @@
             <a:pPr lvl="1"/>
             <a:r>
               <a:rPr lang="en-US" dirty="0"/>
-              <a:t>TBX1</a:t>
-            </a:r>
-          </a:p>
-          <a:p>
-            <a:pPr lvl="1"/>
-            <a:r>
-              <a:rPr lang="en-US" dirty="0"/>
-              <a:t>MYF6</a:t>
-            </a:r>
-          </a:p>
-          <a:p>
-            <a:pPr lvl="1"/>
-            <a:r>
-              <a:rPr lang="en-US" dirty="0"/>
-              <a:t>SIX2</a:t>
-            </a:r>
-          </a:p>
-          <a:p>
-            <a:pPr lvl="1"/>
-            <a:r>
-              <a:rPr lang="en-US" dirty="0"/>
-              <a:t>CREBBP</a:t>
-            </a:r>
-          </a:p>
-          <a:p>
-            <a:pPr lvl="1"/>
-            <a:r>
-              <a:rPr lang="en-US" dirty="0"/>
-              <a:t>LRG1</a:t>
-            </a:r>
-          </a:p>
-          <a:p>
-            <a:pPr lvl="1"/>
-            <a:r>
-              <a:rPr lang="en-US" dirty="0"/>
-              <a:t>EP300</a:t>
-            </a:r>
-          </a:p>
-          <a:p>
-            <a:pPr lvl="1"/>
-            <a:r>
-              <a:rPr lang="en-US" dirty="0"/>
-              <a:t>RNF111</a:t>
-            </a:r>
-          </a:p>
-          <a:p>
-            <a:pPr lvl="1"/>
-            <a:r>
-              <a:rPr lang="en-US" dirty="0"/>
-              <a:t>HIPK2</a:t>
-            </a:r>
-          </a:p>
-          <a:p>
-            <a:pPr lvl="1"/>
-            <a:r>
-              <a:rPr lang="en-US" dirty="0"/>
-              <a:t>BMPR2</a:t>
-            </a:r>
-          </a:p>
-          <a:p>
-            <a:pPr lvl="1"/>
-            <a:r>
-              <a:rPr lang="en-US" dirty="0"/>
-              <a:t>FOXF1</a:t>
-            </a:r>
-          </a:p>
-          <a:p>
-            <a:pPr lvl="1"/>
-            <a:r>
-              <a:rPr lang="en-US" dirty="0"/>
-              <a:t>NF1</a:t>
-            </a:r>
-          </a:p>
-          <a:p>
-            <a:pPr lvl="1"/>
-            <a:r>
-              <a:rPr lang="en-US" dirty="0"/>
-              <a:t>PKD2</a:t>
-            </a:r>
-          </a:p>
-          <a:p>
-            <a:pPr lvl="1"/>
-            <a:r>
-              <a:rPr lang="en-US" dirty="0"/>
-              <a:t>TBX2</a:t>
+              <a:t>TFAP2A</a:t>
+            </a:r>
+          </a:p>
+          <a:p>
+            <a:pPr lvl="1"/>
+            <a:r>
+              <a:rPr lang="en-US" dirty="0"/>
+              <a:t>SFRP4</a:t>
+            </a:r>
+          </a:p>
+          <a:p>
+            <a:pPr lvl="1"/>
+            <a:r>
+              <a:rPr lang="en-US" dirty="0"/>
+              <a:t>HOXD9</a:t>
+            </a:r>
+          </a:p>
+          <a:p>
+            <a:pPr lvl="1"/>
+            <a:r>
+              <a:rPr lang="en-US" dirty="0"/>
+              <a:t>RFLNA</a:t>
+            </a:r>
+          </a:p>
+          <a:p>
+            <a:pPr lvl="1"/>
+            <a:r>
+              <a:rPr lang="en-US" dirty="0"/>
+              <a:t>BCKDHA</a:t>
+            </a:r>
+          </a:p>
+          <a:p>
+            <a:pPr lvl="1"/>
+            <a:r>
+              <a:rPr lang="en-US" dirty="0"/>
+              <a:t>MCCC2</a:t>
+            </a:r>
+          </a:p>
+          <a:p>
+            <a:pPr lvl="1"/>
+            <a:r>
+              <a:rPr lang="en-US" dirty="0"/>
+              <a:t>ECHS1</a:t>
+            </a:r>
+          </a:p>
+          <a:p>
+            <a:pPr lvl="1"/>
+            <a:r>
+              <a:rPr lang="en-US" dirty="0"/>
+              <a:t>IVD</a:t>
+            </a:r>
+          </a:p>
+          <a:p>
+            <a:pPr lvl="1"/>
+            <a:r>
+              <a:rPr lang="en-US" dirty="0"/>
+              <a:t>MYH3</a:t>
+            </a:r>
+          </a:p>
+          <a:p>
+            <a:pPr lvl="1"/>
+            <a:r>
+              <a:rPr lang="en-US" dirty="0"/>
+              <a:t>TPM1</a:t>
+            </a:r>
+          </a:p>
+          <a:p>
+            <a:pPr lvl="1"/>
+            <a:r>
+              <a:rPr lang="en-US" dirty="0"/>
+              <a:t>TNNT3</a:t>
+            </a:r>
+          </a:p>
+          <a:p>
+            <a:pPr lvl="1"/>
+            <a:r>
+              <a:rPr lang="en-US" dirty="0"/>
+              <a:t>CASQ1</a:t>
+            </a:r>
+          </a:p>
+          <a:p>
+            <a:pPr lvl="1"/>
+            <a:r>
+              <a:rPr lang="en-US" dirty="0"/>
+              <a:t>MYOZ1</a:t>
             </a:r>
           </a:p>
           <a:p>
@@ -4628,594 +6857,7 @@
             <a:endParaRPr lang="en-US" dirty="0"/>
           </a:p>
           <a:p>
-            <a:endParaRPr lang="en-US" dirty="0"/>
-          </a:p>
-        </p:txBody>
-      </p:sp>
-      <p:sp>
-        <p:nvSpPr>
-          <p:cNvPr id="4" name="Content Placeholder 2">
-            <a:extLst>
-              <a:ext uri="{FF2B5EF4-FFF2-40B4-BE49-F238E27FC236}">
-                <a16:creationId xmlns:a16="http://schemas.microsoft.com/office/drawing/2014/main" id="{E655B7DD-13A3-40B1-BB1F-BDFD3E965E9C}"/>
-              </a:ext>
-            </a:extLst>
-          </p:cNvPr>
-          <p:cNvSpPr txBox="1">
-            <a:spLocks/>
-          </p:cNvSpPr>
-          <p:nvPr/>
-        </p:nvSpPr>
-        <p:spPr>
-          <a:xfrm>
-            <a:off x="4106778" y="1577348"/>
-            <a:ext cx="3043990" cy="4847891"/>
-          </a:xfrm>
-          <a:prstGeom prst="rect">
-            <a:avLst/>
-          </a:prstGeom>
-        </p:spPr>
-        <p:txBody>
-          <a:bodyPr vert="horz" lIns="91440" tIns="45720" rIns="91440" bIns="45720" rtlCol="0">
-            <a:normAutofit fontScale="92500" lnSpcReduction="20000"/>
-          </a:bodyPr>
-          <a:lstStyle>
-            <a:lvl1pPr marL="228600" indent="-228600" algn="l" defTabSz="914400" rtl="0" eaLnBrk="1" latinLnBrk="0" hangingPunct="1">
-              <a:lnSpc>
-                <a:spcPct val="90000"/>
-              </a:lnSpc>
-              <a:spcBef>
-                <a:spcPts val="1000"/>
-              </a:spcBef>
-              <a:buFont typeface="Arial" panose="020B0604020202020204" pitchFamily="34" charset="0"/>
-              <a:buChar char="•"/>
-              <a:defRPr sz="2800" kern="1200">
-                <a:solidFill>
-                  <a:schemeClr val="tx1"/>
-                </a:solidFill>
-                <a:latin typeface="+mn-lt"/>
-                <a:ea typeface="+mn-ea"/>
-                <a:cs typeface="+mn-cs"/>
-              </a:defRPr>
-            </a:lvl1pPr>
-            <a:lvl2pPr marL="685800" indent="-228600" algn="l" defTabSz="914400" rtl="0" eaLnBrk="1" latinLnBrk="0" hangingPunct="1">
-              <a:lnSpc>
-                <a:spcPct val="90000"/>
-              </a:lnSpc>
-              <a:spcBef>
-                <a:spcPts val="500"/>
-              </a:spcBef>
-              <a:buFont typeface="Arial" panose="020B0604020202020204" pitchFamily="34" charset="0"/>
-              <a:buChar char="•"/>
-              <a:defRPr sz="2400" kern="1200">
-                <a:solidFill>
-                  <a:schemeClr val="tx1"/>
-                </a:solidFill>
-                <a:latin typeface="+mn-lt"/>
-                <a:ea typeface="+mn-ea"/>
-                <a:cs typeface="+mn-cs"/>
-              </a:defRPr>
-            </a:lvl2pPr>
-            <a:lvl3pPr marL="1143000" indent="-228600" algn="l" defTabSz="914400" rtl="0" eaLnBrk="1" latinLnBrk="0" hangingPunct="1">
-              <a:lnSpc>
-                <a:spcPct val="90000"/>
-              </a:lnSpc>
-              <a:spcBef>
-                <a:spcPts val="500"/>
-              </a:spcBef>
-              <a:buFont typeface="Arial" panose="020B0604020202020204" pitchFamily="34" charset="0"/>
-              <a:buChar char="•"/>
-              <a:defRPr sz="2000" kern="1200">
-                <a:solidFill>
-                  <a:schemeClr val="tx1"/>
-                </a:solidFill>
-                <a:latin typeface="+mn-lt"/>
-                <a:ea typeface="+mn-ea"/>
-                <a:cs typeface="+mn-cs"/>
-              </a:defRPr>
-            </a:lvl3pPr>
-            <a:lvl4pPr marL="1600200" indent="-228600" algn="l" defTabSz="914400" rtl="0" eaLnBrk="1" latinLnBrk="0" hangingPunct="1">
-              <a:lnSpc>
-                <a:spcPct val="90000"/>
-              </a:lnSpc>
-              <a:spcBef>
-                <a:spcPts val="500"/>
-              </a:spcBef>
-              <a:buFont typeface="Arial" panose="020B0604020202020204" pitchFamily="34" charset="0"/>
-              <a:buChar char="•"/>
-              <a:defRPr sz="1800" kern="1200">
-                <a:solidFill>
-                  <a:schemeClr val="tx1"/>
-                </a:solidFill>
-                <a:latin typeface="+mn-lt"/>
-                <a:ea typeface="+mn-ea"/>
-                <a:cs typeface="+mn-cs"/>
-              </a:defRPr>
-            </a:lvl4pPr>
-            <a:lvl5pPr marL="2057400" indent="-228600" algn="l" defTabSz="914400" rtl="0" eaLnBrk="1" latinLnBrk="0" hangingPunct="1">
-              <a:lnSpc>
-                <a:spcPct val="90000"/>
-              </a:lnSpc>
-              <a:spcBef>
-                <a:spcPts val="500"/>
-              </a:spcBef>
-              <a:buFont typeface="Arial" panose="020B0604020202020204" pitchFamily="34" charset="0"/>
-              <a:buChar char="•"/>
-              <a:defRPr sz="1800" kern="1200">
-                <a:solidFill>
-                  <a:schemeClr val="tx1"/>
-                </a:solidFill>
-                <a:latin typeface="+mn-lt"/>
-                <a:ea typeface="+mn-ea"/>
-                <a:cs typeface="+mn-cs"/>
-              </a:defRPr>
-            </a:lvl5pPr>
-            <a:lvl6pPr marL="2514600" indent="-228600" algn="l" defTabSz="914400" rtl="0" eaLnBrk="1" latinLnBrk="0" hangingPunct="1">
-              <a:lnSpc>
-                <a:spcPct val="90000"/>
-              </a:lnSpc>
-              <a:spcBef>
-                <a:spcPts val="500"/>
-              </a:spcBef>
-              <a:buFont typeface="Arial" panose="020B0604020202020204" pitchFamily="34" charset="0"/>
-              <a:buChar char="•"/>
-              <a:defRPr sz="1800" kern="1200">
-                <a:solidFill>
-                  <a:schemeClr val="tx1"/>
-                </a:solidFill>
-                <a:latin typeface="+mn-lt"/>
-                <a:ea typeface="+mn-ea"/>
-                <a:cs typeface="+mn-cs"/>
-              </a:defRPr>
-            </a:lvl6pPr>
-            <a:lvl7pPr marL="2971800" indent="-228600" algn="l" defTabSz="914400" rtl="0" eaLnBrk="1" latinLnBrk="0" hangingPunct="1">
-              <a:lnSpc>
-                <a:spcPct val="90000"/>
-              </a:lnSpc>
-              <a:spcBef>
-                <a:spcPts val="500"/>
-              </a:spcBef>
-              <a:buFont typeface="Arial" panose="020B0604020202020204" pitchFamily="34" charset="0"/>
-              <a:buChar char="•"/>
-              <a:defRPr sz="1800" kern="1200">
-                <a:solidFill>
-                  <a:schemeClr val="tx1"/>
-                </a:solidFill>
-                <a:latin typeface="+mn-lt"/>
-                <a:ea typeface="+mn-ea"/>
-                <a:cs typeface="+mn-cs"/>
-              </a:defRPr>
-            </a:lvl7pPr>
-            <a:lvl8pPr marL="3429000" indent="-228600" algn="l" defTabSz="914400" rtl="0" eaLnBrk="1" latinLnBrk="0" hangingPunct="1">
-              <a:lnSpc>
-                <a:spcPct val="90000"/>
-              </a:lnSpc>
-              <a:spcBef>
-                <a:spcPts val="500"/>
-              </a:spcBef>
-              <a:buFont typeface="Arial" panose="020B0604020202020204" pitchFamily="34" charset="0"/>
-              <a:buChar char="•"/>
-              <a:defRPr sz="1800" kern="1200">
-                <a:solidFill>
-                  <a:schemeClr val="tx1"/>
-                </a:solidFill>
-                <a:latin typeface="+mn-lt"/>
-                <a:ea typeface="+mn-ea"/>
-                <a:cs typeface="+mn-cs"/>
-              </a:defRPr>
-            </a:lvl8pPr>
-            <a:lvl9pPr marL="3886200" indent="-228600" algn="l" defTabSz="914400" rtl="0" eaLnBrk="1" latinLnBrk="0" hangingPunct="1">
-              <a:lnSpc>
-                <a:spcPct val="90000"/>
-              </a:lnSpc>
-              <a:spcBef>
-                <a:spcPts val="500"/>
-              </a:spcBef>
-              <a:buFont typeface="Arial" panose="020B0604020202020204" pitchFamily="34" charset="0"/>
-              <a:buChar char="•"/>
-              <a:defRPr sz="1800" kern="1200">
-                <a:solidFill>
-                  <a:schemeClr val="tx1"/>
-                </a:solidFill>
-                <a:latin typeface="+mn-lt"/>
-                <a:ea typeface="+mn-ea"/>
-                <a:cs typeface="+mn-cs"/>
-              </a:defRPr>
-            </a:lvl9pPr>
-          </a:lstStyle>
-          <a:p>
-            <a:pPr lvl="1"/>
-            <a:r>
-              <a:rPr lang="en-US" dirty="0"/>
-              <a:t>SPEF1</a:t>
-            </a:r>
-          </a:p>
-          <a:p>
-            <a:pPr lvl="1"/>
-            <a:r>
-              <a:rPr lang="en-US" dirty="0"/>
-              <a:t>NAV3</a:t>
-            </a:r>
-          </a:p>
-          <a:p>
-            <a:pPr lvl="1"/>
-            <a:r>
-              <a:rPr lang="en-US" dirty="0"/>
-              <a:t>ATXN7</a:t>
-            </a:r>
-          </a:p>
-          <a:p>
-            <a:pPr lvl="1"/>
-            <a:r>
-              <a:rPr lang="en-US" dirty="0"/>
-              <a:t>TAOK1</a:t>
-            </a:r>
-          </a:p>
-          <a:p>
-            <a:pPr lvl="1"/>
-            <a:r>
-              <a:rPr lang="en-US" dirty="0"/>
-              <a:t>FOXC1</a:t>
-            </a:r>
-          </a:p>
-          <a:p>
-            <a:pPr lvl="1"/>
-            <a:r>
-              <a:rPr lang="en-US" dirty="0"/>
-              <a:t>SEMA6A</a:t>
-            </a:r>
-          </a:p>
-          <a:p>
-            <a:pPr lvl="1"/>
-            <a:r>
-              <a:rPr lang="en-US" dirty="0"/>
-              <a:t>SERPINE1</a:t>
-            </a:r>
-          </a:p>
-          <a:p>
-            <a:pPr lvl="1"/>
-            <a:r>
-              <a:rPr lang="en-US" dirty="0"/>
-              <a:t>HIPK1</a:t>
-            </a:r>
-          </a:p>
-          <a:p>
-            <a:pPr lvl="1"/>
-            <a:r>
-              <a:rPr lang="en-US" dirty="0"/>
-              <a:t>RUNX1</a:t>
-            </a:r>
-          </a:p>
-          <a:p>
-            <a:pPr lvl="1"/>
-            <a:r>
-              <a:rPr lang="en-US" dirty="0"/>
-              <a:t>SPRED1</a:t>
-            </a:r>
-          </a:p>
-          <a:p>
-            <a:pPr lvl="1"/>
-            <a:r>
-              <a:rPr lang="en-US" dirty="0"/>
-              <a:t>ADAMTS1</a:t>
-            </a:r>
-          </a:p>
-          <a:p>
-            <a:pPr lvl="1"/>
-            <a:r>
-              <a:rPr lang="en-US" dirty="0"/>
-              <a:t>AGO2</a:t>
-            </a:r>
-          </a:p>
-          <a:p>
-            <a:pPr lvl="1"/>
-            <a:r>
-              <a:rPr lang="en-US" dirty="0"/>
-              <a:t>STAB1</a:t>
-            </a:r>
-          </a:p>
-          <a:p>
-            <a:pPr lvl="1"/>
-            <a:r>
-              <a:rPr lang="en-US" dirty="0"/>
-              <a:t>ANGPTL4</a:t>
-            </a:r>
-          </a:p>
-          <a:p>
-            <a:pPr lvl="1"/>
-            <a:r>
-              <a:rPr lang="en-US" dirty="0"/>
-              <a:t>EPHA1</a:t>
-            </a:r>
-          </a:p>
-          <a:p>
-            <a:pPr lvl="1"/>
-            <a:endParaRPr lang="en-US" dirty="0"/>
-          </a:p>
-          <a:p>
-            <a:pPr lvl="1"/>
-            <a:endParaRPr lang="en-US" dirty="0"/>
-          </a:p>
-          <a:p>
-            <a:pPr lvl="1"/>
-            <a:endParaRPr lang="en-US" dirty="0"/>
-          </a:p>
-          <a:p>
-            <a:endParaRPr lang="en-US" dirty="0"/>
-          </a:p>
-        </p:txBody>
-      </p:sp>
-      <p:sp>
-        <p:nvSpPr>
-          <p:cNvPr id="5" name="Content Placeholder 2">
-            <a:extLst>
-              <a:ext uri="{FF2B5EF4-FFF2-40B4-BE49-F238E27FC236}">
-                <a16:creationId xmlns:a16="http://schemas.microsoft.com/office/drawing/2014/main" id="{350C87D2-6B9B-45CF-A721-FB04F8B3CEBF}"/>
-              </a:ext>
-            </a:extLst>
-          </p:cNvPr>
-          <p:cNvSpPr txBox="1">
-            <a:spLocks/>
-          </p:cNvSpPr>
-          <p:nvPr/>
-        </p:nvSpPr>
-        <p:spPr>
-          <a:xfrm>
-            <a:off x="7263063" y="1690688"/>
-            <a:ext cx="3043990" cy="4847891"/>
-          </a:xfrm>
-          <a:prstGeom prst="rect">
-            <a:avLst/>
-          </a:prstGeom>
-        </p:spPr>
-        <p:txBody>
-          <a:bodyPr vert="horz" lIns="91440" tIns="45720" rIns="91440" bIns="45720" rtlCol="0">
-            <a:normAutofit/>
-          </a:bodyPr>
-          <a:lstStyle>
-            <a:lvl1pPr marL="228600" indent="-228600" algn="l" defTabSz="914400" rtl="0" eaLnBrk="1" latinLnBrk="0" hangingPunct="1">
-              <a:lnSpc>
-                <a:spcPct val="90000"/>
-              </a:lnSpc>
-              <a:spcBef>
-                <a:spcPts val="1000"/>
-              </a:spcBef>
-              <a:buFont typeface="Arial" panose="020B0604020202020204" pitchFamily="34" charset="0"/>
-              <a:buChar char="•"/>
-              <a:defRPr sz="2800" kern="1200">
-                <a:solidFill>
-                  <a:schemeClr val="tx1"/>
-                </a:solidFill>
-                <a:latin typeface="+mn-lt"/>
-                <a:ea typeface="+mn-ea"/>
-                <a:cs typeface="+mn-cs"/>
-              </a:defRPr>
-            </a:lvl1pPr>
-            <a:lvl2pPr marL="685800" indent="-228600" algn="l" defTabSz="914400" rtl="0" eaLnBrk="1" latinLnBrk="0" hangingPunct="1">
-              <a:lnSpc>
-                <a:spcPct val="90000"/>
-              </a:lnSpc>
-              <a:spcBef>
-                <a:spcPts val="500"/>
-              </a:spcBef>
-              <a:buFont typeface="Arial" panose="020B0604020202020204" pitchFamily="34" charset="0"/>
-              <a:buChar char="•"/>
-              <a:defRPr sz="2400" kern="1200">
-                <a:solidFill>
-                  <a:schemeClr val="tx1"/>
-                </a:solidFill>
-                <a:latin typeface="+mn-lt"/>
-                <a:ea typeface="+mn-ea"/>
-                <a:cs typeface="+mn-cs"/>
-              </a:defRPr>
-            </a:lvl2pPr>
-            <a:lvl3pPr marL="1143000" indent="-228600" algn="l" defTabSz="914400" rtl="0" eaLnBrk="1" latinLnBrk="0" hangingPunct="1">
-              <a:lnSpc>
-                <a:spcPct val="90000"/>
-              </a:lnSpc>
-              <a:spcBef>
-                <a:spcPts val="500"/>
-              </a:spcBef>
-              <a:buFont typeface="Arial" panose="020B0604020202020204" pitchFamily="34" charset="0"/>
-              <a:buChar char="•"/>
-              <a:defRPr sz="2000" kern="1200">
-                <a:solidFill>
-                  <a:schemeClr val="tx1"/>
-                </a:solidFill>
-                <a:latin typeface="+mn-lt"/>
-                <a:ea typeface="+mn-ea"/>
-                <a:cs typeface="+mn-cs"/>
-              </a:defRPr>
-            </a:lvl3pPr>
-            <a:lvl4pPr marL="1600200" indent="-228600" algn="l" defTabSz="914400" rtl="0" eaLnBrk="1" latinLnBrk="0" hangingPunct="1">
-              <a:lnSpc>
-                <a:spcPct val="90000"/>
-              </a:lnSpc>
-              <a:spcBef>
-                <a:spcPts val="500"/>
-              </a:spcBef>
-              <a:buFont typeface="Arial" panose="020B0604020202020204" pitchFamily="34" charset="0"/>
-              <a:buChar char="•"/>
-              <a:defRPr sz="1800" kern="1200">
-                <a:solidFill>
-                  <a:schemeClr val="tx1"/>
-                </a:solidFill>
-                <a:latin typeface="+mn-lt"/>
-                <a:ea typeface="+mn-ea"/>
-                <a:cs typeface="+mn-cs"/>
-              </a:defRPr>
-            </a:lvl4pPr>
-            <a:lvl5pPr marL="2057400" indent="-228600" algn="l" defTabSz="914400" rtl="0" eaLnBrk="1" latinLnBrk="0" hangingPunct="1">
-              <a:lnSpc>
-                <a:spcPct val="90000"/>
-              </a:lnSpc>
-              <a:spcBef>
-                <a:spcPts val="500"/>
-              </a:spcBef>
-              <a:buFont typeface="Arial" panose="020B0604020202020204" pitchFamily="34" charset="0"/>
-              <a:buChar char="•"/>
-              <a:defRPr sz="1800" kern="1200">
-                <a:solidFill>
-                  <a:schemeClr val="tx1"/>
-                </a:solidFill>
-                <a:latin typeface="+mn-lt"/>
-                <a:ea typeface="+mn-ea"/>
-                <a:cs typeface="+mn-cs"/>
-              </a:defRPr>
-            </a:lvl5pPr>
-            <a:lvl6pPr marL="2514600" indent="-228600" algn="l" defTabSz="914400" rtl="0" eaLnBrk="1" latinLnBrk="0" hangingPunct="1">
-              <a:lnSpc>
-                <a:spcPct val="90000"/>
-              </a:lnSpc>
-              <a:spcBef>
-                <a:spcPts val="500"/>
-              </a:spcBef>
-              <a:buFont typeface="Arial" panose="020B0604020202020204" pitchFamily="34" charset="0"/>
-              <a:buChar char="•"/>
-              <a:defRPr sz="1800" kern="1200">
-                <a:solidFill>
-                  <a:schemeClr val="tx1"/>
-                </a:solidFill>
-                <a:latin typeface="+mn-lt"/>
-                <a:ea typeface="+mn-ea"/>
-                <a:cs typeface="+mn-cs"/>
-              </a:defRPr>
-            </a:lvl6pPr>
-            <a:lvl7pPr marL="2971800" indent="-228600" algn="l" defTabSz="914400" rtl="0" eaLnBrk="1" latinLnBrk="0" hangingPunct="1">
-              <a:lnSpc>
-                <a:spcPct val="90000"/>
-              </a:lnSpc>
-              <a:spcBef>
-                <a:spcPts val="500"/>
-              </a:spcBef>
-              <a:buFont typeface="Arial" panose="020B0604020202020204" pitchFamily="34" charset="0"/>
-              <a:buChar char="•"/>
-              <a:defRPr sz="1800" kern="1200">
-                <a:solidFill>
-                  <a:schemeClr val="tx1"/>
-                </a:solidFill>
-                <a:latin typeface="+mn-lt"/>
-                <a:ea typeface="+mn-ea"/>
-                <a:cs typeface="+mn-cs"/>
-              </a:defRPr>
-            </a:lvl7pPr>
-            <a:lvl8pPr marL="3429000" indent="-228600" algn="l" defTabSz="914400" rtl="0" eaLnBrk="1" latinLnBrk="0" hangingPunct="1">
-              <a:lnSpc>
-                <a:spcPct val="90000"/>
-              </a:lnSpc>
-              <a:spcBef>
-                <a:spcPts val="500"/>
-              </a:spcBef>
-              <a:buFont typeface="Arial" panose="020B0604020202020204" pitchFamily="34" charset="0"/>
-              <a:buChar char="•"/>
-              <a:defRPr sz="1800" kern="1200">
-                <a:solidFill>
-                  <a:schemeClr val="tx1"/>
-                </a:solidFill>
-                <a:latin typeface="+mn-lt"/>
-                <a:ea typeface="+mn-ea"/>
-                <a:cs typeface="+mn-cs"/>
-              </a:defRPr>
-            </a:lvl8pPr>
-            <a:lvl9pPr marL="3886200" indent="-228600" algn="l" defTabSz="914400" rtl="0" eaLnBrk="1" latinLnBrk="0" hangingPunct="1">
-              <a:lnSpc>
-                <a:spcPct val="90000"/>
-              </a:lnSpc>
-              <a:spcBef>
-                <a:spcPts val="500"/>
-              </a:spcBef>
-              <a:buFont typeface="Arial" panose="020B0604020202020204" pitchFamily="34" charset="0"/>
-              <a:buChar char="•"/>
-              <a:defRPr sz="1800" kern="1200">
-                <a:solidFill>
-                  <a:schemeClr val="tx1"/>
-                </a:solidFill>
-                <a:latin typeface="+mn-lt"/>
-                <a:ea typeface="+mn-ea"/>
-                <a:cs typeface="+mn-cs"/>
-              </a:defRPr>
-            </a:lvl9pPr>
-          </a:lstStyle>
-          <a:p>
-            <a:pPr lvl="1"/>
-            <a:endParaRPr lang="en-US" dirty="0"/>
-          </a:p>
-          <a:p>
-            <a:pPr lvl="1"/>
-            <a:r>
-              <a:rPr lang="en-US" dirty="0"/>
-              <a:t>S100A9</a:t>
-            </a:r>
-          </a:p>
-          <a:p>
-            <a:pPr lvl="1"/>
-            <a:r>
-              <a:rPr lang="en-US" dirty="0"/>
-              <a:t>S100A8</a:t>
-            </a:r>
-          </a:p>
-          <a:p>
-            <a:pPr lvl="1"/>
-            <a:r>
-              <a:rPr lang="en-US" dirty="0"/>
-              <a:t>USP7</a:t>
-            </a:r>
-          </a:p>
-          <a:p>
-            <a:pPr lvl="1"/>
-            <a:r>
-              <a:rPr lang="en-US" dirty="0"/>
-              <a:t>HNRNPAB</a:t>
-            </a:r>
-          </a:p>
-          <a:p>
-            <a:pPr lvl="1"/>
-            <a:r>
-              <a:rPr lang="en-US" dirty="0"/>
-              <a:t>CSRP3</a:t>
-            </a:r>
-          </a:p>
-          <a:p>
-            <a:pPr lvl="1"/>
-            <a:r>
-              <a:rPr lang="en-US" dirty="0"/>
-              <a:t>PIEZO1</a:t>
-            </a:r>
-          </a:p>
-          <a:p>
-            <a:pPr lvl="1"/>
-            <a:r>
-              <a:rPr lang="en-US" dirty="0"/>
-              <a:t>CLN3</a:t>
-            </a:r>
-          </a:p>
-          <a:p>
-            <a:pPr lvl="1"/>
-            <a:r>
-              <a:rPr lang="en-US" dirty="0"/>
-              <a:t>MYCBP2</a:t>
-            </a:r>
-          </a:p>
-          <a:p>
-            <a:pPr lvl="1"/>
-            <a:r>
-              <a:rPr lang="en-US" dirty="0"/>
-              <a:t>SHANK1</a:t>
-            </a:r>
-          </a:p>
-          <a:p>
-            <a:pPr lvl="1"/>
-            <a:endParaRPr lang="en-US" dirty="0"/>
-          </a:p>
-          <a:p>
-            <a:pPr lvl="1"/>
-            <a:endParaRPr lang="en-US" dirty="0"/>
-          </a:p>
-          <a:p>
-            <a:pPr lvl="1"/>
-            <a:endParaRPr lang="en-US" dirty="0"/>
-          </a:p>
-          <a:p>
+            <a:pPr lvl="1"/>
             <a:endParaRPr lang="en-US" dirty="0"/>
           </a:p>
         </p:txBody>
@@ -5223,7 +6865,7 @@
     </p:spTree>
     <p:extLst>
       <p:ext uri="{BB962C8B-B14F-4D97-AF65-F5344CB8AC3E}">
-        <p14:creationId xmlns:p14="http://schemas.microsoft.com/office/powerpoint/2010/main" val="1856362074"/>
+        <p14:creationId xmlns:p14="http://schemas.microsoft.com/office/powerpoint/2010/main" val="727863309"/>
       </p:ext>
     </p:extLst>
   </p:cSld>
@@ -5233,7 +6875,7 @@
 </p:sld>
 </file>
 
-<file path=ppt/slides/slide4.xml><?xml version="1.0" encoding="utf-8"?>
+<file path=ppt/slides/slide21.xml><?xml version="1.0" encoding="utf-8"?>
 <p:sld xmlns:a="http://schemas.openxmlformats.org/drawingml/2006/main" xmlns:r="http://schemas.openxmlformats.org/officeDocument/2006/relationships" xmlns:p="http://schemas.openxmlformats.org/presentationml/2006/main">
   <p:cSld>
     <p:bg>
@@ -5266,7 +6908,7 @@
           <p:cNvPr id="2" name="Title 1">
             <a:extLst>
               <a:ext uri="{FF2B5EF4-FFF2-40B4-BE49-F238E27FC236}">
-                <a16:creationId xmlns:a16="http://schemas.microsoft.com/office/drawing/2014/main" id="{EC88218B-6282-41A2-9611-B15E39A8DE86}"/>
+                <a16:creationId xmlns:a16="http://schemas.microsoft.com/office/drawing/2014/main" id="{B3F6745B-D3B9-4B81-903B-B09324E8DB84}"/>
               </a:ext>
             </a:extLst>
           </p:cNvPr>
@@ -5299,7 +6941,7 @@
           <p:cNvPr id="3" name="Content Placeholder 2">
             <a:extLst>
               <a:ext uri="{FF2B5EF4-FFF2-40B4-BE49-F238E27FC236}">
-                <a16:creationId xmlns:a16="http://schemas.microsoft.com/office/drawing/2014/main" id="{C86B5DE1-3E95-43AF-8261-F32B37C82243}"/>
+                <a16:creationId xmlns:a16="http://schemas.microsoft.com/office/drawing/2014/main" id="{E8479CE5-F795-4C50-9AFE-82D5E94D1A8C}"/>
               </a:ext>
             </a:extLst>
           </p:cNvPr>
@@ -5310,31 +6952,25 @@
             <p:ph idx="1"/>
           </p:nvPr>
         </p:nvSpPr>
-        <p:spPr>
-          <a:xfrm>
-            <a:off x="389021" y="1520825"/>
-            <a:ext cx="3942347" cy="4351338"/>
-          </a:xfrm>
-        </p:spPr>
-        <p:txBody>
-          <a:bodyPr>
-            <a:normAutofit fontScale="92500" lnSpcReduction="10000"/>
-          </a:bodyPr>
+        <p:spPr/>
+        <p:txBody>
+          <a:bodyPr/>
           <a:lstStyle/>
           <a:p>
             <a:r>
-              <a:rPr lang="en-US" dirty="0"/>
-              <a:t>Muscle Cell Fate Commitment (GO:0042693)</a:t>
-            </a:r>
-          </a:p>
-          <a:p>
+              <a:rPr lang="nb-NO" dirty="0"/>
+              <a:t>Skeletal System Morphogenesis (GO:0048705)</a:t>
+            </a:r>
+          </a:p>
+          <a:p>
+            <a:pPr lvl="1"/>
             <a:endParaRPr lang="en-US" dirty="0"/>
           </a:p>
           <a:p>
             <a:pPr lvl="1"/>
             <a:r>
               <a:rPr lang="en-US" dirty="0"/>
-              <a:t>TBX1-</a:t>
+              <a:t>TFAP2A - </a:t>
             </a:r>
             <a:r>
               <a:rPr lang="en-US" b="0" i="0" dirty="0">
@@ -5344,7 +6980,7 @@
                 <a:effectLst/>
                 <a:latin typeface="Google Sans"/>
               </a:rPr>
-              <a:t> controls the development of tissues and organs during embryonic development</a:t>
+              <a:t>embryonic development, cell division, and apoptosis</a:t>
             </a:r>
             <a:endParaRPr lang="en-US" dirty="0"/>
           </a:p>
@@ -5352,7 +6988,7 @@
             <a:pPr lvl="1"/>
             <a:r>
               <a:rPr lang="en-US" dirty="0"/>
-              <a:t>MYF6- </a:t>
+              <a:t>SFRP4 - </a:t>
             </a:r>
             <a:r>
               <a:rPr lang="en-US" b="0" i="0" dirty="0">
@@ -5362,273 +6998,30 @@
                 <a:effectLst/>
                 <a:latin typeface="Google Sans"/>
               </a:rPr>
-              <a:t>regulates muscle stem cells (</a:t>
-            </a:r>
-            <a:r>
-              <a:rPr lang="en-US" b="0" i="0" dirty="0" err="1">
-                <a:solidFill>
-                  <a:srgbClr val="001D35"/>
-                </a:solidFill>
-                <a:effectLst/>
-                <a:latin typeface="Google Sans"/>
-              </a:rPr>
-              <a:t>MuSCs</a:t>
-            </a:r>
-            <a:r>
-              <a:rPr lang="en-US" b="0" i="0" dirty="0">
-                <a:solidFill>
-                  <a:srgbClr val="001D35"/>
-                </a:solidFill>
-                <a:effectLst/>
-                <a:latin typeface="Google Sans"/>
-              </a:rPr>
-              <a:t>) and muscle differentiation/</a:t>
-            </a:r>
-            <a:r>
-              <a:rPr lang="en-US" b="1" i="0" dirty="0">
-                <a:solidFill>
-                  <a:srgbClr val="001D35"/>
-                </a:solidFill>
-                <a:effectLst/>
-                <a:latin typeface="Google Sans"/>
-              </a:rPr>
-              <a:t>Induces fibroblast differentiation</a:t>
+              <a:t>bone development, fatty tissue development</a:t>
             </a:r>
             <a:endParaRPr lang="en-US" dirty="0"/>
           </a:p>
-        </p:txBody>
-      </p:sp>
-      <p:sp>
-        <p:nvSpPr>
-          <p:cNvPr id="4" name="Content Placeholder 2">
-            <a:extLst>
-              <a:ext uri="{FF2B5EF4-FFF2-40B4-BE49-F238E27FC236}">
-                <a16:creationId xmlns:a16="http://schemas.microsoft.com/office/drawing/2014/main" id="{7EA1DCC4-2226-44F3-97E7-F5BCD12AB231}"/>
-              </a:ext>
-            </a:extLst>
-          </p:cNvPr>
-          <p:cNvSpPr txBox="1">
-            <a:spLocks/>
-          </p:cNvSpPr>
-          <p:nvPr/>
-        </p:nvSpPr>
-        <p:spPr>
-          <a:xfrm>
-            <a:off x="6541169" y="1520825"/>
-            <a:ext cx="3942347" cy="4351338"/>
-          </a:xfrm>
-          <a:prstGeom prst="rect">
-            <a:avLst/>
-          </a:prstGeom>
-        </p:spPr>
-        <p:txBody>
-          <a:bodyPr vert="horz" lIns="91440" tIns="45720" rIns="91440" bIns="45720" rtlCol="0">
-            <a:normAutofit/>
-          </a:bodyPr>
-          <a:lstStyle>
-            <a:lvl1pPr marL="228600" indent="-228600" algn="l" defTabSz="914400" rtl="0" eaLnBrk="1" latinLnBrk="0" hangingPunct="1">
-              <a:lnSpc>
-                <a:spcPct val="90000"/>
-              </a:lnSpc>
-              <a:spcBef>
-                <a:spcPts val="1000"/>
-              </a:spcBef>
-              <a:buFont typeface="Arial" panose="020B0604020202020204" pitchFamily="34" charset="0"/>
-              <a:buChar char="•"/>
-              <a:defRPr sz="2800" kern="1200">
-                <a:solidFill>
-                  <a:schemeClr val="tx1"/>
-                </a:solidFill>
-                <a:latin typeface="+mn-lt"/>
-                <a:ea typeface="+mn-ea"/>
-                <a:cs typeface="+mn-cs"/>
-              </a:defRPr>
-            </a:lvl1pPr>
-            <a:lvl2pPr marL="685800" indent="-228600" algn="l" defTabSz="914400" rtl="0" eaLnBrk="1" latinLnBrk="0" hangingPunct="1">
-              <a:lnSpc>
-                <a:spcPct val="90000"/>
-              </a:lnSpc>
-              <a:spcBef>
-                <a:spcPts val="500"/>
-              </a:spcBef>
-              <a:buFont typeface="Arial" panose="020B0604020202020204" pitchFamily="34" charset="0"/>
-              <a:buChar char="•"/>
-              <a:defRPr sz="2400" kern="1200">
-                <a:solidFill>
-                  <a:schemeClr val="tx1"/>
-                </a:solidFill>
-                <a:latin typeface="+mn-lt"/>
-                <a:ea typeface="+mn-ea"/>
-                <a:cs typeface="+mn-cs"/>
-              </a:defRPr>
-            </a:lvl2pPr>
-            <a:lvl3pPr marL="1143000" indent="-228600" algn="l" defTabSz="914400" rtl="0" eaLnBrk="1" latinLnBrk="0" hangingPunct="1">
-              <a:lnSpc>
-                <a:spcPct val="90000"/>
-              </a:lnSpc>
-              <a:spcBef>
-                <a:spcPts val="500"/>
-              </a:spcBef>
-              <a:buFont typeface="Arial" panose="020B0604020202020204" pitchFamily="34" charset="0"/>
-              <a:buChar char="•"/>
-              <a:defRPr sz="2000" kern="1200">
-                <a:solidFill>
-                  <a:schemeClr val="tx1"/>
-                </a:solidFill>
-                <a:latin typeface="+mn-lt"/>
-                <a:ea typeface="+mn-ea"/>
-                <a:cs typeface="+mn-cs"/>
-              </a:defRPr>
-            </a:lvl3pPr>
-            <a:lvl4pPr marL="1600200" indent="-228600" algn="l" defTabSz="914400" rtl="0" eaLnBrk="1" latinLnBrk="0" hangingPunct="1">
-              <a:lnSpc>
-                <a:spcPct val="90000"/>
-              </a:lnSpc>
-              <a:spcBef>
-                <a:spcPts val="500"/>
-              </a:spcBef>
-              <a:buFont typeface="Arial" panose="020B0604020202020204" pitchFamily="34" charset="0"/>
-              <a:buChar char="•"/>
-              <a:defRPr sz="1800" kern="1200">
-                <a:solidFill>
-                  <a:schemeClr val="tx1"/>
-                </a:solidFill>
-                <a:latin typeface="+mn-lt"/>
-                <a:ea typeface="+mn-ea"/>
-                <a:cs typeface="+mn-cs"/>
-              </a:defRPr>
-            </a:lvl4pPr>
-            <a:lvl5pPr marL="2057400" indent="-228600" algn="l" defTabSz="914400" rtl="0" eaLnBrk="1" latinLnBrk="0" hangingPunct="1">
-              <a:lnSpc>
-                <a:spcPct val="90000"/>
-              </a:lnSpc>
-              <a:spcBef>
-                <a:spcPts val="500"/>
-              </a:spcBef>
-              <a:buFont typeface="Arial" panose="020B0604020202020204" pitchFamily="34" charset="0"/>
-              <a:buChar char="•"/>
-              <a:defRPr sz="1800" kern="1200">
-                <a:solidFill>
-                  <a:schemeClr val="tx1"/>
-                </a:solidFill>
-                <a:latin typeface="+mn-lt"/>
-                <a:ea typeface="+mn-ea"/>
-                <a:cs typeface="+mn-cs"/>
-              </a:defRPr>
-            </a:lvl5pPr>
-            <a:lvl6pPr marL="2514600" indent="-228600" algn="l" defTabSz="914400" rtl="0" eaLnBrk="1" latinLnBrk="0" hangingPunct="1">
-              <a:lnSpc>
-                <a:spcPct val="90000"/>
-              </a:lnSpc>
-              <a:spcBef>
-                <a:spcPts val="500"/>
-              </a:spcBef>
-              <a:buFont typeface="Arial" panose="020B0604020202020204" pitchFamily="34" charset="0"/>
-              <a:buChar char="•"/>
-              <a:defRPr sz="1800" kern="1200">
-                <a:solidFill>
-                  <a:schemeClr val="tx1"/>
-                </a:solidFill>
-                <a:latin typeface="+mn-lt"/>
-                <a:ea typeface="+mn-ea"/>
-                <a:cs typeface="+mn-cs"/>
-              </a:defRPr>
-            </a:lvl6pPr>
-            <a:lvl7pPr marL="2971800" indent="-228600" algn="l" defTabSz="914400" rtl="0" eaLnBrk="1" latinLnBrk="0" hangingPunct="1">
-              <a:lnSpc>
-                <a:spcPct val="90000"/>
-              </a:lnSpc>
-              <a:spcBef>
-                <a:spcPts val="500"/>
-              </a:spcBef>
-              <a:buFont typeface="Arial" panose="020B0604020202020204" pitchFamily="34" charset="0"/>
-              <a:buChar char="•"/>
-              <a:defRPr sz="1800" kern="1200">
-                <a:solidFill>
-                  <a:schemeClr val="tx1"/>
-                </a:solidFill>
-                <a:latin typeface="+mn-lt"/>
-                <a:ea typeface="+mn-ea"/>
-                <a:cs typeface="+mn-cs"/>
-              </a:defRPr>
-            </a:lvl7pPr>
-            <a:lvl8pPr marL="3429000" indent="-228600" algn="l" defTabSz="914400" rtl="0" eaLnBrk="1" latinLnBrk="0" hangingPunct="1">
-              <a:lnSpc>
-                <a:spcPct val="90000"/>
-              </a:lnSpc>
-              <a:spcBef>
-                <a:spcPts val="500"/>
-              </a:spcBef>
-              <a:buFont typeface="Arial" panose="020B0604020202020204" pitchFamily="34" charset="0"/>
-              <a:buChar char="•"/>
-              <a:defRPr sz="1800" kern="1200">
-                <a:solidFill>
-                  <a:schemeClr val="tx1"/>
-                </a:solidFill>
-                <a:latin typeface="+mn-lt"/>
-                <a:ea typeface="+mn-ea"/>
-                <a:cs typeface="+mn-cs"/>
-              </a:defRPr>
-            </a:lvl8pPr>
-            <a:lvl9pPr marL="3886200" indent="-228600" algn="l" defTabSz="914400" rtl="0" eaLnBrk="1" latinLnBrk="0" hangingPunct="1">
-              <a:lnSpc>
-                <a:spcPct val="90000"/>
-              </a:lnSpc>
-              <a:spcBef>
-                <a:spcPts val="500"/>
-              </a:spcBef>
-              <a:buFont typeface="Arial" panose="020B0604020202020204" pitchFamily="34" charset="0"/>
-              <a:buChar char="•"/>
-              <a:defRPr sz="1800" kern="1200">
-                <a:solidFill>
-                  <a:schemeClr val="tx1"/>
-                </a:solidFill>
-                <a:latin typeface="+mn-lt"/>
-                <a:ea typeface="+mn-ea"/>
-                <a:cs typeface="+mn-cs"/>
-              </a:defRPr>
-            </a:lvl9pPr>
-          </a:lstStyle>
-          <a:p>
-            <a:r>
-              <a:rPr lang="en-US" dirty="0"/>
-              <a:t>Regulation Of Animal Organ Morphogenesis (GO:2000027)</a:t>
-            </a:r>
-          </a:p>
-          <a:p>
-            <a:endParaRPr lang="en-US" dirty="0"/>
-          </a:p>
-          <a:p>
-            <a:pPr lvl="1"/>
-            <a:r>
-              <a:rPr lang="en-US" dirty="0"/>
-              <a:t>TBX1 - …</a:t>
-            </a:r>
-          </a:p>
-          <a:p>
-            <a:pPr lvl="1"/>
-            <a:r>
-              <a:rPr lang="en-US" dirty="0"/>
-              <a:t>SIX2 - </a:t>
-            </a:r>
-            <a:r>
-              <a:rPr lang="en-US" b="0" i="0" dirty="0">
-                <a:solidFill>
-                  <a:srgbClr val="001D35"/>
-                </a:solidFill>
-                <a:effectLst/>
-                <a:latin typeface="Google Sans"/>
-              </a:rPr>
-              <a:t>regulates cell proliferation and migration in many organs (not muscle though)</a:t>
-            </a:r>
-            <a:endParaRPr lang="en-US" dirty="0"/>
+          <a:p>
+            <a:pPr lvl="1"/>
+            <a:r>
+              <a:rPr lang="en-US" dirty="0"/>
+              <a:t>HOXD9 - involved in mediating the transition of cells through the G1-phase</a:t>
+            </a:r>
+          </a:p>
+          <a:p>
+            <a:pPr lvl="1"/>
+            <a:r>
+              <a:rPr lang="en-US" dirty="0"/>
+              <a:t>RFLNA - regulates actin networks and forms actin cytoskeletons</a:t>
+            </a:r>
           </a:p>
         </p:txBody>
       </p:sp>
     </p:spTree>
     <p:extLst>
       <p:ext uri="{BB962C8B-B14F-4D97-AF65-F5344CB8AC3E}">
-        <p14:creationId xmlns:p14="http://schemas.microsoft.com/office/powerpoint/2010/main" val="4081410937"/>
+        <p14:creationId xmlns:p14="http://schemas.microsoft.com/office/powerpoint/2010/main" val="2304190337"/>
       </p:ext>
     </p:extLst>
   </p:cSld>
@@ -5638,7 +7031,7 @@
 </p:sld>
 </file>
 
-<file path=ppt/slides/slide5.xml><?xml version="1.0" encoding="utf-8"?>
+<file path=ppt/slides/slide22.xml><?xml version="1.0" encoding="utf-8"?>
 <p:sld xmlns:a="http://schemas.openxmlformats.org/drawingml/2006/main" xmlns:r="http://schemas.openxmlformats.org/officeDocument/2006/relationships" xmlns:p="http://schemas.openxmlformats.org/presentationml/2006/main">
   <p:cSld>
     <p:bg>
@@ -5671,7 +7064,7 @@
           <p:cNvPr id="2" name="Title 1">
             <a:extLst>
               <a:ext uri="{FF2B5EF4-FFF2-40B4-BE49-F238E27FC236}">
-                <a16:creationId xmlns:a16="http://schemas.microsoft.com/office/drawing/2014/main" id="{6D83FC93-AD7A-4B5C-AD6D-0F3EB801C967}"/>
+                <a16:creationId xmlns:a16="http://schemas.microsoft.com/office/drawing/2014/main" id="{6BAB6642-45C8-4982-AEEE-E7E5C7C2A9CC}"/>
               </a:ext>
             </a:extLst>
           </p:cNvPr>
@@ -5704,7 +7097,7 @@
           <p:cNvPr id="3" name="Content Placeholder 2">
             <a:extLst>
               <a:ext uri="{FF2B5EF4-FFF2-40B4-BE49-F238E27FC236}">
-                <a16:creationId xmlns:a16="http://schemas.microsoft.com/office/drawing/2014/main" id="{DC62D570-CEF7-4EC6-B985-331CAD803E4E}"/>
+                <a16:creationId xmlns:a16="http://schemas.microsoft.com/office/drawing/2014/main" id="{16E1362A-693E-4131-87E8-BA159503CC0C}"/>
               </a:ext>
             </a:extLst>
           </p:cNvPr>
@@ -5717,19 +7110,19 @@
         </p:nvSpPr>
         <p:spPr>
           <a:xfrm>
-            <a:off x="581526" y="1690688"/>
-            <a:ext cx="4439653" cy="4351338"/>
+            <a:off x="838200" y="1825625"/>
+            <a:ext cx="4471737" cy="4351338"/>
           </a:xfrm>
         </p:spPr>
         <p:txBody>
           <a:bodyPr>
-            <a:normAutofit fontScale="70000" lnSpcReduction="20000"/>
+            <a:normAutofit fontScale="92500" lnSpcReduction="20000"/>
           </a:bodyPr>
           <a:lstStyle/>
           <a:p>
             <a:r>
               <a:rPr lang="en-US" dirty="0"/>
-              <a:t>Positive Regulation Of Cellular Response To Transforming Growth Factor Beta Stimulus (GO:1903846)</a:t>
+              <a:t>Branched-Chain Amino Acid Metabolic Process (GO:0009081)</a:t>
             </a:r>
           </a:p>
           <a:p>
@@ -5739,28 +7132,7 @@
             <a:pPr lvl="1"/>
             <a:r>
               <a:rPr lang="en-US" dirty="0"/>
-              <a:t>CREBBP - provides instructions for making CREB binding protein, which regulates the activity of many genes in tissues throughout the body</a:t>
-            </a:r>
-          </a:p>
-          <a:p>
-            <a:pPr lvl="1"/>
-            <a:r>
-              <a:rPr lang="en-US" dirty="0"/>
-              <a:t>LRG1 - promoting neovascularization</a:t>
-            </a:r>
-          </a:p>
-          <a:p>
-            <a:pPr lvl="1"/>
-            <a:r>
-              <a:rPr lang="en-US" dirty="0"/>
-              <a:t>EP300 - encodes the p300 protein, which regulates gene activity and is essential for cell growth and division</a:t>
-            </a:r>
-          </a:p>
-          <a:p>
-            <a:pPr lvl="1"/>
-            <a:r>
-              <a:rPr lang="en-US" dirty="0"/>
-              <a:t>RNF111 - </a:t>
+              <a:t>BCKDHA - </a:t>
             </a:r>
             <a:r>
               <a:rPr lang="en-US" b="0" i="0" dirty="0">
@@ -5770,7 +7142,7 @@
                 <a:effectLst/>
                 <a:latin typeface="Google Sans"/>
               </a:rPr>
-              <a:t>regulates development, DNA damage, and gene expression</a:t>
+              <a:t>breaks down the amino acids leucine, isoleucine, and valine</a:t>
             </a:r>
             <a:endParaRPr lang="en-US" dirty="0"/>
           </a:p>
@@ -5778,20 +7150,56 @@
             <a:pPr lvl="1"/>
             <a:r>
               <a:rPr lang="en-US" dirty="0"/>
-              <a:t>HIPK2 - </a:t>
+              <a:t>MCCC2 - </a:t>
             </a:r>
             <a:r>
               <a:rPr lang="en-US" b="0" i="0" dirty="0">
                 <a:solidFill>
-                  <a:srgbClr val="1F1F1F"/>
+                  <a:srgbClr val="001D35"/>
                 </a:solidFill>
                 <a:effectLst/>
-                <a:latin typeface="ElsevierGulliver"/>
+                <a:latin typeface="Google Sans"/>
               </a:rPr>
-              <a:t>co-repressor or a co-activator of transcriptional regulators. Dysregulation associated with cancer and neuro diseases</a:t>
+              <a:t>leucine and isovaleric acid catabolism</a:t>
             </a:r>
             <a:endParaRPr lang="en-US" dirty="0"/>
           </a:p>
+          <a:p>
+            <a:pPr lvl="1"/>
+            <a:r>
+              <a:rPr lang="en-US" dirty="0"/>
+              <a:t>ECHS1 - </a:t>
+            </a:r>
+            <a:r>
+              <a:rPr lang="en-US" b="0" i="0" dirty="0">
+                <a:solidFill>
+                  <a:srgbClr val="001D35"/>
+                </a:solidFill>
+                <a:effectLst/>
+                <a:latin typeface="Google Sans"/>
+              </a:rPr>
+              <a:t>valine, leucine, and isoleucine and oxidation of fatty acids</a:t>
+            </a:r>
+            <a:endParaRPr lang="en-US" dirty="0"/>
+          </a:p>
+          <a:p>
+            <a:pPr lvl="1"/>
+            <a:r>
+              <a:rPr lang="en-US" dirty="0"/>
+              <a:t>IVD - </a:t>
+            </a:r>
+            <a:r>
+              <a:rPr lang="en-US" b="0" i="0" dirty="0">
+                <a:solidFill>
+                  <a:srgbClr val="001D35"/>
+                </a:solidFill>
+                <a:effectLst/>
+                <a:latin typeface="Google Sans"/>
+              </a:rPr>
+              <a:t>break down leucine, an amino acid, into molecules that can be used for energy</a:t>
+            </a:r>
+            <a:endParaRPr lang="en-US" dirty="0"/>
+          </a:p>
         </p:txBody>
       </p:sp>
       <p:sp>
@@ -5799,7 +7207,7 @@
           <p:cNvPr id="4" name="Content Placeholder 2">
             <a:extLst>
               <a:ext uri="{FF2B5EF4-FFF2-40B4-BE49-F238E27FC236}">
-                <a16:creationId xmlns:a16="http://schemas.microsoft.com/office/drawing/2014/main" id="{4CE51DC2-E219-4D55-8B7B-BD1055139BA9}"/>
+                <a16:creationId xmlns:a16="http://schemas.microsoft.com/office/drawing/2014/main" id="{50448D6E-8AA0-457F-95B4-95DC62E34FE3}"/>
               </a:ext>
             </a:extLst>
           </p:cNvPr>
@@ -5810,8 +7218,8 @@
         </p:nvSpPr>
         <p:spPr>
           <a:xfrm>
-            <a:off x="5967663" y="1690688"/>
-            <a:ext cx="4439653" cy="4351338"/>
+            <a:off x="6509084" y="1825625"/>
+            <a:ext cx="4471737" cy="4351338"/>
           </a:xfrm>
           <a:prstGeom prst="rect">
             <a:avLst/>
@@ -5819,7 +7227,7 @@
         </p:spPr>
         <p:txBody>
           <a:bodyPr vert="horz" lIns="91440" tIns="45720" rIns="91440" bIns="45720" rtlCol="0">
-            <a:normAutofit fontScale="85000" lnSpcReduction="20000"/>
+            <a:normAutofit fontScale="77500" lnSpcReduction="20000"/>
           </a:bodyPr>
           <a:lstStyle>
             <a:lvl1pPr marL="228600" indent="-228600" algn="l" defTabSz="914400" rtl="0" eaLnBrk="1" latinLnBrk="0" hangingPunct="1">
@@ -5988,17 +7396,18 @@
           <a:p>
             <a:r>
               <a:rPr lang="en-US" dirty="0"/>
-              <a:t>Artery Morphogenesis (GO:0048844)</a:t>
-            </a:r>
-          </a:p>
-          <a:p>
+              <a:t>Sarcomere Organization (GO:0045214)</a:t>
+            </a:r>
+          </a:p>
+          <a:p>
+            <a:pPr lvl="1"/>
             <a:endParaRPr lang="en-US" dirty="0"/>
           </a:p>
           <a:p>
             <a:pPr lvl="1"/>
             <a:r>
               <a:rPr lang="en-US" dirty="0"/>
-              <a:t>BMPR2 - </a:t>
+              <a:t>MYH3 - </a:t>
             </a:r>
             <a:r>
               <a:rPr lang="en-US" b="0" i="0" dirty="0">
@@ -6008,7 +7417,7 @@
                 <a:effectLst/>
                 <a:latin typeface="Google Sans"/>
               </a:rPr>
-              <a:t>Cardiovascular development</a:t>
+              <a:t>specifies the production of myosin-3, a protein that helps muscles develop and contract</a:t>
             </a:r>
             <a:endParaRPr lang="en-US" dirty="0"/>
           </a:p>
@@ -6016,17 +7425,17 @@
             <a:pPr lvl="1"/>
             <a:r>
               <a:rPr lang="en-US" dirty="0"/>
-              <a:t>FOXF1 - </a:t>
+              <a:t>TPM1 - </a:t>
             </a:r>
             <a:r>
               <a:rPr lang="en-US" b="0" i="0" dirty="0">
                 <a:solidFill>
-                  <a:srgbClr val="040C28"/>
+                  <a:srgbClr val="001D35"/>
                 </a:solidFill>
                 <a:effectLst/>
                 <a:latin typeface="Google Sans"/>
               </a:rPr>
-              <a:t>important in the development of pulmonary mesenchyme</a:t>
+              <a:t>regulates cell shape and strength by stabilizing the thin filament and facilitating actin's interaction with myosin</a:t>
             </a:r>
             <a:endParaRPr lang="en-US" dirty="0"/>
           </a:p>
@@ -6034,7 +7443,7 @@
             <a:pPr lvl="1"/>
             <a:r>
               <a:rPr lang="en-US" dirty="0"/>
-              <a:t>NF1 - </a:t>
+              <a:t>TNNT3 - </a:t>
             </a:r>
             <a:r>
               <a:rPr lang="en-US" b="0" i="0" dirty="0">
@@ -6044,7 +7453,7 @@
                 <a:effectLst/>
                 <a:latin typeface="Google Sans"/>
               </a:rPr>
-              <a:t>regulates cell growth and division (cancer), especially in the nervous system</a:t>
+              <a:t>produces troponin T, which helps regulate muscle contraction</a:t>
             </a:r>
             <a:endParaRPr lang="en-US" dirty="0"/>
           </a:p>
@@ -6052,22 +7461,48 @@
             <a:pPr lvl="1"/>
             <a:r>
               <a:rPr lang="en-US" dirty="0"/>
-              <a:t>PKD2 – cell interactions and calcium signaling particularly in renal</a:t>
-            </a:r>
-          </a:p>
-          <a:p>
-            <a:pPr lvl="1"/>
-            <a:r>
-              <a:rPr lang="en-US" dirty="0"/>
-              <a:t>TBX2 - coordinating cell fate, patterning and morphogenesis of a wide range of tissues and organs</a:t>
-            </a:r>
+              <a:t>CASQ1 - </a:t>
+            </a:r>
+            <a:r>
+              <a:rPr lang="en-US" b="0" i="0" dirty="0">
+                <a:solidFill>
+                  <a:srgbClr val="001D35"/>
+                </a:solidFill>
+                <a:effectLst/>
+                <a:latin typeface="Google Sans"/>
+              </a:rPr>
+              <a:t>regulates calcium levels in muscle cells</a:t>
+            </a:r>
+            <a:endParaRPr lang="en-US" dirty="0"/>
+          </a:p>
+          <a:p>
+            <a:pPr lvl="1"/>
+            <a:r>
+              <a:rPr lang="en-US" dirty="0"/>
+              <a:t>MYOZ1 </a:t>
+            </a:r>
+            <a:r>
+              <a:rPr lang="en-US"/>
+              <a:t>- </a:t>
+            </a:r>
+            <a:r>
+              <a:rPr lang="en-US" b="0" i="0">
+                <a:solidFill>
+                  <a:srgbClr val="001D35"/>
+                </a:solidFill>
+                <a:effectLst/>
+                <a:latin typeface="Google Sans"/>
+              </a:rPr>
+              <a:t>regulate calcineurin signaling by binding to calcineurin and tethering it to the sarcomere</a:t>
+            </a:r>
+            <a:endParaRPr lang="en-US" dirty="0"/>
           </a:p>
         </p:txBody>
       </p:sp>
     </p:spTree>
     <p:extLst>
       <p:ext uri="{BB962C8B-B14F-4D97-AF65-F5344CB8AC3E}">
-        <p14:creationId xmlns:p14="http://schemas.microsoft.com/office/powerpoint/2010/main" val="1129879600"/>
+        <p14:creationId xmlns:p14="http://schemas.microsoft.com/office/powerpoint/2010/main" val="1403184030"/>
       </p:ext>
     </p:extLst>
   </p:cSld>
@@ -6077,1471 +7512,7 @@
 </p:sld>
 </file>
 
-<file path=ppt/slides/slide6.xml><?xml version="1.0" encoding="utf-8"?>
-<p:sld xmlns:a="http://schemas.openxmlformats.org/drawingml/2006/main" xmlns:r="http://schemas.openxmlformats.org/officeDocument/2006/relationships" xmlns:p="http://schemas.openxmlformats.org/presentationml/2006/main">
-  <p:cSld>
-    <p:bg>
-      <p:bgPr>
-        <a:solidFill>
-          <a:schemeClr val="accent6">
-            <a:lumMod val="20000"/>
-            <a:lumOff val="80000"/>
-          </a:schemeClr>
-        </a:solidFill>
-        <a:effectLst/>
-      </p:bgPr>
-    </p:bg>
-    <p:spTree>
-      <p:nvGrpSpPr>
-        <p:cNvPr id="1" name=""/>
-        <p:cNvGrpSpPr/>
-        <p:nvPr/>
-      </p:nvGrpSpPr>
-      <p:grpSpPr>
-        <a:xfrm>
-          <a:off x="0" y="0"/>
-          <a:ext cx="0" cy="0"/>
-          <a:chOff x="0" y="0"/>
-          <a:chExt cx="0" cy="0"/>
-        </a:xfrm>
-      </p:grpSpPr>
-      <p:sp>
-        <p:nvSpPr>
-          <p:cNvPr id="2" name="Title 1">
-            <a:extLst>
-              <a:ext uri="{FF2B5EF4-FFF2-40B4-BE49-F238E27FC236}">
-                <a16:creationId xmlns:a16="http://schemas.microsoft.com/office/drawing/2014/main" id="{6D83FC93-AD7A-4B5C-AD6D-0F3EB801C967}"/>
-              </a:ext>
-            </a:extLst>
-          </p:cNvPr>
-          <p:cNvSpPr>
-            <a:spLocks noGrp="1"/>
-          </p:cNvSpPr>
-          <p:nvPr>
-            <p:ph type="title"/>
-          </p:nvPr>
-        </p:nvSpPr>
-        <p:spPr>
-          <a:xfrm>
-            <a:off x="0" y="-254794"/>
-            <a:ext cx="10515600" cy="1325563"/>
-          </a:xfrm>
-        </p:spPr>
-        <p:txBody>
-          <a:bodyPr/>
-          <a:lstStyle/>
-          <a:p>
-            <a:r>
-              <a:rPr lang="en-US" dirty="0"/>
-              <a:t>D5 vs </a:t>
-            </a:r>
-            <a:r>
-              <a:rPr lang="en-US" dirty="0" err="1"/>
-              <a:t>cntl</a:t>
-            </a:r>
-            <a:r>
-              <a:rPr lang="en-US" dirty="0"/>
-              <a:t> pt2</a:t>
-            </a:r>
-          </a:p>
-        </p:txBody>
-      </p:sp>
-      <p:sp>
-        <p:nvSpPr>
-          <p:cNvPr id="3" name="Content Placeholder 2">
-            <a:extLst>
-              <a:ext uri="{FF2B5EF4-FFF2-40B4-BE49-F238E27FC236}">
-                <a16:creationId xmlns:a16="http://schemas.microsoft.com/office/drawing/2014/main" id="{DC62D570-CEF7-4EC6-B985-331CAD803E4E}"/>
-              </a:ext>
-            </a:extLst>
-          </p:cNvPr>
-          <p:cNvSpPr>
-            <a:spLocks noGrp="1"/>
-          </p:cNvSpPr>
-          <p:nvPr>
-            <p:ph idx="1"/>
-          </p:nvPr>
-        </p:nvSpPr>
-        <p:spPr>
-          <a:xfrm>
-            <a:off x="-70184" y="1518025"/>
-            <a:ext cx="4439653" cy="4351338"/>
-          </a:xfrm>
-        </p:spPr>
-        <p:txBody>
-          <a:bodyPr>
-            <a:normAutofit fontScale="77500" lnSpcReduction="20000"/>
-          </a:bodyPr>
-          <a:lstStyle/>
-          <a:p>
-            <a:r>
-              <a:rPr lang="en-US" dirty="0"/>
-              <a:t>Negative Regulation Of Microtubule Depolymerization (GO:0007026)</a:t>
-            </a:r>
-          </a:p>
-          <a:p>
-            <a:endParaRPr lang="en-US" dirty="0"/>
-          </a:p>
-          <a:p>
-            <a:pPr lvl="1"/>
-            <a:r>
-              <a:rPr lang="en-US" dirty="0"/>
-              <a:t>SPEF1 - </a:t>
-            </a:r>
-            <a:r>
-              <a:rPr lang="en-US" b="0" i="0" dirty="0">
-                <a:solidFill>
-                  <a:srgbClr val="001D35"/>
-                </a:solidFill>
-                <a:effectLst/>
-                <a:latin typeface="Google Sans"/>
-              </a:rPr>
-              <a:t>regulates cell migration, cell polarity, and the formation of cilia and microtubules (not expressed in muscle)</a:t>
-            </a:r>
-            <a:endParaRPr lang="en-US" dirty="0"/>
-          </a:p>
-          <a:p>
-            <a:pPr lvl="1"/>
-            <a:r>
-              <a:rPr lang="en-US" dirty="0"/>
-              <a:t>NAV3 - Cell-cell matrix adhesion and </a:t>
-            </a:r>
-            <a:r>
-              <a:rPr lang="en-US" b="0" i="0" dirty="0">
-                <a:solidFill>
-                  <a:srgbClr val="001D35"/>
-                </a:solidFill>
-                <a:effectLst/>
-                <a:latin typeface="Google Sans"/>
-              </a:rPr>
-              <a:t>organize the cytoskeleton</a:t>
-            </a:r>
-            <a:endParaRPr lang="en-US" dirty="0"/>
-          </a:p>
-          <a:p>
-            <a:pPr lvl="1"/>
-            <a:r>
-              <a:rPr lang="en-US" dirty="0"/>
-              <a:t>ATXN7 - </a:t>
-            </a:r>
-            <a:r>
-              <a:rPr lang="en-US" b="0" i="0" dirty="0">
-                <a:solidFill>
-                  <a:srgbClr val="040C28"/>
-                </a:solidFill>
-                <a:effectLst/>
-                <a:latin typeface="Google Sans"/>
-              </a:rPr>
-              <a:t>transcription factor that regulates gene expression via chromatin remodeling</a:t>
-            </a:r>
-            <a:endParaRPr lang="en-US" dirty="0"/>
-          </a:p>
-          <a:p>
-            <a:pPr lvl="1"/>
-            <a:r>
-              <a:rPr lang="en-US" dirty="0"/>
-              <a:t>TAOK1 - neuronal cytoskeleton regulation, DNA damage response, apoptosis regulation, neuronal maturation, and cortical development</a:t>
-            </a:r>
-          </a:p>
-        </p:txBody>
-      </p:sp>
-      <p:sp>
-        <p:nvSpPr>
-          <p:cNvPr id="4" name="Content Placeholder 2">
-            <a:extLst>
-              <a:ext uri="{FF2B5EF4-FFF2-40B4-BE49-F238E27FC236}">
-                <a16:creationId xmlns:a16="http://schemas.microsoft.com/office/drawing/2014/main" id="{4CE51DC2-E219-4D55-8B7B-BD1055139BA9}"/>
-              </a:ext>
-            </a:extLst>
-          </p:cNvPr>
-          <p:cNvSpPr txBox="1">
-            <a:spLocks/>
-          </p:cNvSpPr>
-          <p:nvPr/>
-        </p:nvSpPr>
-        <p:spPr>
-          <a:xfrm>
-            <a:off x="4299284" y="1"/>
-            <a:ext cx="7892716" cy="6857999"/>
-          </a:xfrm>
-          <a:prstGeom prst="rect">
-            <a:avLst/>
-          </a:prstGeom>
-        </p:spPr>
-        <p:txBody>
-          <a:bodyPr vert="horz" lIns="91440" tIns="45720" rIns="91440" bIns="45720" rtlCol="0">
-            <a:normAutofit lnSpcReduction="10000"/>
-          </a:bodyPr>
-          <a:lstStyle>
-            <a:lvl1pPr marL="228600" indent="-228600" algn="l" defTabSz="914400" rtl="0" eaLnBrk="1" latinLnBrk="0" hangingPunct="1">
-              <a:lnSpc>
-                <a:spcPct val="90000"/>
-              </a:lnSpc>
-              <a:spcBef>
-                <a:spcPts val="1000"/>
-              </a:spcBef>
-              <a:buFont typeface="Arial" panose="020B0604020202020204" pitchFamily="34" charset="0"/>
-              <a:buChar char="•"/>
-              <a:defRPr sz="2800" kern="1200">
-                <a:solidFill>
-                  <a:schemeClr val="tx1"/>
-                </a:solidFill>
-                <a:latin typeface="+mn-lt"/>
-                <a:ea typeface="+mn-ea"/>
-                <a:cs typeface="+mn-cs"/>
-              </a:defRPr>
-            </a:lvl1pPr>
-            <a:lvl2pPr marL="685800" indent="-228600" algn="l" defTabSz="914400" rtl="0" eaLnBrk="1" latinLnBrk="0" hangingPunct="1">
-              <a:lnSpc>
-                <a:spcPct val="90000"/>
-              </a:lnSpc>
-              <a:spcBef>
-                <a:spcPts val="500"/>
-              </a:spcBef>
-              <a:buFont typeface="Arial" panose="020B0604020202020204" pitchFamily="34" charset="0"/>
-              <a:buChar char="•"/>
-              <a:defRPr sz="2400" kern="1200">
-                <a:solidFill>
-                  <a:schemeClr val="tx1"/>
-                </a:solidFill>
-                <a:latin typeface="+mn-lt"/>
-                <a:ea typeface="+mn-ea"/>
-                <a:cs typeface="+mn-cs"/>
-              </a:defRPr>
-            </a:lvl2pPr>
-            <a:lvl3pPr marL="1143000" indent="-228600" algn="l" defTabSz="914400" rtl="0" eaLnBrk="1" latinLnBrk="0" hangingPunct="1">
-              <a:lnSpc>
-                <a:spcPct val="90000"/>
-              </a:lnSpc>
-              <a:spcBef>
-                <a:spcPts val="500"/>
-              </a:spcBef>
-              <a:buFont typeface="Arial" panose="020B0604020202020204" pitchFamily="34" charset="0"/>
-              <a:buChar char="•"/>
-              <a:defRPr sz="2000" kern="1200">
-                <a:solidFill>
-                  <a:schemeClr val="tx1"/>
-                </a:solidFill>
-                <a:latin typeface="+mn-lt"/>
-                <a:ea typeface="+mn-ea"/>
-                <a:cs typeface="+mn-cs"/>
-              </a:defRPr>
-            </a:lvl3pPr>
-            <a:lvl4pPr marL="1600200" indent="-228600" algn="l" defTabSz="914400" rtl="0" eaLnBrk="1" latinLnBrk="0" hangingPunct="1">
-              <a:lnSpc>
-                <a:spcPct val="90000"/>
-              </a:lnSpc>
-              <a:spcBef>
-                <a:spcPts val="500"/>
-              </a:spcBef>
-              <a:buFont typeface="Arial" panose="020B0604020202020204" pitchFamily="34" charset="0"/>
-              <a:buChar char="•"/>
-              <a:defRPr sz="1800" kern="1200">
-                <a:solidFill>
-                  <a:schemeClr val="tx1"/>
-                </a:solidFill>
-                <a:latin typeface="+mn-lt"/>
-                <a:ea typeface="+mn-ea"/>
-                <a:cs typeface="+mn-cs"/>
-              </a:defRPr>
-            </a:lvl4pPr>
-            <a:lvl5pPr marL="2057400" indent="-228600" algn="l" defTabSz="914400" rtl="0" eaLnBrk="1" latinLnBrk="0" hangingPunct="1">
-              <a:lnSpc>
-                <a:spcPct val="90000"/>
-              </a:lnSpc>
-              <a:spcBef>
-                <a:spcPts val="500"/>
-              </a:spcBef>
-              <a:buFont typeface="Arial" panose="020B0604020202020204" pitchFamily="34" charset="0"/>
-              <a:buChar char="•"/>
-              <a:defRPr sz="1800" kern="1200">
-                <a:solidFill>
-                  <a:schemeClr val="tx1"/>
-                </a:solidFill>
-                <a:latin typeface="+mn-lt"/>
-                <a:ea typeface="+mn-ea"/>
-                <a:cs typeface="+mn-cs"/>
-              </a:defRPr>
-            </a:lvl5pPr>
-            <a:lvl6pPr marL="2514600" indent="-228600" algn="l" defTabSz="914400" rtl="0" eaLnBrk="1" latinLnBrk="0" hangingPunct="1">
-              <a:lnSpc>
-                <a:spcPct val="90000"/>
-              </a:lnSpc>
-              <a:spcBef>
-                <a:spcPts val="500"/>
-              </a:spcBef>
-              <a:buFont typeface="Arial" panose="020B0604020202020204" pitchFamily="34" charset="0"/>
-              <a:buChar char="•"/>
-              <a:defRPr sz="1800" kern="1200">
-                <a:solidFill>
-                  <a:schemeClr val="tx1"/>
-                </a:solidFill>
-                <a:latin typeface="+mn-lt"/>
-                <a:ea typeface="+mn-ea"/>
-                <a:cs typeface="+mn-cs"/>
-              </a:defRPr>
-            </a:lvl6pPr>
-            <a:lvl7pPr marL="2971800" indent="-228600" algn="l" defTabSz="914400" rtl="0" eaLnBrk="1" latinLnBrk="0" hangingPunct="1">
-              <a:lnSpc>
-                <a:spcPct val="90000"/>
-              </a:lnSpc>
-              <a:spcBef>
-                <a:spcPts val="500"/>
-              </a:spcBef>
-              <a:buFont typeface="Arial" panose="020B0604020202020204" pitchFamily="34" charset="0"/>
-              <a:buChar char="•"/>
-              <a:defRPr sz="1800" kern="1200">
-                <a:solidFill>
-                  <a:schemeClr val="tx1"/>
-                </a:solidFill>
-                <a:latin typeface="+mn-lt"/>
-                <a:ea typeface="+mn-ea"/>
-                <a:cs typeface="+mn-cs"/>
-              </a:defRPr>
-            </a:lvl7pPr>
-            <a:lvl8pPr marL="3429000" indent="-228600" algn="l" defTabSz="914400" rtl="0" eaLnBrk="1" latinLnBrk="0" hangingPunct="1">
-              <a:lnSpc>
-                <a:spcPct val="90000"/>
-              </a:lnSpc>
-              <a:spcBef>
-                <a:spcPts val="500"/>
-              </a:spcBef>
-              <a:buFont typeface="Arial" panose="020B0604020202020204" pitchFamily="34" charset="0"/>
-              <a:buChar char="•"/>
-              <a:defRPr sz="1800" kern="1200">
-                <a:solidFill>
-                  <a:schemeClr val="tx1"/>
-                </a:solidFill>
-                <a:latin typeface="+mn-lt"/>
-                <a:ea typeface="+mn-ea"/>
-                <a:cs typeface="+mn-cs"/>
-              </a:defRPr>
-            </a:lvl8pPr>
-            <a:lvl9pPr marL="3886200" indent="-228600" algn="l" defTabSz="914400" rtl="0" eaLnBrk="1" latinLnBrk="0" hangingPunct="1">
-              <a:lnSpc>
-                <a:spcPct val="90000"/>
-              </a:lnSpc>
-              <a:spcBef>
-                <a:spcPts val="500"/>
-              </a:spcBef>
-              <a:buFont typeface="Arial" panose="020B0604020202020204" pitchFamily="34" charset="0"/>
-              <a:buChar char="•"/>
-              <a:defRPr sz="1800" kern="1200">
-                <a:solidFill>
-                  <a:schemeClr val="tx1"/>
-                </a:solidFill>
-                <a:latin typeface="+mn-lt"/>
-                <a:ea typeface="+mn-ea"/>
-                <a:cs typeface="+mn-cs"/>
-              </a:defRPr>
-            </a:lvl9pPr>
-          </a:lstStyle>
-          <a:p>
-            <a:r>
-              <a:rPr lang="en-US" sz="1600" dirty="0"/>
-              <a:t>Regulation Of Angiogenesis (GO:0045765)</a:t>
-            </a:r>
-          </a:p>
-          <a:p>
-            <a:endParaRPr lang="en-US" sz="1600" dirty="0"/>
-          </a:p>
-          <a:p>
-            <a:pPr marL="0" indent="0" algn="l">
-              <a:buNone/>
-            </a:pPr>
-            <a:r>
-              <a:rPr lang="en-US" sz="1600" i="0" dirty="0">
-                <a:effectLst/>
-              </a:rPr>
-              <a:t>FOXC1 - involved in the development of the eye, heart, and brain</a:t>
-            </a:r>
-          </a:p>
-          <a:p>
-            <a:pPr marL="0" indent="0" algn="l">
-              <a:buNone/>
-            </a:pPr>
-            <a:r>
-              <a:rPr lang="en-US" sz="1600" i="0" dirty="0">
-                <a:effectLst/>
-              </a:rPr>
-              <a:t>SEMA6A - guides axon growth and neuronal migration during development. It also plays a role in cell-cell communication and immune regulation.</a:t>
-            </a:r>
-          </a:p>
-          <a:p>
-            <a:pPr marL="0" indent="0" algn="l">
-              <a:buNone/>
-            </a:pPr>
-            <a:r>
-              <a:rPr lang="en-US" sz="1600" i="0" dirty="0">
-                <a:effectLst/>
-              </a:rPr>
-              <a:t>SERPINE1</a:t>
-            </a:r>
-            <a:r>
-              <a:rPr lang="en-US" sz="1600" dirty="0"/>
-              <a:t> -</a:t>
-            </a:r>
-            <a:r>
-              <a:rPr lang="en-US" sz="1600" i="0" dirty="0">
-                <a:effectLst/>
-              </a:rPr>
-              <a:t> inhibits tissue plasminogen activator (</a:t>
-            </a:r>
-            <a:r>
-              <a:rPr lang="en-US" sz="1600" i="0" dirty="0" err="1">
-                <a:effectLst/>
-              </a:rPr>
-              <a:t>tPA</a:t>
-            </a:r>
-            <a:r>
-              <a:rPr lang="en-US" sz="1600" i="0" dirty="0">
-                <a:effectLst/>
-              </a:rPr>
-              <a:t>) and urokinase, regulating fibrinolysis (blood clot breakdown) and extracellular matrix remodeling.</a:t>
-            </a:r>
-          </a:p>
-          <a:p>
-            <a:pPr marL="0" indent="0" algn="l">
-              <a:buNone/>
-            </a:pPr>
-            <a:r>
-              <a:rPr lang="en-US" sz="1600" i="0" dirty="0">
-                <a:effectLst/>
-              </a:rPr>
-              <a:t>HIPK1</a:t>
-            </a:r>
-            <a:r>
-              <a:rPr lang="en-US" sz="1600" dirty="0"/>
-              <a:t> -</a:t>
-            </a:r>
-            <a:r>
-              <a:rPr lang="en-US" sz="1600" i="0" dirty="0">
-                <a:effectLst/>
-              </a:rPr>
-              <a:t> involved in DNA damage response, apoptosis, and transcriptional regulation. It also plays a role in development and stress signaling.</a:t>
-            </a:r>
-          </a:p>
-          <a:p>
-            <a:pPr marL="0" indent="0" algn="l">
-              <a:buNone/>
-            </a:pPr>
-            <a:r>
-              <a:rPr lang="en-US" sz="1600" i="0" dirty="0">
-                <a:effectLst/>
-              </a:rPr>
-              <a:t>RUNX1 - A transcription factor critical for hematopoiesis and regulation of genes involved in cell differentiation and proliferation.</a:t>
-            </a:r>
-          </a:p>
-          <a:p>
-            <a:pPr marL="0" indent="0" algn="l">
-              <a:buNone/>
-            </a:pPr>
-            <a:r>
-              <a:rPr lang="en-US" sz="1600" i="0" dirty="0">
-                <a:effectLst/>
-              </a:rPr>
-              <a:t>HIPK2</a:t>
-            </a:r>
-            <a:r>
-              <a:rPr lang="en-US" sz="1600" dirty="0"/>
-              <a:t> -</a:t>
-            </a:r>
-            <a:r>
-              <a:rPr lang="en-US" sz="1600" i="0" dirty="0">
-                <a:effectLst/>
-              </a:rPr>
-              <a:t> involved in DNA damage response, apoptosis, and transcriptional regulation,. Driver of kidney fibrosis</a:t>
-            </a:r>
-          </a:p>
-          <a:p>
-            <a:pPr marL="0" indent="0" algn="l">
-              <a:buNone/>
-            </a:pPr>
-            <a:r>
-              <a:rPr lang="en-US" sz="1600" i="0" dirty="0">
-                <a:effectLst/>
-              </a:rPr>
-              <a:t>SPRED1</a:t>
-            </a:r>
-            <a:r>
-              <a:rPr lang="en-US" sz="1600" dirty="0"/>
-              <a:t> -</a:t>
-            </a:r>
-            <a:r>
-              <a:rPr lang="en-US" sz="1600" i="0" dirty="0">
-                <a:effectLst/>
-              </a:rPr>
-              <a:t> A negative regulator of the MAPK/ERK signaling pathway, which is involved in cell growth, differentiation, and development</a:t>
-            </a:r>
-          </a:p>
-          <a:p>
-            <a:pPr marL="0" indent="0" algn="l">
-              <a:buNone/>
-            </a:pPr>
-            <a:r>
-              <a:rPr lang="en-US" sz="1600" i="0" dirty="0">
-                <a:effectLst/>
-              </a:rPr>
-              <a:t>LRG1</a:t>
-            </a:r>
-            <a:r>
-              <a:rPr lang="en-US" sz="1600" dirty="0"/>
-              <a:t> -</a:t>
-            </a:r>
-            <a:r>
-              <a:rPr lang="en-US" sz="1600" i="0" dirty="0">
-                <a:effectLst/>
-              </a:rPr>
-              <a:t> A protein implicated in angiogenesis and immune modulation</a:t>
-            </a:r>
-          </a:p>
-          <a:p>
-            <a:pPr marL="0" indent="0" algn="l">
-              <a:buNone/>
-            </a:pPr>
-            <a:r>
-              <a:rPr lang="en-US" sz="1600" i="0" dirty="0">
-                <a:effectLst/>
-              </a:rPr>
-              <a:t>ADAMTS1</a:t>
-            </a:r>
-            <a:r>
-              <a:rPr lang="en-US" sz="1600" dirty="0"/>
-              <a:t> -</a:t>
-            </a:r>
-            <a:r>
-              <a:rPr lang="en-US" sz="1600" i="0" dirty="0">
-                <a:effectLst/>
-              </a:rPr>
-              <a:t> involved in extracellular matrix remodeling, angiogenesis, and inflammation</a:t>
-            </a:r>
-          </a:p>
-          <a:p>
-            <a:pPr marL="0" indent="0" algn="l">
-              <a:buNone/>
-            </a:pPr>
-            <a:r>
-              <a:rPr lang="en-US" sz="1600" i="0" dirty="0">
-                <a:effectLst/>
-              </a:rPr>
-              <a:t>AGO2</a:t>
-            </a:r>
-            <a:r>
-              <a:rPr lang="en-US" sz="1600" dirty="0"/>
-              <a:t> -</a:t>
-            </a:r>
-            <a:r>
-              <a:rPr lang="en-US" sz="1600" i="0" dirty="0">
-                <a:effectLst/>
-              </a:rPr>
-              <a:t> involved in RNA interference (RNAi) and gene silencing through microRNA (miRNA) and small interfering RNA (siRNA) pathways.</a:t>
-            </a:r>
-          </a:p>
-          <a:p>
-            <a:pPr marL="0" indent="0" algn="l">
-              <a:buNone/>
-            </a:pPr>
-            <a:r>
-              <a:rPr lang="en-US" sz="1600" i="0" dirty="0">
-                <a:effectLst/>
-              </a:rPr>
-              <a:t>STAB1</a:t>
-            </a:r>
-            <a:r>
-              <a:rPr lang="en-US" sz="1600" dirty="0"/>
-              <a:t> -</a:t>
-            </a:r>
-            <a:r>
-              <a:rPr lang="en-US" sz="1600" i="0" dirty="0">
-                <a:effectLst/>
-              </a:rPr>
-              <a:t> involved in the clearance of cellular debris and regulation of immune responses</a:t>
-            </a:r>
-          </a:p>
-          <a:p>
-            <a:pPr marL="0" indent="0" algn="l">
-              <a:buNone/>
-            </a:pPr>
-            <a:r>
-              <a:rPr lang="en-US" sz="1600" i="0" dirty="0">
-                <a:effectLst/>
-              </a:rPr>
-              <a:t>NF1</a:t>
-            </a:r>
-            <a:r>
-              <a:rPr lang="en-US" sz="1600" dirty="0"/>
-              <a:t> -</a:t>
-            </a:r>
-            <a:r>
-              <a:rPr lang="en-US" sz="1600" i="0" dirty="0">
-                <a:effectLst/>
-              </a:rPr>
-              <a:t> regulates cell growth and division (cancer), especially in the nervous system</a:t>
-            </a:r>
-          </a:p>
-          <a:p>
-            <a:pPr marL="0" indent="0" algn="l">
-              <a:buNone/>
-            </a:pPr>
-            <a:r>
-              <a:rPr lang="en-US" sz="1600" i="0" dirty="0">
-                <a:effectLst/>
-              </a:rPr>
-              <a:t>ANGPTL4</a:t>
-            </a:r>
-            <a:r>
-              <a:rPr lang="en-US" sz="1600" dirty="0"/>
-              <a:t> -</a:t>
-            </a:r>
-            <a:r>
-              <a:rPr lang="en-US" sz="1600" i="0" dirty="0">
-                <a:effectLst/>
-              </a:rPr>
-              <a:t> involved in lipid metabolism, angiogenesis, and glucose homeostasis. It also plays a role in wound healing and inflammation.</a:t>
-            </a:r>
-          </a:p>
-          <a:p>
-            <a:pPr marL="0" indent="0" algn="l">
-              <a:buNone/>
-            </a:pPr>
-            <a:r>
-              <a:rPr lang="en-US" sz="1600" i="0" dirty="0">
-                <a:effectLst/>
-              </a:rPr>
-              <a:t>EPHA1</a:t>
-            </a:r>
-            <a:r>
-              <a:rPr lang="en-US" sz="1600" dirty="0"/>
-              <a:t> -</a:t>
-            </a:r>
-            <a:r>
-              <a:rPr lang="en-US" sz="1600" i="0" dirty="0">
-                <a:effectLst/>
-              </a:rPr>
-              <a:t> involved in cell-cell communication, cell migration</a:t>
-            </a:r>
-          </a:p>
-        </p:txBody>
-      </p:sp>
-    </p:spTree>
-    <p:extLst>
-      <p:ext uri="{BB962C8B-B14F-4D97-AF65-F5344CB8AC3E}">
-        <p14:creationId xmlns:p14="http://schemas.microsoft.com/office/powerpoint/2010/main" val="2283650714"/>
-      </p:ext>
-    </p:extLst>
-  </p:cSld>
-  <p:clrMapOvr>
-    <a:masterClrMapping/>
-  </p:clrMapOvr>
-</p:sld>
-</file>
-
-<file path=ppt/slides/slide7.xml><?xml version="1.0" encoding="utf-8"?>
-<p:sld xmlns:a="http://schemas.openxmlformats.org/drawingml/2006/main" xmlns:r="http://schemas.openxmlformats.org/officeDocument/2006/relationships" xmlns:p="http://schemas.openxmlformats.org/presentationml/2006/main">
-  <p:cSld>
-    <p:bg>
-      <p:bgPr>
-        <a:solidFill>
-          <a:schemeClr val="accent6">
-            <a:lumMod val="20000"/>
-            <a:lumOff val="80000"/>
-          </a:schemeClr>
-        </a:solidFill>
-        <a:effectLst/>
-      </p:bgPr>
-    </p:bg>
-    <p:spTree>
-      <p:nvGrpSpPr>
-        <p:cNvPr id="1" name=""/>
-        <p:cNvGrpSpPr/>
-        <p:nvPr/>
-      </p:nvGrpSpPr>
-      <p:grpSpPr>
-        <a:xfrm>
-          <a:off x="0" y="0"/>
-          <a:ext cx="0" cy="0"/>
-          <a:chOff x="0" y="0"/>
-          <a:chExt cx="0" cy="0"/>
-        </a:xfrm>
-      </p:grpSpPr>
-      <p:sp>
-        <p:nvSpPr>
-          <p:cNvPr id="2" name="Title 1">
-            <a:extLst>
-              <a:ext uri="{FF2B5EF4-FFF2-40B4-BE49-F238E27FC236}">
-                <a16:creationId xmlns:a16="http://schemas.microsoft.com/office/drawing/2014/main" id="{6D83FC93-AD7A-4B5C-AD6D-0F3EB801C967}"/>
-              </a:ext>
-            </a:extLst>
-          </p:cNvPr>
-          <p:cNvSpPr>
-            <a:spLocks noGrp="1"/>
-          </p:cNvSpPr>
-          <p:nvPr>
-            <p:ph type="title"/>
-          </p:nvPr>
-        </p:nvSpPr>
-        <p:spPr/>
-        <p:txBody>
-          <a:bodyPr/>
-          <a:lstStyle/>
-          <a:p>
-            <a:r>
-              <a:rPr lang="en-US" dirty="0"/>
-              <a:t>D5 vs </a:t>
-            </a:r>
-            <a:r>
-              <a:rPr lang="en-US" dirty="0" err="1"/>
-              <a:t>cntl</a:t>
-            </a:r>
-            <a:r>
-              <a:rPr lang="en-US" dirty="0"/>
-              <a:t> pt3</a:t>
-            </a:r>
-          </a:p>
-        </p:txBody>
-      </p:sp>
-      <p:sp>
-        <p:nvSpPr>
-          <p:cNvPr id="3" name="Content Placeholder 2">
-            <a:extLst>
-              <a:ext uri="{FF2B5EF4-FFF2-40B4-BE49-F238E27FC236}">
-                <a16:creationId xmlns:a16="http://schemas.microsoft.com/office/drawing/2014/main" id="{DC62D570-CEF7-4EC6-B985-331CAD803E4E}"/>
-              </a:ext>
-            </a:extLst>
-          </p:cNvPr>
-          <p:cNvSpPr>
-            <a:spLocks noGrp="1"/>
-          </p:cNvSpPr>
-          <p:nvPr>
-            <p:ph idx="1"/>
-          </p:nvPr>
-        </p:nvSpPr>
-        <p:spPr>
-          <a:xfrm>
-            <a:off x="581526" y="1690688"/>
-            <a:ext cx="4439653" cy="4351338"/>
-          </a:xfrm>
-        </p:spPr>
-        <p:txBody>
-          <a:bodyPr>
-            <a:normAutofit fontScale="92500"/>
-          </a:bodyPr>
-          <a:lstStyle/>
-          <a:p>
-            <a:r>
-              <a:rPr lang="en-US" dirty="0"/>
-              <a:t>Leukocyte Aggregation (GO:0070486)</a:t>
-            </a:r>
-          </a:p>
-          <a:p>
-            <a:pPr lvl="1"/>
-            <a:endParaRPr lang="en-US" dirty="0"/>
-          </a:p>
-          <a:p>
-            <a:pPr lvl="1"/>
-            <a:r>
-              <a:rPr lang="en-US" dirty="0"/>
-              <a:t>S100A9 - </a:t>
-            </a:r>
-            <a:r>
-              <a:rPr lang="en-US" b="0" i="0" dirty="0">
-                <a:solidFill>
-                  <a:srgbClr val="001D35"/>
-                </a:solidFill>
-                <a:effectLst/>
-                <a:latin typeface="Google Sans"/>
-              </a:rPr>
-              <a:t>regulates inflammation and the immune response (promotes macrophage transition and induces neutrophil release)</a:t>
-            </a:r>
-            <a:endParaRPr lang="en-US" dirty="0"/>
-          </a:p>
-          <a:p>
-            <a:pPr lvl="1"/>
-            <a:r>
-              <a:rPr lang="en-US" dirty="0"/>
-              <a:t>S100A8 - </a:t>
-            </a:r>
-            <a:r>
-              <a:rPr lang="en-US" b="0" i="0" dirty="0">
-                <a:solidFill>
-                  <a:srgbClr val="001D35"/>
-                </a:solidFill>
-                <a:effectLst/>
-                <a:latin typeface="Google Sans"/>
-              </a:rPr>
-              <a:t>regulates inflammation and the immune response (Neutrophil chemotaxis and proinflammatory cytokines)</a:t>
-            </a:r>
-            <a:endParaRPr lang="en-US" dirty="0"/>
-          </a:p>
-        </p:txBody>
-      </p:sp>
-      <p:sp>
-        <p:nvSpPr>
-          <p:cNvPr id="4" name="Content Placeholder 2">
-            <a:extLst>
-              <a:ext uri="{FF2B5EF4-FFF2-40B4-BE49-F238E27FC236}">
-                <a16:creationId xmlns:a16="http://schemas.microsoft.com/office/drawing/2014/main" id="{4CE51DC2-E219-4D55-8B7B-BD1055139BA9}"/>
-              </a:ext>
-            </a:extLst>
-          </p:cNvPr>
-          <p:cNvSpPr txBox="1">
-            <a:spLocks/>
-          </p:cNvSpPr>
-          <p:nvPr/>
-        </p:nvSpPr>
-        <p:spPr>
-          <a:xfrm>
-            <a:off x="5967663" y="1690688"/>
-            <a:ext cx="4439653" cy="4351338"/>
-          </a:xfrm>
-          <a:prstGeom prst="rect">
-            <a:avLst/>
-          </a:prstGeom>
-        </p:spPr>
-        <p:txBody>
-          <a:bodyPr vert="horz" lIns="91440" tIns="45720" rIns="91440" bIns="45720" rtlCol="0">
-            <a:normAutofit/>
-          </a:bodyPr>
-          <a:lstStyle>
-            <a:lvl1pPr marL="228600" indent="-228600" algn="l" defTabSz="914400" rtl="0" eaLnBrk="1" latinLnBrk="0" hangingPunct="1">
-              <a:lnSpc>
-                <a:spcPct val="90000"/>
-              </a:lnSpc>
-              <a:spcBef>
-                <a:spcPts val="1000"/>
-              </a:spcBef>
-              <a:buFont typeface="Arial" panose="020B0604020202020204" pitchFamily="34" charset="0"/>
-              <a:buChar char="•"/>
-              <a:defRPr sz="2800" kern="1200">
-                <a:solidFill>
-                  <a:schemeClr val="tx1"/>
-                </a:solidFill>
-                <a:latin typeface="+mn-lt"/>
-                <a:ea typeface="+mn-ea"/>
-                <a:cs typeface="+mn-cs"/>
-              </a:defRPr>
-            </a:lvl1pPr>
-            <a:lvl2pPr marL="685800" indent="-228600" algn="l" defTabSz="914400" rtl="0" eaLnBrk="1" latinLnBrk="0" hangingPunct="1">
-              <a:lnSpc>
-                <a:spcPct val="90000"/>
-              </a:lnSpc>
-              <a:spcBef>
-                <a:spcPts val="500"/>
-              </a:spcBef>
-              <a:buFont typeface="Arial" panose="020B0604020202020204" pitchFamily="34" charset="0"/>
-              <a:buChar char="•"/>
-              <a:defRPr sz="2400" kern="1200">
-                <a:solidFill>
-                  <a:schemeClr val="tx1"/>
-                </a:solidFill>
-                <a:latin typeface="+mn-lt"/>
-                <a:ea typeface="+mn-ea"/>
-                <a:cs typeface="+mn-cs"/>
-              </a:defRPr>
-            </a:lvl2pPr>
-            <a:lvl3pPr marL="1143000" indent="-228600" algn="l" defTabSz="914400" rtl="0" eaLnBrk="1" latinLnBrk="0" hangingPunct="1">
-              <a:lnSpc>
-                <a:spcPct val="90000"/>
-              </a:lnSpc>
-              <a:spcBef>
-                <a:spcPts val="500"/>
-              </a:spcBef>
-              <a:buFont typeface="Arial" panose="020B0604020202020204" pitchFamily="34" charset="0"/>
-              <a:buChar char="•"/>
-              <a:defRPr sz="2000" kern="1200">
-                <a:solidFill>
-                  <a:schemeClr val="tx1"/>
-                </a:solidFill>
-                <a:latin typeface="+mn-lt"/>
-                <a:ea typeface="+mn-ea"/>
-                <a:cs typeface="+mn-cs"/>
-              </a:defRPr>
-            </a:lvl3pPr>
-            <a:lvl4pPr marL="1600200" indent="-228600" algn="l" defTabSz="914400" rtl="0" eaLnBrk="1" latinLnBrk="0" hangingPunct="1">
-              <a:lnSpc>
-                <a:spcPct val="90000"/>
-              </a:lnSpc>
-              <a:spcBef>
-                <a:spcPts val="500"/>
-              </a:spcBef>
-              <a:buFont typeface="Arial" panose="020B0604020202020204" pitchFamily="34" charset="0"/>
-              <a:buChar char="•"/>
-              <a:defRPr sz="1800" kern="1200">
-                <a:solidFill>
-                  <a:schemeClr val="tx1"/>
-                </a:solidFill>
-                <a:latin typeface="+mn-lt"/>
-                <a:ea typeface="+mn-ea"/>
-                <a:cs typeface="+mn-cs"/>
-              </a:defRPr>
-            </a:lvl4pPr>
-            <a:lvl5pPr marL="2057400" indent="-228600" algn="l" defTabSz="914400" rtl="0" eaLnBrk="1" latinLnBrk="0" hangingPunct="1">
-              <a:lnSpc>
-                <a:spcPct val="90000"/>
-              </a:lnSpc>
-              <a:spcBef>
-                <a:spcPts val="500"/>
-              </a:spcBef>
-              <a:buFont typeface="Arial" panose="020B0604020202020204" pitchFamily="34" charset="0"/>
-              <a:buChar char="•"/>
-              <a:defRPr sz="1800" kern="1200">
-                <a:solidFill>
-                  <a:schemeClr val="tx1"/>
-                </a:solidFill>
-                <a:latin typeface="+mn-lt"/>
-                <a:ea typeface="+mn-ea"/>
-                <a:cs typeface="+mn-cs"/>
-              </a:defRPr>
-            </a:lvl5pPr>
-            <a:lvl6pPr marL="2514600" indent="-228600" algn="l" defTabSz="914400" rtl="0" eaLnBrk="1" latinLnBrk="0" hangingPunct="1">
-              <a:lnSpc>
-                <a:spcPct val="90000"/>
-              </a:lnSpc>
-              <a:spcBef>
-                <a:spcPts val="500"/>
-              </a:spcBef>
-              <a:buFont typeface="Arial" panose="020B0604020202020204" pitchFamily="34" charset="0"/>
-              <a:buChar char="•"/>
-              <a:defRPr sz="1800" kern="1200">
-                <a:solidFill>
-                  <a:schemeClr val="tx1"/>
-                </a:solidFill>
-                <a:latin typeface="+mn-lt"/>
-                <a:ea typeface="+mn-ea"/>
-                <a:cs typeface="+mn-cs"/>
-              </a:defRPr>
-            </a:lvl6pPr>
-            <a:lvl7pPr marL="2971800" indent="-228600" algn="l" defTabSz="914400" rtl="0" eaLnBrk="1" latinLnBrk="0" hangingPunct="1">
-              <a:lnSpc>
-                <a:spcPct val="90000"/>
-              </a:lnSpc>
-              <a:spcBef>
-                <a:spcPts val="500"/>
-              </a:spcBef>
-              <a:buFont typeface="Arial" panose="020B0604020202020204" pitchFamily="34" charset="0"/>
-              <a:buChar char="•"/>
-              <a:defRPr sz="1800" kern="1200">
-                <a:solidFill>
-                  <a:schemeClr val="tx1"/>
-                </a:solidFill>
-                <a:latin typeface="+mn-lt"/>
-                <a:ea typeface="+mn-ea"/>
-                <a:cs typeface="+mn-cs"/>
-              </a:defRPr>
-            </a:lvl7pPr>
-            <a:lvl8pPr marL="3429000" indent="-228600" algn="l" defTabSz="914400" rtl="0" eaLnBrk="1" latinLnBrk="0" hangingPunct="1">
-              <a:lnSpc>
-                <a:spcPct val="90000"/>
-              </a:lnSpc>
-              <a:spcBef>
-                <a:spcPts val="500"/>
-              </a:spcBef>
-              <a:buFont typeface="Arial" panose="020B0604020202020204" pitchFamily="34" charset="0"/>
-              <a:buChar char="•"/>
-              <a:defRPr sz="1800" kern="1200">
-                <a:solidFill>
-                  <a:schemeClr val="tx1"/>
-                </a:solidFill>
-                <a:latin typeface="+mn-lt"/>
-                <a:ea typeface="+mn-ea"/>
-                <a:cs typeface="+mn-cs"/>
-              </a:defRPr>
-            </a:lvl8pPr>
-            <a:lvl9pPr marL="3886200" indent="-228600" algn="l" defTabSz="914400" rtl="0" eaLnBrk="1" latinLnBrk="0" hangingPunct="1">
-              <a:lnSpc>
-                <a:spcPct val="90000"/>
-              </a:lnSpc>
-              <a:spcBef>
-                <a:spcPts val="500"/>
-              </a:spcBef>
-              <a:buFont typeface="Arial" panose="020B0604020202020204" pitchFamily="34" charset="0"/>
-              <a:buChar char="•"/>
-              <a:defRPr sz="1800" kern="1200">
-                <a:solidFill>
-                  <a:schemeClr val="tx1"/>
-                </a:solidFill>
-                <a:latin typeface="+mn-lt"/>
-                <a:ea typeface="+mn-ea"/>
-                <a:cs typeface="+mn-cs"/>
-              </a:defRPr>
-            </a:lvl9pPr>
-          </a:lstStyle>
-          <a:p>
-            <a:r>
-              <a:rPr lang="en-US" dirty="0"/>
-              <a:t>Positive Regulation Of DNA Demethylation (GO:1901537)</a:t>
-            </a:r>
-          </a:p>
-          <a:p>
-            <a:endParaRPr lang="en-US" dirty="0"/>
-          </a:p>
-          <a:p>
-            <a:pPr lvl="1"/>
-            <a:r>
-              <a:rPr lang="en-US" dirty="0"/>
-              <a:t>USP7 - </a:t>
-            </a:r>
-            <a:r>
-              <a:rPr lang="en-US" b="0" i="0" dirty="0">
-                <a:solidFill>
-                  <a:srgbClr val="001D35"/>
-                </a:solidFill>
-                <a:effectLst/>
-                <a:latin typeface="Google Sans"/>
-              </a:rPr>
-              <a:t>regulates the stability of many other proteins</a:t>
-            </a:r>
-            <a:endParaRPr lang="en-US" dirty="0"/>
-          </a:p>
-          <a:p>
-            <a:pPr lvl="1"/>
-            <a:r>
-              <a:rPr lang="en-US" dirty="0"/>
-              <a:t>HNRNPAB - </a:t>
-            </a:r>
-            <a:r>
-              <a:rPr lang="en-US" b="0" i="0" dirty="0">
-                <a:solidFill>
-                  <a:srgbClr val="001D35"/>
-                </a:solidFill>
-                <a:effectLst/>
-                <a:latin typeface="Google Sans"/>
-              </a:rPr>
-              <a:t>plays a role in RNA splicing, nuclear export, and sensing, and regulates axon maturation</a:t>
-            </a:r>
-            <a:endParaRPr lang="en-US" dirty="0"/>
-          </a:p>
-        </p:txBody>
-      </p:sp>
-    </p:spTree>
-    <p:extLst>
-      <p:ext uri="{BB962C8B-B14F-4D97-AF65-F5344CB8AC3E}">
-        <p14:creationId xmlns:p14="http://schemas.microsoft.com/office/powerpoint/2010/main" val="628345209"/>
-      </p:ext>
-    </p:extLst>
-  </p:cSld>
-  <p:clrMapOvr>
-    <a:masterClrMapping/>
-  </p:clrMapOvr>
-</p:sld>
-</file>
-
-<file path=ppt/slides/slide8.xml><?xml version="1.0" encoding="utf-8"?>
-<p:sld xmlns:a="http://schemas.openxmlformats.org/drawingml/2006/main" xmlns:r="http://schemas.openxmlformats.org/officeDocument/2006/relationships" xmlns:p="http://schemas.openxmlformats.org/presentationml/2006/main">
-  <p:cSld>
-    <p:bg>
-      <p:bgPr>
-        <a:solidFill>
-          <a:schemeClr val="accent6">
-            <a:lumMod val="20000"/>
-            <a:lumOff val="80000"/>
-          </a:schemeClr>
-        </a:solidFill>
-        <a:effectLst/>
-      </p:bgPr>
-    </p:bg>
-    <p:spTree>
-      <p:nvGrpSpPr>
-        <p:cNvPr id="1" name=""/>
-        <p:cNvGrpSpPr/>
-        <p:nvPr/>
-      </p:nvGrpSpPr>
-      <p:grpSpPr>
-        <a:xfrm>
-          <a:off x="0" y="0"/>
-          <a:ext cx="0" cy="0"/>
-          <a:chOff x="0" y="0"/>
-          <a:chExt cx="0" cy="0"/>
-        </a:xfrm>
-      </p:grpSpPr>
-      <p:sp>
-        <p:nvSpPr>
-          <p:cNvPr id="2" name="Title 1">
-            <a:extLst>
-              <a:ext uri="{FF2B5EF4-FFF2-40B4-BE49-F238E27FC236}">
-                <a16:creationId xmlns:a16="http://schemas.microsoft.com/office/drawing/2014/main" id="{6D83FC93-AD7A-4B5C-AD6D-0F3EB801C967}"/>
-              </a:ext>
-            </a:extLst>
-          </p:cNvPr>
-          <p:cNvSpPr>
-            <a:spLocks noGrp="1"/>
-          </p:cNvSpPr>
-          <p:nvPr>
-            <p:ph type="title"/>
-          </p:nvPr>
-        </p:nvSpPr>
-        <p:spPr/>
-        <p:txBody>
-          <a:bodyPr/>
-          <a:lstStyle/>
-          <a:p>
-            <a:r>
-              <a:rPr lang="en-US" dirty="0"/>
-              <a:t>D5 vs </a:t>
-            </a:r>
-            <a:r>
-              <a:rPr lang="en-US" dirty="0" err="1"/>
-              <a:t>cntl</a:t>
-            </a:r>
-            <a:r>
-              <a:rPr lang="en-US" dirty="0"/>
-              <a:t> pt4</a:t>
-            </a:r>
-          </a:p>
-        </p:txBody>
-      </p:sp>
-      <p:sp>
-        <p:nvSpPr>
-          <p:cNvPr id="3" name="Content Placeholder 2">
-            <a:extLst>
-              <a:ext uri="{FF2B5EF4-FFF2-40B4-BE49-F238E27FC236}">
-                <a16:creationId xmlns:a16="http://schemas.microsoft.com/office/drawing/2014/main" id="{DC62D570-CEF7-4EC6-B985-331CAD803E4E}"/>
-              </a:ext>
-            </a:extLst>
-          </p:cNvPr>
-          <p:cNvSpPr>
-            <a:spLocks noGrp="1"/>
-          </p:cNvSpPr>
-          <p:nvPr>
-            <p:ph idx="1"/>
-          </p:nvPr>
-        </p:nvSpPr>
-        <p:spPr>
-          <a:xfrm>
-            <a:off x="581526" y="1690688"/>
-            <a:ext cx="4439653" cy="4351338"/>
-          </a:xfrm>
-        </p:spPr>
-        <p:txBody>
-          <a:bodyPr>
-            <a:normAutofit fontScale="92500" lnSpcReduction="10000"/>
-          </a:bodyPr>
-          <a:lstStyle/>
-          <a:p>
-            <a:r>
-              <a:rPr lang="en-US" dirty="0"/>
-              <a:t>Detection Of Mechanical Stimulus (GO:0050982)</a:t>
-            </a:r>
-          </a:p>
-          <a:p>
-            <a:endParaRPr lang="en-US" dirty="0"/>
-          </a:p>
-          <a:p>
-            <a:pPr lvl="1"/>
-            <a:r>
-              <a:rPr lang="en-US" dirty="0"/>
-              <a:t>CSRP3 - </a:t>
-            </a:r>
-            <a:r>
-              <a:rPr lang="en-US" b="0" i="0" dirty="0">
-                <a:solidFill>
-                  <a:srgbClr val="001D35"/>
-                </a:solidFill>
-                <a:effectLst/>
-                <a:latin typeface="Google Sans"/>
-              </a:rPr>
-              <a:t>helps maintain muscle structure and function, and sarcomere assembly, and cytoskeleton integrity</a:t>
-            </a:r>
-            <a:endParaRPr lang="en-US" dirty="0"/>
-          </a:p>
-          <a:p>
-            <a:pPr lvl="1"/>
-            <a:r>
-              <a:rPr lang="en-US" dirty="0"/>
-              <a:t>PIEZO1 - </a:t>
-            </a:r>
-            <a:r>
-              <a:rPr lang="en-US" b="0" i="0" dirty="0">
-                <a:solidFill>
-                  <a:srgbClr val="001D35"/>
-                </a:solidFill>
-                <a:effectLst/>
-                <a:latin typeface="Google Sans"/>
-              </a:rPr>
-              <a:t>mechanosensitive ion channel that senses mechanical force and regulates many physiological processes</a:t>
-            </a:r>
-            <a:endParaRPr lang="en-US" dirty="0"/>
-          </a:p>
-          <a:p>
-            <a:pPr lvl="1"/>
-            <a:r>
-              <a:rPr lang="en-US" dirty="0"/>
-              <a:t>PKD2 - cell interactions and calcium signaling particularly in renal</a:t>
-            </a:r>
-          </a:p>
-        </p:txBody>
-      </p:sp>
-      <p:sp>
-        <p:nvSpPr>
-          <p:cNvPr id="4" name="Content Placeholder 2">
-            <a:extLst>
-              <a:ext uri="{FF2B5EF4-FFF2-40B4-BE49-F238E27FC236}">
-                <a16:creationId xmlns:a16="http://schemas.microsoft.com/office/drawing/2014/main" id="{4CE51DC2-E219-4D55-8B7B-BD1055139BA9}"/>
-              </a:ext>
-            </a:extLst>
-          </p:cNvPr>
-          <p:cNvSpPr txBox="1">
-            <a:spLocks/>
-          </p:cNvSpPr>
-          <p:nvPr/>
-        </p:nvSpPr>
-        <p:spPr>
-          <a:xfrm>
-            <a:off x="5967663" y="1690688"/>
-            <a:ext cx="4439653" cy="4351338"/>
-          </a:xfrm>
-          <a:prstGeom prst="rect">
-            <a:avLst/>
-          </a:prstGeom>
-        </p:spPr>
-        <p:txBody>
-          <a:bodyPr vert="horz" lIns="91440" tIns="45720" rIns="91440" bIns="45720" rtlCol="0">
-            <a:normAutofit lnSpcReduction="10000"/>
-          </a:bodyPr>
-          <a:lstStyle>
-            <a:lvl1pPr marL="228600" indent="-228600" algn="l" defTabSz="914400" rtl="0" eaLnBrk="1" latinLnBrk="0" hangingPunct="1">
-              <a:lnSpc>
-                <a:spcPct val="90000"/>
-              </a:lnSpc>
-              <a:spcBef>
-                <a:spcPts val="1000"/>
-              </a:spcBef>
-              <a:buFont typeface="Arial" panose="020B0604020202020204" pitchFamily="34" charset="0"/>
-              <a:buChar char="•"/>
-              <a:defRPr sz="2800" kern="1200">
-                <a:solidFill>
-                  <a:schemeClr val="tx1"/>
-                </a:solidFill>
-                <a:latin typeface="+mn-lt"/>
-                <a:ea typeface="+mn-ea"/>
-                <a:cs typeface="+mn-cs"/>
-              </a:defRPr>
-            </a:lvl1pPr>
-            <a:lvl2pPr marL="685800" indent="-228600" algn="l" defTabSz="914400" rtl="0" eaLnBrk="1" latinLnBrk="0" hangingPunct="1">
-              <a:lnSpc>
-                <a:spcPct val="90000"/>
-              </a:lnSpc>
-              <a:spcBef>
-                <a:spcPts val="500"/>
-              </a:spcBef>
-              <a:buFont typeface="Arial" panose="020B0604020202020204" pitchFamily="34" charset="0"/>
-              <a:buChar char="•"/>
-              <a:defRPr sz="2400" kern="1200">
-                <a:solidFill>
-                  <a:schemeClr val="tx1"/>
-                </a:solidFill>
-                <a:latin typeface="+mn-lt"/>
-                <a:ea typeface="+mn-ea"/>
-                <a:cs typeface="+mn-cs"/>
-              </a:defRPr>
-            </a:lvl2pPr>
-            <a:lvl3pPr marL="1143000" indent="-228600" algn="l" defTabSz="914400" rtl="0" eaLnBrk="1" latinLnBrk="0" hangingPunct="1">
-              <a:lnSpc>
-                <a:spcPct val="90000"/>
-              </a:lnSpc>
-              <a:spcBef>
-                <a:spcPts val="500"/>
-              </a:spcBef>
-              <a:buFont typeface="Arial" panose="020B0604020202020204" pitchFamily="34" charset="0"/>
-              <a:buChar char="•"/>
-              <a:defRPr sz="2000" kern="1200">
-                <a:solidFill>
-                  <a:schemeClr val="tx1"/>
-                </a:solidFill>
-                <a:latin typeface="+mn-lt"/>
-                <a:ea typeface="+mn-ea"/>
-                <a:cs typeface="+mn-cs"/>
-              </a:defRPr>
-            </a:lvl3pPr>
-            <a:lvl4pPr marL="1600200" indent="-228600" algn="l" defTabSz="914400" rtl="0" eaLnBrk="1" latinLnBrk="0" hangingPunct="1">
-              <a:lnSpc>
-                <a:spcPct val="90000"/>
-              </a:lnSpc>
-              <a:spcBef>
-                <a:spcPts val="500"/>
-              </a:spcBef>
-              <a:buFont typeface="Arial" panose="020B0604020202020204" pitchFamily="34" charset="0"/>
-              <a:buChar char="•"/>
-              <a:defRPr sz="1800" kern="1200">
-                <a:solidFill>
-                  <a:schemeClr val="tx1"/>
-                </a:solidFill>
-                <a:latin typeface="+mn-lt"/>
-                <a:ea typeface="+mn-ea"/>
-                <a:cs typeface="+mn-cs"/>
-              </a:defRPr>
-            </a:lvl4pPr>
-            <a:lvl5pPr marL="2057400" indent="-228600" algn="l" defTabSz="914400" rtl="0" eaLnBrk="1" latinLnBrk="0" hangingPunct="1">
-              <a:lnSpc>
-                <a:spcPct val="90000"/>
-              </a:lnSpc>
-              <a:spcBef>
-                <a:spcPts val="500"/>
-              </a:spcBef>
-              <a:buFont typeface="Arial" panose="020B0604020202020204" pitchFamily="34" charset="0"/>
-              <a:buChar char="•"/>
-              <a:defRPr sz="1800" kern="1200">
-                <a:solidFill>
-                  <a:schemeClr val="tx1"/>
-                </a:solidFill>
-                <a:latin typeface="+mn-lt"/>
-                <a:ea typeface="+mn-ea"/>
-                <a:cs typeface="+mn-cs"/>
-              </a:defRPr>
-            </a:lvl5pPr>
-            <a:lvl6pPr marL="2514600" indent="-228600" algn="l" defTabSz="914400" rtl="0" eaLnBrk="1" latinLnBrk="0" hangingPunct="1">
-              <a:lnSpc>
-                <a:spcPct val="90000"/>
-              </a:lnSpc>
-              <a:spcBef>
-                <a:spcPts val="500"/>
-              </a:spcBef>
-              <a:buFont typeface="Arial" panose="020B0604020202020204" pitchFamily="34" charset="0"/>
-              <a:buChar char="•"/>
-              <a:defRPr sz="1800" kern="1200">
-                <a:solidFill>
-                  <a:schemeClr val="tx1"/>
-                </a:solidFill>
-                <a:latin typeface="+mn-lt"/>
-                <a:ea typeface="+mn-ea"/>
-                <a:cs typeface="+mn-cs"/>
-              </a:defRPr>
-            </a:lvl6pPr>
-            <a:lvl7pPr marL="2971800" indent="-228600" algn="l" defTabSz="914400" rtl="0" eaLnBrk="1" latinLnBrk="0" hangingPunct="1">
-              <a:lnSpc>
-                <a:spcPct val="90000"/>
-              </a:lnSpc>
-              <a:spcBef>
-                <a:spcPts val="500"/>
-              </a:spcBef>
-              <a:buFont typeface="Arial" panose="020B0604020202020204" pitchFamily="34" charset="0"/>
-              <a:buChar char="•"/>
-              <a:defRPr sz="1800" kern="1200">
-                <a:solidFill>
-                  <a:schemeClr val="tx1"/>
-                </a:solidFill>
-                <a:latin typeface="+mn-lt"/>
-                <a:ea typeface="+mn-ea"/>
-                <a:cs typeface="+mn-cs"/>
-              </a:defRPr>
-            </a:lvl7pPr>
-            <a:lvl8pPr marL="3429000" indent="-228600" algn="l" defTabSz="914400" rtl="0" eaLnBrk="1" latinLnBrk="0" hangingPunct="1">
-              <a:lnSpc>
-                <a:spcPct val="90000"/>
-              </a:lnSpc>
-              <a:spcBef>
-                <a:spcPts val="500"/>
-              </a:spcBef>
-              <a:buFont typeface="Arial" panose="020B0604020202020204" pitchFamily="34" charset="0"/>
-              <a:buChar char="•"/>
-              <a:defRPr sz="1800" kern="1200">
-                <a:solidFill>
-                  <a:schemeClr val="tx1"/>
-                </a:solidFill>
-                <a:latin typeface="+mn-lt"/>
-                <a:ea typeface="+mn-ea"/>
-                <a:cs typeface="+mn-cs"/>
-              </a:defRPr>
-            </a:lvl8pPr>
-            <a:lvl9pPr marL="3886200" indent="-228600" algn="l" defTabSz="914400" rtl="0" eaLnBrk="1" latinLnBrk="0" hangingPunct="1">
-              <a:lnSpc>
-                <a:spcPct val="90000"/>
-              </a:lnSpc>
-              <a:spcBef>
-                <a:spcPts val="500"/>
-              </a:spcBef>
-              <a:buFont typeface="Arial" panose="020B0604020202020204" pitchFamily="34" charset="0"/>
-              <a:buChar char="•"/>
-              <a:defRPr sz="1800" kern="1200">
-                <a:solidFill>
-                  <a:schemeClr val="tx1"/>
-                </a:solidFill>
-                <a:latin typeface="+mn-lt"/>
-                <a:ea typeface="+mn-ea"/>
-                <a:cs typeface="+mn-cs"/>
-              </a:defRPr>
-            </a:lvl9pPr>
-          </a:lstStyle>
-          <a:p>
-            <a:r>
-              <a:rPr lang="en-US" dirty="0"/>
-              <a:t>Neuromuscular Process (GO:0050905)</a:t>
-            </a:r>
-          </a:p>
-          <a:p>
-            <a:pPr lvl="1"/>
-            <a:endParaRPr lang="en-US" dirty="0"/>
-          </a:p>
-          <a:p>
-            <a:pPr lvl="1"/>
-            <a:r>
-              <a:rPr lang="en-US" dirty="0"/>
-              <a:t>CLN3 - </a:t>
-            </a:r>
-            <a:r>
-              <a:rPr lang="en-US" b="0" i="0" dirty="0">
-                <a:solidFill>
-                  <a:srgbClr val="001D35"/>
-                </a:solidFill>
-                <a:effectLst/>
-                <a:latin typeface="Google Sans"/>
-              </a:rPr>
-              <a:t>autophagy, endocytosis, and lysosomal pH maintenance</a:t>
-            </a:r>
-            <a:endParaRPr lang="en-US" dirty="0"/>
-          </a:p>
-          <a:p>
-            <a:pPr lvl="1"/>
-            <a:r>
-              <a:rPr lang="en-US" dirty="0"/>
-              <a:t>MYCBP2 - </a:t>
-            </a:r>
-            <a:r>
-              <a:rPr lang="en-US" b="0" i="0" dirty="0">
-                <a:solidFill>
-                  <a:srgbClr val="001D35"/>
-                </a:solidFill>
-                <a:effectLst/>
-                <a:latin typeface="Google Sans"/>
-              </a:rPr>
-              <a:t>regulates neuronal development, cytoskeletal dynamics, and axonal degeneration</a:t>
-            </a:r>
-            <a:endParaRPr lang="en-US" dirty="0"/>
-          </a:p>
-          <a:p>
-            <a:pPr lvl="1"/>
-            <a:r>
-              <a:rPr lang="en-US" dirty="0"/>
-              <a:t>SHANK1 - </a:t>
-            </a:r>
-            <a:r>
-              <a:rPr lang="en-US" b="0" i="0" dirty="0">
-                <a:solidFill>
-                  <a:srgbClr val="001D35"/>
-                </a:solidFill>
-                <a:effectLst/>
-                <a:latin typeface="Google Sans"/>
-              </a:rPr>
-              <a:t>helps maintain and form excitatory synapses in the brain</a:t>
-            </a:r>
-            <a:endParaRPr lang="en-US" dirty="0"/>
-          </a:p>
-        </p:txBody>
-      </p:sp>
-    </p:spTree>
-    <p:extLst>
-      <p:ext uri="{BB962C8B-B14F-4D97-AF65-F5344CB8AC3E}">
-        <p14:creationId xmlns:p14="http://schemas.microsoft.com/office/powerpoint/2010/main" val="3878113369"/>
-      </p:ext>
-    </p:extLst>
-  </p:cSld>
-  <p:clrMapOvr>
-    <a:masterClrMapping/>
-  </p:clrMapOvr>
-</p:sld>
-</file>
-
-<file path=ppt/slides/slide9.xml><?xml version="1.0" encoding="utf-8"?>
+<file path=ppt/slides/slide23.xml><?xml version="1.0" encoding="utf-8"?>
 <p:sld xmlns:a="http://schemas.openxmlformats.org/drawingml/2006/main" xmlns:r="http://schemas.openxmlformats.org/officeDocument/2006/relationships" xmlns:p="http://schemas.openxmlformats.org/presentationml/2006/main">
   <p:cSld>
     <p:bg>
@@ -7573,7 +7544,7 @@
           <p:cNvPr id="2" name="Title 1">
             <a:extLst>
               <a:ext uri="{FF2B5EF4-FFF2-40B4-BE49-F238E27FC236}">
-                <a16:creationId xmlns:a16="http://schemas.microsoft.com/office/drawing/2014/main" id="{CA728B62-D094-425E-A38F-CF2792D10955}"/>
+                <a16:creationId xmlns:a16="http://schemas.microsoft.com/office/drawing/2014/main" id="{26E2091F-4280-416B-812B-3509BB720606}"/>
               </a:ext>
             </a:extLst>
           </p:cNvPr>
@@ -7599,7 +7570,1592 @@
     </p:spTree>
     <p:extLst>
       <p:ext uri="{BB962C8B-B14F-4D97-AF65-F5344CB8AC3E}">
-        <p14:creationId xmlns:p14="http://schemas.microsoft.com/office/powerpoint/2010/main" val="1454529165"/>
+        <p14:creationId xmlns:p14="http://schemas.microsoft.com/office/powerpoint/2010/main" val="4061177851"/>
+      </p:ext>
+    </p:extLst>
+  </p:cSld>
+  <p:clrMapOvr>
+    <a:masterClrMapping/>
+  </p:clrMapOvr>
+</p:sld>
+</file>
+
+<file path=ppt/slides/slide3.xml><?xml version="1.0" encoding="utf-8"?>
+<p:sld xmlns:a="http://schemas.openxmlformats.org/drawingml/2006/main" xmlns:r="http://schemas.openxmlformats.org/officeDocument/2006/relationships" xmlns:p="http://schemas.openxmlformats.org/presentationml/2006/main">
+  <p:cSld>
+    <p:spTree>
+      <p:nvGrpSpPr>
+        <p:cNvPr id="1" name=""/>
+        <p:cNvGrpSpPr/>
+        <p:nvPr/>
+      </p:nvGrpSpPr>
+      <p:grpSpPr>
+        <a:xfrm>
+          <a:off x="0" y="0"/>
+          <a:ext cx="0" cy="0"/>
+          <a:chOff x="0" y="0"/>
+          <a:chExt cx="0" cy="0"/>
+        </a:xfrm>
+      </p:grpSpPr>
+      <p:sp>
+        <p:nvSpPr>
+          <p:cNvPr id="2" name="Title 1">
+            <a:extLst>
+              <a:ext uri="{FF2B5EF4-FFF2-40B4-BE49-F238E27FC236}">
+                <a16:creationId xmlns:a16="http://schemas.microsoft.com/office/drawing/2014/main" id="{67920E9F-9A50-4808-8DD4-6DE5FC7B4BBD}"/>
+              </a:ext>
+            </a:extLst>
+          </p:cNvPr>
+          <p:cNvSpPr>
+            <a:spLocks noGrp="1"/>
+          </p:cNvSpPr>
+          <p:nvPr>
+            <p:ph type="title"/>
+          </p:nvPr>
+        </p:nvSpPr>
+        <p:spPr>
+          <a:xfrm>
+            <a:off x="1126958" y="-230021"/>
+            <a:ext cx="10515600" cy="1325563"/>
+          </a:xfrm>
+        </p:spPr>
+        <p:txBody>
+          <a:bodyPr/>
+          <a:lstStyle/>
+          <a:p>
+            <a:r>
+              <a:rPr lang="en-US" dirty="0"/>
+              <a:t>Total Upregulated Gene List</a:t>
+            </a:r>
+          </a:p>
+        </p:txBody>
+      </p:sp>
+      <p:sp>
+        <p:nvSpPr>
+          <p:cNvPr id="3" name="Content Placeholder 2">
+            <a:extLst>
+              <a:ext uri="{FF2B5EF4-FFF2-40B4-BE49-F238E27FC236}">
+                <a16:creationId xmlns:a16="http://schemas.microsoft.com/office/drawing/2014/main" id="{0863DCAD-9BED-4256-868F-8D51A23CD020}"/>
+              </a:ext>
+            </a:extLst>
+          </p:cNvPr>
+          <p:cNvSpPr>
+            <a:spLocks noGrp="1"/>
+          </p:cNvSpPr>
+          <p:nvPr>
+            <p:ph idx="1"/>
+          </p:nvPr>
+        </p:nvSpPr>
+        <p:spPr>
+          <a:xfrm>
+            <a:off x="838200" y="1825625"/>
+            <a:ext cx="2450432" cy="4351338"/>
+          </a:xfrm>
+        </p:spPr>
+        <p:txBody>
+          <a:bodyPr>
+            <a:normAutofit fontScale="92500" lnSpcReduction="10000"/>
+          </a:bodyPr>
+          <a:lstStyle/>
+          <a:p>
+            <a:pPr lvl="1"/>
+            <a:r>
+              <a:rPr lang="en-US" dirty="0"/>
+              <a:t>TBX1</a:t>
+            </a:r>
+          </a:p>
+          <a:p>
+            <a:pPr lvl="1"/>
+            <a:r>
+              <a:rPr lang="en-US" dirty="0"/>
+              <a:t>MYF6</a:t>
+            </a:r>
+          </a:p>
+          <a:p>
+            <a:pPr lvl="1"/>
+            <a:r>
+              <a:rPr lang="en-US" dirty="0"/>
+              <a:t>SIX2</a:t>
+            </a:r>
+          </a:p>
+          <a:p>
+            <a:pPr lvl="1"/>
+            <a:r>
+              <a:rPr lang="en-US" dirty="0"/>
+              <a:t>CREBBP</a:t>
+            </a:r>
+          </a:p>
+          <a:p>
+            <a:pPr lvl="1"/>
+            <a:r>
+              <a:rPr lang="en-US" dirty="0"/>
+              <a:t>LRG1</a:t>
+            </a:r>
+          </a:p>
+          <a:p>
+            <a:pPr lvl="1"/>
+            <a:r>
+              <a:rPr lang="en-US" dirty="0"/>
+              <a:t>EP300</a:t>
+            </a:r>
+          </a:p>
+          <a:p>
+            <a:pPr lvl="1"/>
+            <a:r>
+              <a:rPr lang="en-US" dirty="0"/>
+              <a:t>RNF111</a:t>
+            </a:r>
+          </a:p>
+          <a:p>
+            <a:pPr lvl="1"/>
+            <a:r>
+              <a:rPr lang="en-US" dirty="0"/>
+              <a:t>HIPK2</a:t>
+            </a:r>
+          </a:p>
+          <a:p>
+            <a:pPr lvl="1"/>
+            <a:r>
+              <a:rPr lang="en-US" dirty="0"/>
+              <a:t>BMPR2</a:t>
+            </a:r>
+          </a:p>
+          <a:p>
+            <a:pPr lvl="1"/>
+            <a:r>
+              <a:rPr lang="en-US" dirty="0"/>
+              <a:t>FOXF1</a:t>
+            </a:r>
+          </a:p>
+          <a:p>
+            <a:pPr lvl="1"/>
+            <a:r>
+              <a:rPr lang="en-US" dirty="0"/>
+              <a:t>NF1</a:t>
+            </a:r>
+          </a:p>
+          <a:p>
+            <a:pPr lvl="1"/>
+            <a:r>
+              <a:rPr lang="en-US" dirty="0"/>
+              <a:t>PKD2</a:t>
+            </a:r>
+          </a:p>
+          <a:p>
+            <a:pPr lvl="1"/>
+            <a:r>
+              <a:rPr lang="en-US" dirty="0"/>
+              <a:t>TBX2</a:t>
+            </a:r>
+          </a:p>
+          <a:p>
+            <a:pPr lvl="1"/>
+            <a:endParaRPr lang="en-US" dirty="0"/>
+          </a:p>
+          <a:p>
+            <a:pPr lvl="1"/>
+            <a:endParaRPr lang="en-US" dirty="0"/>
+          </a:p>
+          <a:p>
+            <a:endParaRPr lang="en-US" dirty="0"/>
+          </a:p>
+        </p:txBody>
+      </p:sp>
+      <p:sp>
+        <p:nvSpPr>
+          <p:cNvPr id="4" name="Content Placeholder 2">
+            <a:extLst>
+              <a:ext uri="{FF2B5EF4-FFF2-40B4-BE49-F238E27FC236}">
+                <a16:creationId xmlns:a16="http://schemas.microsoft.com/office/drawing/2014/main" id="{E655B7DD-13A3-40B1-BB1F-BDFD3E965E9C}"/>
+              </a:ext>
+            </a:extLst>
+          </p:cNvPr>
+          <p:cNvSpPr txBox="1">
+            <a:spLocks/>
+          </p:cNvSpPr>
+          <p:nvPr/>
+        </p:nvSpPr>
+        <p:spPr>
+          <a:xfrm>
+            <a:off x="4106778" y="1577348"/>
+            <a:ext cx="3043990" cy="4847891"/>
+          </a:xfrm>
+          <a:prstGeom prst="rect">
+            <a:avLst/>
+          </a:prstGeom>
+        </p:spPr>
+        <p:txBody>
+          <a:bodyPr vert="horz" lIns="91440" tIns="45720" rIns="91440" bIns="45720" rtlCol="0">
+            <a:normAutofit fontScale="92500" lnSpcReduction="20000"/>
+          </a:bodyPr>
+          <a:lstStyle>
+            <a:lvl1pPr marL="228600" indent="-228600" algn="l" defTabSz="914400" rtl="0" eaLnBrk="1" latinLnBrk="0" hangingPunct="1">
+              <a:lnSpc>
+                <a:spcPct val="90000"/>
+              </a:lnSpc>
+              <a:spcBef>
+                <a:spcPts val="1000"/>
+              </a:spcBef>
+              <a:buFont typeface="Arial" panose="020B0604020202020204" pitchFamily="34" charset="0"/>
+              <a:buChar char="•"/>
+              <a:defRPr sz="2800" kern="1200">
+                <a:solidFill>
+                  <a:schemeClr val="tx1"/>
+                </a:solidFill>
+                <a:latin typeface="+mn-lt"/>
+                <a:ea typeface="+mn-ea"/>
+                <a:cs typeface="+mn-cs"/>
+              </a:defRPr>
+            </a:lvl1pPr>
+            <a:lvl2pPr marL="685800" indent="-228600" algn="l" defTabSz="914400" rtl="0" eaLnBrk="1" latinLnBrk="0" hangingPunct="1">
+              <a:lnSpc>
+                <a:spcPct val="90000"/>
+              </a:lnSpc>
+              <a:spcBef>
+                <a:spcPts val="500"/>
+              </a:spcBef>
+              <a:buFont typeface="Arial" panose="020B0604020202020204" pitchFamily="34" charset="0"/>
+              <a:buChar char="•"/>
+              <a:defRPr sz="2400" kern="1200">
+                <a:solidFill>
+                  <a:schemeClr val="tx1"/>
+                </a:solidFill>
+                <a:latin typeface="+mn-lt"/>
+                <a:ea typeface="+mn-ea"/>
+                <a:cs typeface="+mn-cs"/>
+              </a:defRPr>
+            </a:lvl2pPr>
+            <a:lvl3pPr marL="1143000" indent="-228600" algn="l" defTabSz="914400" rtl="0" eaLnBrk="1" latinLnBrk="0" hangingPunct="1">
+              <a:lnSpc>
+                <a:spcPct val="90000"/>
+              </a:lnSpc>
+              <a:spcBef>
+                <a:spcPts val="500"/>
+              </a:spcBef>
+              <a:buFont typeface="Arial" panose="020B0604020202020204" pitchFamily="34" charset="0"/>
+              <a:buChar char="•"/>
+              <a:defRPr sz="2000" kern="1200">
+                <a:solidFill>
+                  <a:schemeClr val="tx1"/>
+                </a:solidFill>
+                <a:latin typeface="+mn-lt"/>
+                <a:ea typeface="+mn-ea"/>
+                <a:cs typeface="+mn-cs"/>
+              </a:defRPr>
+            </a:lvl3pPr>
+            <a:lvl4pPr marL="1600200" indent="-228600" algn="l" defTabSz="914400" rtl="0" eaLnBrk="1" latinLnBrk="0" hangingPunct="1">
+              <a:lnSpc>
+                <a:spcPct val="90000"/>
+              </a:lnSpc>
+              <a:spcBef>
+                <a:spcPts val="500"/>
+              </a:spcBef>
+              <a:buFont typeface="Arial" panose="020B0604020202020204" pitchFamily="34" charset="0"/>
+              <a:buChar char="•"/>
+              <a:defRPr sz="1800" kern="1200">
+                <a:solidFill>
+                  <a:schemeClr val="tx1"/>
+                </a:solidFill>
+                <a:latin typeface="+mn-lt"/>
+                <a:ea typeface="+mn-ea"/>
+                <a:cs typeface="+mn-cs"/>
+              </a:defRPr>
+            </a:lvl4pPr>
+            <a:lvl5pPr marL="2057400" indent="-228600" algn="l" defTabSz="914400" rtl="0" eaLnBrk="1" latinLnBrk="0" hangingPunct="1">
+              <a:lnSpc>
+                <a:spcPct val="90000"/>
+              </a:lnSpc>
+              <a:spcBef>
+                <a:spcPts val="500"/>
+              </a:spcBef>
+              <a:buFont typeface="Arial" panose="020B0604020202020204" pitchFamily="34" charset="0"/>
+              <a:buChar char="•"/>
+              <a:defRPr sz="1800" kern="1200">
+                <a:solidFill>
+                  <a:schemeClr val="tx1"/>
+                </a:solidFill>
+                <a:latin typeface="+mn-lt"/>
+                <a:ea typeface="+mn-ea"/>
+                <a:cs typeface="+mn-cs"/>
+              </a:defRPr>
+            </a:lvl5pPr>
+            <a:lvl6pPr marL="2514600" indent="-228600" algn="l" defTabSz="914400" rtl="0" eaLnBrk="1" latinLnBrk="0" hangingPunct="1">
+              <a:lnSpc>
+                <a:spcPct val="90000"/>
+              </a:lnSpc>
+              <a:spcBef>
+                <a:spcPts val="500"/>
+              </a:spcBef>
+              <a:buFont typeface="Arial" panose="020B0604020202020204" pitchFamily="34" charset="0"/>
+              <a:buChar char="•"/>
+              <a:defRPr sz="1800" kern="1200">
+                <a:solidFill>
+                  <a:schemeClr val="tx1"/>
+                </a:solidFill>
+                <a:latin typeface="+mn-lt"/>
+                <a:ea typeface="+mn-ea"/>
+                <a:cs typeface="+mn-cs"/>
+              </a:defRPr>
+            </a:lvl6pPr>
+            <a:lvl7pPr marL="2971800" indent="-228600" algn="l" defTabSz="914400" rtl="0" eaLnBrk="1" latinLnBrk="0" hangingPunct="1">
+              <a:lnSpc>
+                <a:spcPct val="90000"/>
+              </a:lnSpc>
+              <a:spcBef>
+                <a:spcPts val="500"/>
+              </a:spcBef>
+              <a:buFont typeface="Arial" panose="020B0604020202020204" pitchFamily="34" charset="0"/>
+              <a:buChar char="•"/>
+              <a:defRPr sz="1800" kern="1200">
+                <a:solidFill>
+                  <a:schemeClr val="tx1"/>
+                </a:solidFill>
+                <a:latin typeface="+mn-lt"/>
+                <a:ea typeface="+mn-ea"/>
+                <a:cs typeface="+mn-cs"/>
+              </a:defRPr>
+            </a:lvl7pPr>
+            <a:lvl8pPr marL="3429000" indent="-228600" algn="l" defTabSz="914400" rtl="0" eaLnBrk="1" latinLnBrk="0" hangingPunct="1">
+              <a:lnSpc>
+                <a:spcPct val="90000"/>
+              </a:lnSpc>
+              <a:spcBef>
+                <a:spcPts val="500"/>
+              </a:spcBef>
+              <a:buFont typeface="Arial" panose="020B0604020202020204" pitchFamily="34" charset="0"/>
+              <a:buChar char="•"/>
+              <a:defRPr sz="1800" kern="1200">
+                <a:solidFill>
+                  <a:schemeClr val="tx1"/>
+                </a:solidFill>
+                <a:latin typeface="+mn-lt"/>
+                <a:ea typeface="+mn-ea"/>
+                <a:cs typeface="+mn-cs"/>
+              </a:defRPr>
+            </a:lvl8pPr>
+            <a:lvl9pPr marL="3886200" indent="-228600" algn="l" defTabSz="914400" rtl="0" eaLnBrk="1" latinLnBrk="0" hangingPunct="1">
+              <a:lnSpc>
+                <a:spcPct val="90000"/>
+              </a:lnSpc>
+              <a:spcBef>
+                <a:spcPts val="500"/>
+              </a:spcBef>
+              <a:buFont typeface="Arial" panose="020B0604020202020204" pitchFamily="34" charset="0"/>
+              <a:buChar char="•"/>
+              <a:defRPr sz="1800" kern="1200">
+                <a:solidFill>
+                  <a:schemeClr val="tx1"/>
+                </a:solidFill>
+                <a:latin typeface="+mn-lt"/>
+                <a:ea typeface="+mn-ea"/>
+                <a:cs typeface="+mn-cs"/>
+              </a:defRPr>
+            </a:lvl9pPr>
+          </a:lstStyle>
+          <a:p>
+            <a:pPr lvl="1"/>
+            <a:r>
+              <a:rPr lang="en-US" dirty="0"/>
+              <a:t>SPEF1</a:t>
+            </a:r>
+          </a:p>
+          <a:p>
+            <a:pPr lvl="1"/>
+            <a:r>
+              <a:rPr lang="en-US" dirty="0"/>
+              <a:t>NAV3</a:t>
+            </a:r>
+          </a:p>
+          <a:p>
+            <a:pPr lvl="1"/>
+            <a:r>
+              <a:rPr lang="en-US" dirty="0"/>
+              <a:t>ATXN7</a:t>
+            </a:r>
+          </a:p>
+          <a:p>
+            <a:pPr lvl="1"/>
+            <a:r>
+              <a:rPr lang="en-US" dirty="0"/>
+              <a:t>TAOK1</a:t>
+            </a:r>
+          </a:p>
+          <a:p>
+            <a:pPr lvl="1"/>
+            <a:r>
+              <a:rPr lang="en-US" dirty="0"/>
+              <a:t>FOXC1</a:t>
+            </a:r>
+          </a:p>
+          <a:p>
+            <a:pPr lvl="1"/>
+            <a:r>
+              <a:rPr lang="en-US" dirty="0"/>
+              <a:t>SEMA6A</a:t>
+            </a:r>
+          </a:p>
+          <a:p>
+            <a:pPr lvl="1"/>
+            <a:r>
+              <a:rPr lang="en-US" dirty="0"/>
+              <a:t>SERPINE1</a:t>
+            </a:r>
+          </a:p>
+          <a:p>
+            <a:pPr lvl="1"/>
+            <a:r>
+              <a:rPr lang="en-US" dirty="0"/>
+              <a:t>HIPK1</a:t>
+            </a:r>
+          </a:p>
+          <a:p>
+            <a:pPr lvl="1"/>
+            <a:r>
+              <a:rPr lang="en-US" dirty="0"/>
+              <a:t>RUNX1</a:t>
+            </a:r>
+          </a:p>
+          <a:p>
+            <a:pPr lvl="1"/>
+            <a:r>
+              <a:rPr lang="en-US" dirty="0"/>
+              <a:t>SPRED1</a:t>
+            </a:r>
+          </a:p>
+          <a:p>
+            <a:pPr lvl="1"/>
+            <a:r>
+              <a:rPr lang="en-US" dirty="0"/>
+              <a:t>ADAMTS1</a:t>
+            </a:r>
+          </a:p>
+          <a:p>
+            <a:pPr lvl="1"/>
+            <a:r>
+              <a:rPr lang="en-US" dirty="0"/>
+              <a:t>AGO2</a:t>
+            </a:r>
+          </a:p>
+          <a:p>
+            <a:pPr lvl="1"/>
+            <a:r>
+              <a:rPr lang="en-US" dirty="0"/>
+              <a:t>STAB1</a:t>
+            </a:r>
+          </a:p>
+          <a:p>
+            <a:pPr lvl="1"/>
+            <a:r>
+              <a:rPr lang="en-US" dirty="0"/>
+              <a:t>ANGPTL4</a:t>
+            </a:r>
+          </a:p>
+          <a:p>
+            <a:pPr lvl="1"/>
+            <a:r>
+              <a:rPr lang="en-US" dirty="0"/>
+              <a:t>EPHA1</a:t>
+            </a:r>
+          </a:p>
+          <a:p>
+            <a:pPr lvl="1"/>
+            <a:endParaRPr lang="en-US" dirty="0"/>
+          </a:p>
+          <a:p>
+            <a:pPr lvl="1"/>
+            <a:endParaRPr lang="en-US" dirty="0"/>
+          </a:p>
+          <a:p>
+            <a:pPr lvl="1"/>
+            <a:endParaRPr lang="en-US" dirty="0"/>
+          </a:p>
+          <a:p>
+            <a:endParaRPr lang="en-US" dirty="0"/>
+          </a:p>
+        </p:txBody>
+      </p:sp>
+      <p:sp>
+        <p:nvSpPr>
+          <p:cNvPr id="5" name="Content Placeholder 2">
+            <a:extLst>
+              <a:ext uri="{FF2B5EF4-FFF2-40B4-BE49-F238E27FC236}">
+                <a16:creationId xmlns:a16="http://schemas.microsoft.com/office/drawing/2014/main" id="{350C87D2-6B9B-45CF-A721-FB04F8B3CEBF}"/>
+              </a:ext>
+            </a:extLst>
+          </p:cNvPr>
+          <p:cNvSpPr txBox="1">
+            <a:spLocks/>
+          </p:cNvSpPr>
+          <p:nvPr/>
+        </p:nvSpPr>
+        <p:spPr>
+          <a:xfrm>
+            <a:off x="7263063" y="1690688"/>
+            <a:ext cx="3043990" cy="4847891"/>
+          </a:xfrm>
+          <a:prstGeom prst="rect">
+            <a:avLst/>
+          </a:prstGeom>
+        </p:spPr>
+        <p:txBody>
+          <a:bodyPr vert="horz" lIns="91440" tIns="45720" rIns="91440" bIns="45720" rtlCol="0">
+            <a:normAutofit/>
+          </a:bodyPr>
+          <a:lstStyle>
+            <a:lvl1pPr marL="228600" indent="-228600" algn="l" defTabSz="914400" rtl="0" eaLnBrk="1" latinLnBrk="0" hangingPunct="1">
+              <a:lnSpc>
+                <a:spcPct val="90000"/>
+              </a:lnSpc>
+              <a:spcBef>
+                <a:spcPts val="1000"/>
+              </a:spcBef>
+              <a:buFont typeface="Arial" panose="020B0604020202020204" pitchFamily="34" charset="0"/>
+              <a:buChar char="•"/>
+              <a:defRPr sz="2800" kern="1200">
+                <a:solidFill>
+                  <a:schemeClr val="tx1"/>
+                </a:solidFill>
+                <a:latin typeface="+mn-lt"/>
+                <a:ea typeface="+mn-ea"/>
+                <a:cs typeface="+mn-cs"/>
+              </a:defRPr>
+            </a:lvl1pPr>
+            <a:lvl2pPr marL="685800" indent="-228600" algn="l" defTabSz="914400" rtl="0" eaLnBrk="1" latinLnBrk="0" hangingPunct="1">
+              <a:lnSpc>
+                <a:spcPct val="90000"/>
+              </a:lnSpc>
+              <a:spcBef>
+                <a:spcPts val="500"/>
+              </a:spcBef>
+              <a:buFont typeface="Arial" panose="020B0604020202020204" pitchFamily="34" charset="0"/>
+              <a:buChar char="•"/>
+              <a:defRPr sz="2400" kern="1200">
+                <a:solidFill>
+                  <a:schemeClr val="tx1"/>
+                </a:solidFill>
+                <a:latin typeface="+mn-lt"/>
+                <a:ea typeface="+mn-ea"/>
+                <a:cs typeface="+mn-cs"/>
+              </a:defRPr>
+            </a:lvl2pPr>
+            <a:lvl3pPr marL="1143000" indent="-228600" algn="l" defTabSz="914400" rtl="0" eaLnBrk="1" latinLnBrk="0" hangingPunct="1">
+              <a:lnSpc>
+                <a:spcPct val="90000"/>
+              </a:lnSpc>
+              <a:spcBef>
+                <a:spcPts val="500"/>
+              </a:spcBef>
+              <a:buFont typeface="Arial" panose="020B0604020202020204" pitchFamily="34" charset="0"/>
+              <a:buChar char="•"/>
+              <a:defRPr sz="2000" kern="1200">
+                <a:solidFill>
+                  <a:schemeClr val="tx1"/>
+                </a:solidFill>
+                <a:latin typeface="+mn-lt"/>
+                <a:ea typeface="+mn-ea"/>
+                <a:cs typeface="+mn-cs"/>
+              </a:defRPr>
+            </a:lvl3pPr>
+            <a:lvl4pPr marL="1600200" indent="-228600" algn="l" defTabSz="914400" rtl="0" eaLnBrk="1" latinLnBrk="0" hangingPunct="1">
+              <a:lnSpc>
+                <a:spcPct val="90000"/>
+              </a:lnSpc>
+              <a:spcBef>
+                <a:spcPts val="500"/>
+              </a:spcBef>
+              <a:buFont typeface="Arial" panose="020B0604020202020204" pitchFamily="34" charset="0"/>
+              <a:buChar char="•"/>
+              <a:defRPr sz="1800" kern="1200">
+                <a:solidFill>
+                  <a:schemeClr val="tx1"/>
+                </a:solidFill>
+                <a:latin typeface="+mn-lt"/>
+                <a:ea typeface="+mn-ea"/>
+                <a:cs typeface="+mn-cs"/>
+              </a:defRPr>
+            </a:lvl4pPr>
+            <a:lvl5pPr marL="2057400" indent="-228600" algn="l" defTabSz="914400" rtl="0" eaLnBrk="1" latinLnBrk="0" hangingPunct="1">
+              <a:lnSpc>
+                <a:spcPct val="90000"/>
+              </a:lnSpc>
+              <a:spcBef>
+                <a:spcPts val="500"/>
+              </a:spcBef>
+              <a:buFont typeface="Arial" panose="020B0604020202020204" pitchFamily="34" charset="0"/>
+              <a:buChar char="•"/>
+              <a:defRPr sz="1800" kern="1200">
+                <a:solidFill>
+                  <a:schemeClr val="tx1"/>
+                </a:solidFill>
+                <a:latin typeface="+mn-lt"/>
+                <a:ea typeface="+mn-ea"/>
+                <a:cs typeface="+mn-cs"/>
+              </a:defRPr>
+            </a:lvl5pPr>
+            <a:lvl6pPr marL="2514600" indent="-228600" algn="l" defTabSz="914400" rtl="0" eaLnBrk="1" latinLnBrk="0" hangingPunct="1">
+              <a:lnSpc>
+                <a:spcPct val="90000"/>
+              </a:lnSpc>
+              <a:spcBef>
+                <a:spcPts val="500"/>
+              </a:spcBef>
+              <a:buFont typeface="Arial" panose="020B0604020202020204" pitchFamily="34" charset="0"/>
+              <a:buChar char="•"/>
+              <a:defRPr sz="1800" kern="1200">
+                <a:solidFill>
+                  <a:schemeClr val="tx1"/>
+                </a:solidFill>
+                <a:latin typeface="+mn-lt"/>
+                <a:ea typeface="+mn-ea"/>
+                <a:cs typeface="+mn-cs"/>
+              </a:defRPr>
+            </a:lvl6pPr>
+            <a:lvl7pPr marL="2971800" indent="-228600" algn="l" defTabSz="914400" rtl="0" eaLnBrk="1" latinLnBrk="0" hangingPunct="1">
+              <a:lnSpc>
+                <a:spcPct val="90000"/>
+              </a:lnSpc>
+              <a:spcBef>
+                <a:spcPts val="500"/>
+              </a:spcBef>
+              <a:buFont typeface="Arial" panose="020B0604020202020204" pitchFamily="34" charset="0"/>
+              <a:buChar char="•"/>
+              <a:defRPr sz="1800" kern="1200">
+                <a:solidFill>
+                  <a:schemeClr val="tx1"/>
+                </a:solidFill>
+                <a:latin typeface="+mn-lt"/>
+                <a:ea typeface="+mn-ea"/>
+                <a:cs typeface="+mn-cs"/>
+              </a:defRPr>
+            </a:lvl7pPr>
+            <a:lvl8pPr marL="3429000" indent="-228600" algn="l" defTabSz="914400" rtl="0" eaLnBrk="1" latinLnBrk="0" hangingPunct="1">
+              <a:lnSpc>
+                <a:spcPct val="90000"/>
+              </a:lnSpc>
+              <a:spcBef>
+                <a:spcPts val="500"/>
+              </a:spcBef>
+              <a:buFont typeface="Arial" panose="020B0604020202020204" pitchFamily="34" charset="0"/>
+              <a:buChar char="•"/>
+              <a:defRPr sz="1800" kern="1200">
+                <a:solidFill>
+                  <a:schemeClr val="tx1"/>
+                </a:solidFill>
+                <a:latin typeface="+mn-lt"/>
+                <a:ea typeface="+mn-ea"/>
+                <a:cs typeface="+mn-cs"/>
+              </a:defRPr>
+            </a:lvl8pPr>
+            <a:lvl9pPr marL="3886200" indent="-228600" algn="l" defTabSz="914400" rtl="0" eaLnBrk="1" latinLnBrk="0" hangingPunct="1">
+              <a:lnSpc>
+                <a:spcPct val="90000"/>
+              </a:lnSpc>
+              <a:spcBef>
+                <a:spcPts val="500"/>
+              </a:spcBef>
+              <a:buFont typeface="Arial" panose="020B0604020202020204" pitchFamily="34" charset="0"/>
+              <a:buChar char="•"/>
+              <a:defRPr sz="1800" kern="1200">
+                <a:solidFill>
+                  <a:schemeClr val="tx1"/>
+                </a:solidFill>
+                <a:latin typeface="+mn-lt"/>
+                <a:ea typeface="+mn-ea"/>
+                <a:cs typeface="+mn-cs"/>
+              </a:defRPr>
+            </a:lvl9pPr>
+          </a:lstStyle>
+          <a:p>
+            <a:pPr lvl="1"/>
+            <a:endParaRPr lang="en-US" dirty="0"/>
+          </a:p>
+          <a:p>
+            <a:pPr lvl="1"/>
+            <a:r>
+              <a:rPr lang="en-US" dirty="0"/>
+              <a:t>S100A9</a:t>
+            </a:r>
+          </a:p>
+          <a:p>
+            <a:pPr lvl="1"/>
+            <a:r>
+              <a:rPr lang="en-US" dirty="0"/>
+              <a:t>S100A8</a:t>
+            </a:r>
+          </a:p>
+          <a:p>
+            <a:pPr lvl="1"/>
+            <a:r>
+              <a:rPr lang="en-US" dirty="0"/>
+              <a:t>USP7</a:t>
+            </a:r>
+          </a:p>
+          <a:p>
+            <a:pPr lvl="1"/>
+            <a:r>
+              <a:rPr lang="en-US" dirty="0"/>
+              <a:t>HNRNPAB</a:t>
+            </a:r>
+          </a:p>
+          <a:p>
+            <a:pPr lvl="1"/>
+            <a:r>
+              <a:rPr lang="en-US" dirty="0"/>
+              <a:t>CSRP3</a:t>
+            </a:r>
+          </a:p>
+          <a:p>
+            <a:pPr lvl="1"/>
+            <a:r>
+              <a:rPr lang="en-US" dirty="0"/>
+              <a:t>PIEZO1</a:t>
+            </a:r>
+          </a:p>
+          <a:p>
+            <a:pPr lvl="1"/>
+            <a:r>
+              <a:rPr lang="en-US" dirty="0"/>
+              <a:t>CLN3</a:t>
+            </a:r>
+          </a:p>
+          <a:p>
+            <a:pPr lvl="1"/>
+            <a:r>
+              <a:rPr lang="en-US" dirty="0"/>
+              <a:t>MYCBP2</a:t>
+            </a:r>
+          </a:p>
+          <a:p>
+            <a:pPr lvl="1"/>
+            <a:r>
+              <a:rPr lang="en-US" dirty="0"/>
+              <a:t>SHANK1</a:t>
+            </a:r>
+          </a:p>
+          <a:p>
+            <a:pPr lvl="1"/>
+            <a:endParaRPr lang="en-US" dirty="0"/>
+          </a:p>
+          <a:p>
+            <a:pPr lvl="1"/>
+            <a:endParaRPr lang="en-US" dirty="0"/>
+          </a:p>
+          <a:p>
+            <a:pPr lvl="1"/>
+            <a:endParaRPr lang="en-US" dirty="0"/>
+          </a:p>
+          <a:p>
+            <a:endParaRPr lang="en-US" dirty="0"/>
+          </a:p>
+        </p:txBody>
+      </p:sp>
+    </p:spTree>
+    <p:extLst>
+      <p:ext uri="{BB962C8B-B14F-4D97-AF65-F5344CB8AC3E}">
+        <p14:creationId xmlns:p14="http://schemas.microsoft.com/office/powerpoint/2010/main" val="1856362074"/>
+      </p:ext>
+    </p:extLst>
+  </p:cSld>
+  <p:clrMapOvr>
+    <a:masterClrMapping/>
+  </p:clrMapOvr>
+</p:sld>
+</file>
+
+<file path=ppt/slides/slide4.xml><?xml version="1.0" encoding="utf-8"?>
+<p:sld xmlns:a="http://schemas.openxmlformats.org/drawingml/2006/main" xmlns:r="http://schemas.openxmlformats.org/officeDocument/2006/relationships" xmlns:p="http://schemas.openxmlformats.org/presentationml/2006/main">
+  <p:cSld>
+    <p:bg>
+      <p:bgPr>
+        <a:solidFill>
+          <a:schemeClr val="accent4">
+            <a:lumMod val="20000"/>
+            <a:lumOff val="80000"/>
+          </a:schemeClr>
+        </a:solidFill>
+        <a:effectLst/>
+      </p:bgPr>
+    </p:bg>
+    <p:spTree>
+      <p:nvGrpSpPr>
+        <p:cNvPr id="1" name="">
+          <a:extLst>
+            <a:ext uri="{FF2B5EF4-FFF2-40B4-BE49-F238E27FC236}">
+              <a16:creationId xmlns:a16="http://schemas.microsoft.com/office/drawing/2014/main" id="{211CAD3E-6B09-BD3A-81AE-22AA05ECDF2D}"/>
+            </a:ext>
+          </a:extLst>
+        </p:cNvPr>
+        <p:cNvGrpSpPr/>
+        <p:nvPr/>
+      </p:nvGrpSpPr>
+      <p:grpSpPr>
+        <a:xfrm>
+          <a:off x="0" y="0"/>
+          <a:ext cx="0" cy="0"/>
+          <a:chOff x="0" y="0"/>
+          <a:chExt cx="0" cy="0"/>
+        </a:xfrm>
+      </p:grpSpPr>
+      <p:sp>
+        <p:nvSpPr>
+          <p:cNvPr id="2" name="Title 1">
+            <a:extLst>
+              <a:ext uri="{FF2B5EF4-FFF2-40B4-BE49-F238E27FC236}">
+                <a16:creationId xmlns:a16="http://schemas.microsoft.com/office/drawing/2014/main" id="{71AE5719-8CC7-FE3B-6870-559613746149}"/>
+              </a:ext>
+            </a:extLst>
+          </p:cNvPr>
+          <p:cNvSpPr>
+            <a:spLocks noGrp="1"/>
+          </p:cNvSpPr>
+          <p:nvPr>
+            <p:ph type="title"/>
+          </p:nvPr>
+        </p:nvSpPr>
+        <p:spPr>
+          <a:xfrm>
+            <a:off x="838200" y="0"/>
+            <a:ext cx="10515600" cy="1325563"/>
+          </a:xfrm>
+        </p:spPr>
+        <p:txBody>
+          <a:bodyPr/>
+          <a:lstStyle/>
+          <a:p>
+            <a:pPr algn="ctr"/>
+            <a:r>
+              <a:rPr lang="en-US" b="1" u="sng" dirty="0">
+                <a:latin typeface="Aharoni" panose="02010803020104030203" pitchFamily="2" charset="-79"/>
+                <a:cs typeface="Aharoni" panose="02010803020104030203" pitchFamily="2" charset="-79"/>
+              </a:rPr>
+              <a:t>Results</a:t>
+            </a:r>
+          </a:p>
+        </p:txBody>
+      </p:sp>
+    </p:spTree>
+    <p:extLst>
+      <p:ext uri="{BB962C8B-B14F-4D97-AF65-F5344CB8AC3E}">
+        <p14:creationId xmlns:p14="http://schemas.microsoft.com/office/powerpoint/2010/main" val="3393434280"/>
+      </p:ext>
+    </p:extLst>
+  </p:cSld>
+  <p:clrMapOvr>
+    <a:masterClrMapping/>
+  </p:clrMapOvr>
+</p:sld>
+</file>
+
+<file path=ppt/slides/slide5.xml><?xml version="1.0" encoding="utf-8"?>
+<p:sld xmlns:a="http://schemas.openxmlformats.org/drawingml/2006/main" xmlns:r="http://schemas.openxmlformats.org/officeDocument/2006/relationships" xmlns:p="http://schemas.openxmlformats.org/presentationml/2006/main">
+  <p:cSld>
+    <p:bg>
+      <p:bgPr>
+        <a:solidFill>
+          <a:schemeClr val="accent4">
+            <a:lumMod val="20000"/>
+            <a:lumOff val="80000"/>
+          </a:schemeClr>
+        </a:solidFill>
+        <a:effectLst/>
+      </p:bgPr>
+    </p:bg>
+    <p:spTree>
+      <p:nvGrpSpPr>
+        <p:cNvPr id="1" name=""/>
+        <p:cNvGrpSpPr/>
+        <p:nvPr/>
+      </p:nvGrpSpPr>
+      <p:grpSpPr>
+        <a:xfrm>
+          <a:off x="0" y="0"/>
+          <a:ext cx="0" cy="0"/>
+          <a:chOff x="0" y="0"/>
+          <a:chExt cx="0" cy="0"/>
+        </a:xfrm>
+      </p:grpSpPr>
+      <p:sp>
+        <p:nvSpPr>
+          <p:cNvPr id="2" name="Title 1">
+            <a:extLst>
+              <a:ext uri="{FF2B5EF4-FFF2-40B4-BE49-F238E27FC236}">
+                <a16:creationId xmlns:a16="http://schemas.microsoft.com/office/drawing/2014/main" id="{F11D55E7-C46C-45A0-5B9B-CA7F237A5D83}"/>
+              </a:ext>
+            </a:extLst>
+          </p:cNvPr>
+          <p:cNvSpPr>
+            <a:spLocks noGrp="1"/>
+          </p:cNvSpPr>
+          <p:nvPr>
+            <p:ph type="title"/>
+          </p:nvPr>
+        </p:nvSpPr>
+        <p:spPr>
+          <a:xfrm>
+            <a:off x="838200" y="0"/>
+            <a:ext cx="10515600" cy="1325563"/>
+          </a:xfrm>
+        </p:spPr>
+        <p:txBody>
+          <a:bodyPr/>
+          <a:lstStyle/>
+          <a:p>
+            <a:pPr algn="ctr"/>
+            <a:r>
+              <a:rPr lang="en-US" b="1" u="sng" dirty="0">
+                <a:latin typeface="Aharoni" panose="02010803020104030203" pitchFamily="2" charset="-79"/>
+                <a:cs typeface="Aharoni" panose="02010803020104030203" pitchFamily="2" charset="-79"/>
+              </a:rPr>
+              <a:t>Gene Expression (grouped samples and conditions) for all genes</a:t>
+            </a:r>
+          </a:p>
+        </p:txBody>
+      </p:sp>
+      <p:pic>
+        <p:nvPicPr>
+          <p:cNvPr id="5" name="Picture 4">
+            <a:extLst>
+              <a:ext uri="{FF2B5EF4-FFF2-40B4-BE49-F238E27FC236}">
+                <a16:creationId xmlns:a16="http://schemas.microsoft.com/office/drawing/2014/main" id="{EB2788D2-B9FD-5716-FF57-CB35044DDA8F}"/>
+              </a:ext>
+            </a:extLst>
+          </p:cNvPr>
+          <p:cNvPicPr>
+            <a:picLocks noChangeAspect="1"/>
+          </p:cNvPicPr>
+          <p:nvPr/>
+        </p:nvPicPr>
+        <p:blipFill>
+          <a:blip r:embed="rId2"/>
+          <a:stretch>
+            <a:fillRect/>
+          </a:stretch>
+        </p:blipFill>
+        <p:spPr>
+          <a:xfrm>
+            <a:off x="2133809" y="1325563"/>
+            <a:ext cx="7924382" cy="5265149"/>
+          </a:xfrm>
+          <a:prstGeom prst="rect">
+            <a:avLst/>
+          </a:prstGeom>
+        </p:spPr>
+      </p:pic>
+    </p:spTree>
+    <p:extLst>
+      <p:ext uri="{BB962C8B-B14F-4D97-AF65-F5344CB8AC3E}">
+        <p14:creationId xmlns:p14="http://schemas.microsoft.com/office/powerpoint/2010/main" val="841424195"/>
+      </p:ext>
+    </p:extLst>
+  </p:cSld>
+  <p:clrMapOvr>
+    <a:masterClrMapping/>
+  </p:clrMapOvr>
+</p:sld>
+</file>
+
+<file path=ppt/slides/slide6.xml><?xml version="1.0" encoding="utf-8"?>
+<p:sld xmlns:a="http://schemas.openxmlformats.org/drawingml/2006/main" xmlns:r="http://schemas.openxmlformats.org/officeDocument/2006/relationships" xmlns:p="http://schemas.openxmlformats.org/presentationml/2006/main">
+  <p:cSld>
+    <p:bg>
+      <p:bgPr>
+        <a:solidFill>
+          <a:schemeClr val="accent4">
+            <a:lumMod val="20000"/>
+            <a:lumOff val="80000"/>
+          </a:schemeClr>
+        </a:solidFill>
+        <a:effectLst/>
+      </p:bgPr>
+    </p:bg>
+    <p:spTree>
+      <p:nvGrpSpPr>
+        <p:cNvPr id="1" name="">
+          <a:extLst>
+            <a:ext uri="{FF2B5EF4-FFF2-40B4-BE49-F238E27FC236}">
+              <a16:creationId xmlns:a16="http://schemas.microsoft.com/office/drawing/2014/main" id="{8E56E147-7995-4F2A-0918-EFE3F9DBC3FE}"/>
+            </a:ext>
+          </a:extLst>
+        </p:cNvPr>
+        <p:cNvGrpSpPr/>
+        <p:nvPr/>
+      </p:nvGrpSpPr>
+      <p:grpSpPr>
+        <a:xfrm>
+          <a:off x="0" y="0"/>
+          <a:ext cx="0" cy="0"/>
+          <a:chOff x="0" y="0"/>
+          <a:chExt cx="0" cy="0"/>
+        </a:xfrm>
+      </p:grpSpPr>
+      <p:sp>
+        <p:nvSpPr>
+          <p:cNvPr id="2" name="Title 1">
+            <a:extLst>
+              <a:ext uri="{FF2B5EF4-FFF2-40B4-BE49-F238E27FC236}">
+                <a16:creationId xmlns:a16="http://schemas.microsoft.com/office/drawing/2014/main" id="{4BA5FDDE-0DF3-C2A0-1A27-A428E8D32841}"/>
+              </a:ext>
+            </a:extLst>
+          </p:cNvPr>
+          <p:cNvSpPr>
+            <a:spLocks noGrp="1"/>
+          </p:cNvSpPr>
+          <p:nvPr>
+            <p:ph type="title"/>
+          </p:nvPr>
+        </p:nvSpPr>
+        <p:spPr>
+          <a:xfrm>
+            <a:off x="838200" y="0"/>
+            <a:ext cx="10515600" cy="1325563"/>
+          </a:xfrm>
+        </p:spPr>
+        <p:txBody>
+          <a:bodyPr/>
+          <a:lstStyle/>
+          <a:p>
+            <a:pPr algn="ctr"/>
+            <a:r>
+              <a:rPr lang="en-US" b="1" u="sng" dirty="0">
+                <a:latin typeface="Aharoni" panose="02010803020104030203" pitchFamily="2" charset="-79"/>
+                <a:cs typeface="Aharoni" panose="02010803020104030203" pitchFamily="2" charset="-79"/>
+              </a:rPr>
+              <a:t>Selecting for top 3 upregulated hits</a:t>
+            </a:r>
+          </a:p>
+        </p:txBody>
+      </p:sp>
+      <p:pic>
+        <p:nvPicPr>
+          <p:cNvPr id="4" name="Picture 3">
+            <a:extLst>
+              <a:ext uri="{FF2B5EF4-FFF2-40B4-BE49-F238E27FC236}">
+                <a16:creationId xmlns:a16="http://schemas.microsoft.com/office/drawing/2014/main" id="{9B2B54AF-CED1-BE7F-DE10-B46B92D49D84}"/>
+              </a:ext>
+            </a:extLst>
+          </p:cNvPr>
+          <p:cNvPicPr>
+            <a:picLocks noChangeAspect="1"/>
+          </p:cNvPicPr>
+          <p:nvPr/>
+        </p:nvPicPr>
+        <p:blipFill>
+          <a:blip r:embed="rId2"/>
+          <a:stretch>
+            <a:fillRect/>
+          </a:stretch>
+        </p:blipFill>
+        <p:spPr>
+          <a:xfrm>
+            <a:off x="2148731" y="1419225"/>
+            <a:ext cx="7894537" cy="5245319"/>
+          </a:xfrm>
+          <a:prstGeom prst="rect">
+            <a:avLst/>
+          </a:prstGeom>
+        </p:spPr>
+      </p:pic>
+    </p:spTree>
+    <p:extLst>
+      <p:ext uri="{BB962C8B-B14F-4D97-AF65-F5344CB8AC3E}">
+        <p14:creationId xmlns:p14="http://schemas.microsoft.com/office/powerpoint/2010/main" val="2639634200"/>
+      </p:ext>
+    </p:extLst>
+  </p:cSld>
+  <p:clrMapOvr>
+    <a:masterClrMapping/>
+  </p:clrMapOvr>
+</p:sld>
+</file>
+
+<file path=ppt/slides/slide7.xml><?xml version="1.0" encoding="utf-8"?>
+<p:sld xmlns:a="http://schemas.openxmlformats.org/drawingml/2006/main" xmlns:r="http://schemas.openxmlformats.org/officeDocument/2006/relationships" xmlns:p="http://schemas.openxmlformats.org/presentationml/2006/main">
+  <p:cSld>
+    <p:bg>
+      <p:bgPr>
+        <a:solidFill>
+          <a:schemeClr val="accent4">
+            <a:lumMod val="20000"/>
+            <a:lumOff val="80000"/>
+          </a:schemeClr>
+        </a:solidFill>
+        <a:effectLst/>
+      </p:bgPr>
+    </p:bg>
+    <p:spTree>
+      <p:nvGrpSpPr>
+        <p:cNvPr id="1" name="">
+          <a:extLst>
+            <a:ext uri="{FF2B5EF4-FFF2-40B4-BE49-F238E27FC236}">
+              <a16:creationId xmlns:a16="http://schemas.microsoft.com/office/drawing/2014/main" id="{2C2FF718-5067-0058-B033-99839DAE00C6}"/>
+            </a:ext>
+          </a:extLst>
+        </p:cNvPr>
+        <p:cNvGrpSpPr/>
+        <p:nvPr/>
+      </p:nvGrpSpPr>
+      <p:grpSpPr>
+        <a:xfrm>
+          <a:off x="0" y="0"/>
+          <a:ext cx="0" cy="0"/>
+          <a:chOff x="0" y="0"/>
+          <a:chExt cx="0" cy="0"/>
+        </a:xfrm>
+      </p:grpSpPr>
+      <p:sp>
+        <p:nvSpPr>
+          <p:cNvPr id="2" name="Title 1">
+            <a:extLst>
+              <a:ext uri="{FF2B5EF4-FFF2-40B4-BE49-F238E27FC236}">
+                <a16:creationId xmlns:a16="http://schemas.microsoft.com/office/drawing/2014/main" id="{4F459184-4FCD-FDD9-D863-8AB8B0314D59}"/>
+              </a:ext>
+            </a:extLst>
+          </p:cNvPr>
+          <p:cNvSpPr>
+            <a:spLocks noGrp="1"/>
+          </p:cNvSpPr>
+          <p:nvPr>
+            <p:ph type="title"/>
+          </p:nvPr>
+        </p:nvSpPr>
+        <p:spPr>
+          <a:xfrm>
+            <a:off x="838200" y="0"/>
+            <a:ext cx="10515600" cy="1325563"/>
+          </a:xfrm>
+        </p:spPr>
+        <p:txBody>
+          <a:bodyPr/>
+          <a:lstStyle/>
+          <a:p>
+            <a:pPr algn="ctr"/>
+            <a:r>
+              <a:rPr lang="en-US" b="1" u="sng" dirty="0">
+                <a:latin typeface="Aharoni" panose="02010803020104030203" pitchFamily="2" charset="-79"/>
+                <a:cs typeface="Aharoni" panose="02010803020104030203" pitchFamily="2" charset="-79"/>
+              </a:rPr>
+              <a:t>Removing Top 3 Hits</a:t>
+            </a:r>
+          </a:p>
+        </p:txBody>
+      </p:sp>
+      <p:pic>
+        <p:nvPicPr>
+          <p:cNvPr id="4" name="Picture 3">
+            <a:extLst>
+              <a:ext uri="{FF2B5EF4-FFF2-40B4-BE49-F238E27FC236}">
+                <a16:creationId xmlns:a16="http://schemas.microsoft.com/office/drawing/2014/main" id="{B478953D-C9B8-721F-D04E-A3139639527F}"/>
+              </a:ext>
+            </a:extLst>
+          </p:cNvPr>
+          <p:cNvPicPr>
+            <a:picLocks noChangeAspect="1"/>
+          </p:cNvPicPr>
+          <p:nvPr/>
+        </p:nvPicPr>
+        <p:blipFill>
+          <a:blip r:embed="rId2"/>
+          <a:stretch>
+            <a:fillRect/>
+          </a:stretch>
+        </p:blipFill>
+        <p:spPr>
+          <a:xfrm>
+            <a:off x="216585" y="965835"/>
+            <a:ext cx="8558429" cy="5686425"/>
+          </a:xfrm>
+          <a:prstGeom prst="rect">
+            <a:avLst/>
+          </a:prstGeom>
+        </p:spPr>
+      </p:pic>
+      <p:sp>
+        <p:nvSpPr>
+          <p:cNvPr id="5" name="TextBox 4">
+            <a:extLst>
+              <a:ext uri="{FF2B5EF4-FFF2-40B4-BE49-F238E27FC236}">
+                <a16:creationId xmlns:a16="http://schemas.microsoft.com/office/drawing/2014/main" id="{28EB016C-9E7C-F999-2EE1-916C1BA7E353}"/>
+              </a:ext>
+            </a:extLst>
+          </p:cNvPr>
+          <p:cNvSpPr txBox="1"/>
+          <p:nvPr/>
+        </p:nvSpPr>
+        <p:spPr>
+          <a:xfrm>
+            <a:off x="9037320" y="1120140"/>
+            <a:ext cx="2712720" cy="4801314"/>
+          </a:xfrm>
+          <a:prstGeom prst="rect">
+            <a:avLst/>
+          </a:prstGeom>
+          <a:noFill/>
+        </p:spPr>
+        <p:txBody>
+          <a:bodyPr wrap="square" rtlCol="0">
+            <a:spAutoFit/>
+          </a:bodyPr>
+          <a:lstStyle/>
+          <a:p>
+            <a:r>
+              <a:rPr lang="en-US" dirty="0"/>
+              <a:t>After removing top 3 hits, we can also discern that there are other more variably expressed genes, such as: </a:t>
+            </a:r>
+          </a:p>
+          <a:p>
+            <a:pPr marL="285750" indent="-285750">
+              <a:buFont typeface="Arial" panose="020B0604020202020204" pitchFamily="34" charset="0"/>
+              <a:buChar char="•"/>
+            </a:pPr>
+            <a:r>
+              <a:rPr lang="en-US" dirty="0"/>
+              <a:t>BMPR2</a:t>
+            </a:r>
+          </a:p>
+          <a:p>
+            <a:pPr marL="285750" indent="-285750">
+              <a:buFont typeface="Arial" panose="020B0604020202020204" pitchFamily="34" charset="0"/>
+              <a:buChar char="•"/>
+            </a:pPr>
+            <a:r>
+              <a:rPr lang="en-US" dirty="0"/>
+              <a:t>SPRED1</a:t>
+            </a:r>
+          </a:p>
+          <a:p>
+            <a:pPr marL="285750" indent="-285750">
+              <a:buFont typeface="Arial" panose="020B0604020202020204" pitchFamily="34" charset="0"/>
+              <a:buChar char="•"/>
+            </a:pPr>
+            <a:r>
+              <a:rPr lang="en-US" dirty="0"/>
+              <a:t>S100A8</a:t>
+            </a:r>
+          </a:p>
+          <a:p>
+            <a:pPr marL="285750" indent="-285750">
+              <a:buFont typeface="Arial" panose="020B0604020202020204" pitchFamily="34" charset="0"/>
+              <a:buChar char="•"/>
+            </a:pPr>
+            <a:r>
+              <a:rPr lang="en-US" dirty="0"/>
+              <a:t>S100A9</a:t>
+            </a:r>
+          </a:p>
+          <a:p>
+            <a:pPr marL="285750" indent="-285750">
+              <a:buFont typeface="Arial" panose="020B0604020202020204" pitchFamily="34" charset="0"/>
+              <a:buChar char="•"/>
+            </a:pPr>
+            <a:r>
+              <a:rPr lang="en-US" dirty="0"/>
+              <a:t>HIPK1</a:t>
+            </a:r>
+          </a:p>
+          <a:p>
+            <a:pPr marL="285750" indent="-285750">
+              <a:buFont typeface="Arial" panose="020B0604020202020204" pitchFamily="34" charset="0"/>
+              <a:buChar char="•"/>
+            </a:pPr>
+            <a:r>
+              <a:rPr lang="en-US" dirty="0"/>
+              <a:t>PKD2</a:t>
+            </a:r>
+          </a:p>
+          <a:p>
+            <a:pPr marL="285750" indent="-285750">
+              <a:buFont typeface="Arial" panose="020B0604020202020204" pitchFamily="34" charset="0"/>
+              <a:buChar char="•"/>
+            </a:pPr>
+            <a:r>
+              <a:rPr lang="en-US" dirty="0"/>
+              <a:t>ATXN7</a:t>
+            </a:r>
+          </a:p>
+          <a:p>
+            <a:pPr marL="285750" indent="-285750">
+              <a:buFont typeface="Arial" panose="020B0604020202020204" pitchFamily="34" charset="0"/>
+              <a:buChar char="•"/>
+            </a:pPr>
+            <a:r>
+              <a:rPr lang="en-US" dirty="0"/>
+              <a:t>MYCBP2</a:t>
+            </a:r>
+          </a:p>
+          <a:p>
+            <a:pPr marL="285750" indent="-285750">
+              <a:buFont typeface="Arial" panose="020B0604020202020204" pitchFamily="34" charset="0"/>
+              <a:buChar char="•"/>
+            </a:pPr>
+            <a:r>
+              <a:rPr lang="en-US" dirty="0"/>
+              <a:t>CREBBP</a:t>
+            </a:r>
+          </a:p>
+          <a:p>
+            <a:pPr marL="285750" indent="-285750">
+              <a:buFont typeface="Arial" panose="020B0604020202020204" pitchFamily="34" charset="0"/>
+              <a:buChar char="•"/>
+            </a:pPr>
+            <a:r>
+              <a:rPr lang="en-US" dirty="0"/>
+              <a:t>USP7</a:t>
+            </a:r>
+          </a:p>
+          <a:p>
+            <a:pPr marL="285750" indent="-285750">
+              <a:buFont typeface="Arial" panose="020B0604020202020204" pitchFamily="34" charset="0"/>
+              <a:buChar char="•"/>
+            </a:pPr>
+            <a:r>
+              <a:rPr lang="en-US" dirty="0"/>
+              <a:t>RUNX1</a:t>
+            </a:r>
+          </a:p>
+          <a:p>
+            <a:pPr marL="285750" indent="-285750">
+              <a:buFont typeface="Arial" panose="020B0604020202020204" pitchFamily="34" charset="0"/>
+              <a:buChar char="•"/>
+            </a:pPr>
+            <a:r>
+              <a:rPr lang="en-US" dirty="0"/>
+              <a:t>ANGPTL4</a:t>
+            </a:r>
+          </a:p>
+        </p:txBody>
+      </p:sp>
+    </p:spTree>
+    <p:extLst>
+      <p:ext uri="{BB962C8B-B14F-4D97-AF65-F5344CB8AC3E}">
+        <p14:creationId xmlns:p14="http://schemas.microsoft.com/office/powerpoint/2010/main" val="815437795"/>
+      </p:ext>
+    </p:extLst>
+  </p:cSld>
+  <p:clrMapOvr>
+    <a:masterClrMapping/>
+  </p:clrMapOvr>
+</p:sld>
+</file>
+
+<file path=ppt/slides/slide8.xml><?xml version="1.0" encoding="utf-8"?>
+<p:sld xmlns:a="http://schemas.openxmlformats.org/drawingml/2006/main" xmlns:r="http://schemas.openxmlformats.org/officeDocument/2006/relationships" xmlns:p="http://schemas.openxmlformats.org/presentationml/2006/main">
+  <p:cSld>
+    <p:bg>
+      <p:bgPr>
+        <a:solidFill>
+          <a:schemeClr val="accent4">
+            <a:lumMod val="20000"/>
+            <a:lumOff val="80000"/>
+          </a:schemeClr>
+        </a:solidFill>
+        <a:effectLst/>
+      </p:bgPr>
+    </p:bg>
+    <p:spTree>
+      <p:nvGrpSpPr>
+        <p:cNvPr id="1" name="">
+          <a:extLst>
+            <a:ext uri="{FF2B5EF4-FFF2-40B4-BE49-F238E27FC236}">
+              <a16:creationId xmlns:a16="http://schemas.microsoft.com/office/drawing/2014/main" id="{BEB948A9-A62F-CF58-A261-BCCB024BFD13}"/>
+            </a:ext>
+          </a:extLst>
+        </p:cNvPr>
+        <p:cNvGrpSpPr/>
+        <p:nvPr/>
+      </p:nvGrpSpPr>
+      <p:grpSpPr>
+        <a:xfrm>
+          <a:off x="0" y="0"/>
+          <a:ext cx="0" cy="0"/>
+          <a:chOff x="0" y="0"/>
+          <a:chExt cx="0" cy="0"/>
+        </a:xfrm>
+      </p:grpSpPr>
+      <p:sp>
+        <p:nvSpPr>
+          <p:cNvPr id="2" name="Title 1">
+            <a:extLst>
+              <a:ext uri="{FF2B5EF4-FFF2-40B4-BE49-F238E27FC236}">
+                <a16:creationId xmlns:a16="http://schemas.microsoft.com/office/drawing/2014/main" id="{75CDBCDB-93F3-F2F7-ABC0-EB15C3138519}"/>
+              </a:ext>
+            </a:extLst>
+          </p:cNvPr>
+          <p:cNvSpPr>
+            <a:spLocks noGrp="1"/>
+          </p:cNvSpPr>
+          <p:nvPr>
+            <p:ph type="title"/>
+          </p:nvPr>
+        </p:nvSpPr>
+        <p:spPr>
+          <a:xfrm>
+            <a:off x="838200" y="0"/>
+            <a:ext cx="10515600" cy="1325563"/>
+          </a:xfrm>
+        </p:spPr>
+        <p:txBody>
+          <a:bodyPr/>
+          <a:lstStyle/>
+          <a:p>
+            <a:pPr algn="ctr"/>
+            <a:r>
+              <a:rPr lang="en-US" b="1" u="sng" dirty="0">
+                <a:latin typeface="Aharoni" panose="02010803020104030203" pitchFamily="2" charset="-79"/>
+                <a:cs typeface="Aharoni" panose="02010803020104030203" pitchFamily="2" charset="-79"/>
+              </a:rPr>
+              <a:t>Heatmap for all genes (FPKM)</a:t>
+            </a:r>
+          </a:p>
+        </p:txBody>
+      </p:sp>
+      <p:pic>
+        <p:nvPicPr>
+          <p:cNvPr id="4" name="Picture 3">
+            <a:extLst>
+              <a:ext uri="{FF2B5EF4-FFF2-40B4-BE49-F238E27FC236}">
+                <a16:creationId xmlns:a16="http://schemas.microsoft.com/office/drawing/2014/main" id="{ABD11449-788C-DD5E-ADE2-C5B504AADA0A}"/>
+              </a:ext>
+            </a:extLst>
+          </p:cNvPr>
+          <p:cNvPicPr>
+            <a:picLocks noChangeAspect="1"/>
+          </p:cNvPicPr>
+          <p:nvPr/>
+        </p:nvPicPr>
+        <p:blipFill>
+          <a:blip r:embed="rId2"/>
+          <a:stretch>
+            <a:fillRect/>
+          </a:stretch>
+        </p:blipFill>
+        <p:spPr>
+          <a:xfrm>
+            <a:off x="2171382" y="1034732"/>
+            <a:ext cx="7849235" cy="5633075"/>
+          </a:xfrm>
+          <a:prstGeom prst="rect">
+            <a:avLst/>
+          </a:prstGeom>
+        </p:spPr>
+      </p:pic>
+    </p:spTree>
+    <p:extLst>
+      <p:ext uri="{BB962C8B-B14F-4D97-AF65-F5344CB8AC3E}">
+        <p14:creationId xmlns:p14="http://schemas.microsoft.com/office/powerpoint/2010/main" val="2316982889"/>
+      </p:ext>
+    </p:extLst>
+  </p:cSld>
+  <p:clrMapOvr>
+    <a:masterClrMapping/>
+  </p:clrMapOvr>
+</p:sld>
+</file>
+
+<file path=ppt/slides/slide9.xml><?xml version="1.0" encoding="utf-8"?>
+<p:sld xmlns:a="http://schemas.openxmlformats.org/drawingml/2006/main" xmlns:r="http://schemas.openxmlformats.org/officeDocument/2006/relationships" xmlns:p="http://schemas.openxmlformats.org/presentationml/2006/main">
+  <p:cSld>
+    <p:bg>
+      <p:bgPr>
+        <a:solidFill>
+          <a:schemeClr val="accent4">
+            <a:lumMod val="20000"/>
+            <a:lumOff val="80000"/>
+          </a:schemeClr>
+        </a:solidFill>
+        <a:effectLst/>
+      </p:bgPr>
+    </p:bg>
+    <p:spTree>
+      <p:nvGrpSpPr>
+        <p:cNvPr id="1" name="">
+          <a:extLst>
+            <a:ext uri="{FF2B5EF4-FFF2-40B4-BE49-F238E27FC236}">
+              <a16:creationId xmlns:a16="http://schemas.microsoft.com/office/drawing/2014/main" id="{162B74C6-E960-252C-4B03-7D06F2A305D3}"/>
+            </a:ext>
+          </a:extLst>
+        </p:cNvPr>
+        <p:cNvGrpSpPr/>
+        <p:nvPr/>
+      </p:nvGrpSpPr>
+      <p:grpSpPr>
+        <a:xfrm>
+          <a:off x="0" y="0"/>
+          <a:ext cx="0" cy="0"/>
+          <a:chOff x="0" y="0"/>
+          <a:chExt cx="0" cy="0"/>
+        </a:xfrm>
+      </p:grpSpPr>
+      <p:sp>
+        <p:nvSpPr>
+          <p:cNvPr id="2" name="Title 1">
+            <a:extLst>
+              <a:ext uri="{FF2B5EF4-FFF2-40B4-BE49-F238E27FC236}">
+                <a16:creationId xmlns:a16="http://schemas.microsoft.com/office/drawing/2014/main" id="{F878DF14-BC25-8F06-B9A5-B34FF7732F99}"/>
+              </a:ext>
+            </a:extLst>
+          </p:cNvPr>
+          <p:cNvSpPr>
+            <a:spLocks noGrp="1"/>
+          </p:cNvSpPr>
+          <p:nvPr>
+            <p:ph type="title"/>
+          </p:nvPr>
+        </p:nvSpPr>
+        <p:spPr>
+          <a:xfrm>
+            <a:off x="838200" y="0"/>
+            <a:ext cx="10515600" cy="1325563"/>
+          </a:xfrm>
+        </p:spPr>
+        <p:txBody>
+          <a:bodyPr/>
+          <a:lstStyle/>
+          <a:p>
+            <a:pPr algn="ctr"/>
+            <a:r>
+              <a:rPr lang="en-US" b="1" u="sng" dirty="0">
+                <a:latin typeface="Aharoni" panose="02010803020104030203" pitchFamily="2" charset="-79"/>
+                <a:cs typeface="Aharoni" panose="02010803020104030203" pitchFamily="2" charset="-79"/>
+              </a:rPr>
+              <a:t>Heatmap for Top 3 Hits</a:t>
+            </a:r>
+          </a:p>
+        </p:txBody>
+      </p:sp>
+      <p:pic>
+        <p:nvPicPr>
+          <p:cNvPr id="5" name="Picture 4">
+            <a:extLst>
+              <a:ext uri="{FF2B5EF4-FFF2-40B4-BE49-F238E27FC236}">
+                <a16:creationId xmlns:a16="http://schemas.microsoft.com/office/drawing/2014/main" id="{73063928-E47E-3942-714F-BA926678E499}"/>
+              </a:ext>
+            </a:extLst>
+          </p:cNvPr>
+          <p:cNvPicPr>
+            <a:picLocks noChangeAspect="1"/>
+          </p:cNvPicPr>
+          <p:nvPr/>
+        </p:nvPicPr>
+        <p:blipFill>
+          <a:blip r:embed="rId2"/>
+          <a:stretch>
+            <a:fillRect/>
+          </a:stretch>
+        </p:blipFill>
+        <p:spPr>
+          <a:xfrm>
+            <a:off x="2770698" y="1443037"/>
+            <a:ext cx="6650604" cy="5053013"/>
+          </a:xfrm>
+          <a:prstGeom prst="rect">
+            <a:avLst/>
+          </a:prstGeom>
+        </p:spPr>
+      </p:pic>
+    </p:spTree>
+    <p:extLst>
+      <p:ext uri="{BB962C8B-B14F-4D97-AF65-F5344CB8AC3E}">
+        <p14:creationId xmlns:p14="http://schemas.microsoft.com/office/powerpoint/2010/main" val="2083819196"/>
       </p:ext>
     </p:extLst>
   </p:cSld>
